--- a/hw01.pptx
+++ b/hw01.pptx
@@ -4,8 +4,18 @@
   <p:sldMasterIdLst>
     <p:sldMasterId id="2147483648" r:id="rId1"/>
   </p:sldMasterIdLst>
+  <p:notesMasterIdLst>
+    <p:notesMasterId r:id="rId10"/>
+  </p:notesMasterIdLst>
   <p:sldIdLst>
-    <p:sldId id="256" r:id="rId2"/>
+    <p:sldId id="267" r:id="rId2"/>
+    <p:sldId id="256" r:id="rId3"/>
+    <p:sldId id="262" r:id="rId4"/>
+    <p:sldId id="258" r:id="rId5"/>
+    <p:sldId id="259" r:id="rId6"/>
+    <p:sldId id="264" r:id="rId7"/>
+    <p:sldId id="260" r:id="rId8"/>
+    <p:sldId id="270" r:id="rId9"/>
   </p:sldIdLst>
   <p:sldSz cx="12192000" cy="6858000"/>
   <p:notesSz cx="6858000" cy="9144000"/>
@@ -104,7 +114,1201 @@
       </a:defRPr>
     </a:lvl9pPr>
   </p:defaultTextStyle>
+  <p:extLst>
+    <p:ext uri="{EFAFB233-063F-42B5-8137-9DF3F51BA10A}">
+      <p15:sldGuideLst xmlns:p15="http://schemas.microsoft.com/office/powerpoint/2012/main"/>
+    </p:ext>
+  </p:extLst>
 </p:presentation>
+</file>
+
+<file path=ppt/notesMasters/notesMaster1.xml><?xml version="1.0" encoding="utf-8"?>
+<p:notesMaster xmlns:a="http://schemas.openxmlformats.org/drawingml/2006/main" xmlns:r="http://schemas.openxmlformats.org/officeDocument/2006/relationships" xmlns:p="http://schemas.openxmlformats.org/presentationml/2006/main">
+  <p:cSld>
+    <p:bg>
+      <p:bgRef idx="1001">
+        <a:schemeClr val="bg1"/>
+      </p:bgRef>
+    </p:bg>
+    <p:spTree>
+      <p:nvGrpSpPr>
+        <p:cNvPr id="1" name=""/>
+        <p:cNvGrpSpPr/>
+        <p:nvPr/>
+      </p:nvGrpSpPr>
+      <p:grpSpPr>
+        <a:xfrm>
+          <a:off x="0" y="0"/>
+          <a:ext cx="0" cy="0"/>
+          <a:chOff x="0" y="0"/>
+          <a:chExt cx="0" cy="0"/>
+        </a:xfrm>
+      </p:grpSpPr>
+      <p:sp>
+        <p:nvSpPr>
+          <p:cNvPr id="2" name="頁首版面配置區 1"/>
+          <p:cNvSpPr>
+            <a:spLocks noGrp="1"/>
+          </p:cNvSpPr>
+          <p:nvPr>
+            <p:ph type="hdr" sz="quarter"/>
+          </p:nvPr>
+        </p:nvSpPr>
+        <p:spPr>
+          <a:xfrm>
+            <a:off x="0" y="0"/>
+            <a:ext cx="2971800" cy="458788"/>
+          </a:xfrm>
+          <a:prstGeom prst="rect">
+            <a:avLst/>
+          </a:prstGeom>
+        </p:spPr>
+        <p:txBody>
+          <a:bodyPr vert="horz" lIns="91440" tIns="45720" rIns="91440" bIns="45720" rtlCol="0"/>
+          <a:lstStyle>
+            <a:lvl1pPr algn="l">
+              <a:defRPr sz="1200"/>
+            </a:lvl1pPr>
+          </a:lstStyle>
+          <a:p>
+            <a:endParaRPr lang="zh-TW" altLang="en-US"/>
+          </a:p>
+        </p:txBody>
+      </p:sp>
+      <p:sp>
+        <p:nvSpPr>
+          <p:cNvPr id="3" name="日期版面配置區 2"/>
+          <p:cNvSpPr>
+            <a:spLocks noGrp="1"/>
+          </p:cNvSpPr>
+          <p:nvPr>
+            <p:ph type="dt" idx="1"/>
+          </p:nvPr>
+        </p:nvSpPr>
+        <p:spPr>
+          <a:xfrm>
+            <a:off x="3884613" y="0"/>
+            <a:ext cx="2971800" cy="458788"/>
+          </a:xfrm>
+          <a:prstGeom prst="rect">
+            <a:avLst/>
+          </a:prstGeom>
+        </p:spPr>
+        <p:txBody>
+          <a:bodyPr vert="horz" lIns="91440" tIns="45720" rIns="91440" bIns="45720" rtlCol="0"/>
+          <a:lstStyle>
+            <a:lvl1pPr algn="r">
+              <a:defRPr sz="1200"/>
+            </a:lvl1pPr>
+          </a:lstStyle>
+          <a:p>
+            <a:fld id="{FDEB3F34-BB10-4005-89E7-D922458A6F3E}" type="datetimeFigureOut">
+              <a:rPr lang="zh-TW" altLang="en-US" smtClean="0"/>
+              <a:t>2024/10/20</a:t>
+            </a:fld>
+            <a:endParaRPr lang="zh-TW" altLang="en-US"/>
+          </a:p>
+        </p:txBody>
+      </p:sp>
+      <p:sp>
+        <p:nvSpPr>
+          <p:cNvPr id="4" name="投影片影像版面配置區 3"/>
+          <p:cNvSpPr>
+            <a:spLocks noGrp="1" noRot="1" noChangeAspect="1"/>
+          </p:cNvSpPr>
+          <p:nvPr>
+            <p:ph type="sldImg" idx="2"/>
+          </p:nvPr>
+        </p:nvSpPr>
+        <p:spPr>
+          <a:xfrm>
+            <a:off x="685800" y="1143000"/>
+            <a:ext cx="5486400" cy="3086100"/>
+          </a:xfrm>
+          <a:prstGeom prst="rect">
+            <a:avLst/>
+          </a:prstGeom>
+          <a:noFill/>
+          <a:ln w="12700">
+            <a:solidFill>
+              <a:prstClr val="black"/>
+            </a:solidFill>
+          </a:ln>
+        </p:spPr>
+        <p:txBody>
+          <a:bodyPr vert="horz" lIns="91440" tIns="45720" rIns="91440" bIns="45720" rtlCol="0" anchor="ctr"/>
+          <a:lstStyle/>
+          <a:p>
+            <a:endParaRPr lang="zh-TW" altLang="en-US"/>
+          </a:p>
+        </p:txBody>
+      </p:sp>
+      <p:sp>
+        <p:nvSpPr>
+          <p:cNvPr id="5" name="備忘稿版面配置區 4"/>
+          <p:cNvSpPr>
+            <a:spLocks noGrp="1"/>
+          </p:cNvSpPr>
+          <p:nvPr>
+            <p:ph type="body" sz="quarter" idx="3"/>
+          </p:nvPr>
+        </p:nvSpPr>
+        <p:spPr>
+          <a:xfrm>
+            <a:off x="685800" y="4400550"/>
+            <a:ext cx="5486400" cy="3600450"/>
+          </a:xfrm>
+          <a:prstGeom prst="rect">
+            <a:avLst/>
+          </a:prstGeom>
+        </p:spPr>
+        <p:txBody>
+          <a:bodyPr vert="horz" lIns="91440" tIns="45720" rIns="91440" bIns="45720" rtlCol="0"/>
+          <a:lstStyle/>
+          <a:p>
+            <a:pPr lvl="0"/>
+            <a:r>
+              <a:rPr lang="zh-TW" altLang="en-US"/>
+              <a:t>按一下以編輯母片文字樣式</a:t>
+            </a:r>
+          </a:p>
+          <a:p>
+            <a:pPr lvl="1"/>
+            <a:r>
+              <a:rPr lang="zh-TW" altLang="en-US"/>
+              <a:t>第二層</a:t>
+            </a:r>
+          </a:p>
+          <a:p>
+            <a:pPr lvl="2"/>
+            <a:r>
+              <a:rPr lang="zh-TW" altLang="en-US"/>
+              <a:t>第三層</a:t>
+            </a:r>
+          </a:p>
+          <a:p>
+            <a:pPr lvl="3"/>
+            <a:r>
+              <a:rPr lang="zh-TW" altLang="en-US"/>
+              <a:t>第四層</a:t>
+            </a:r>
+          </a:p>
+          <a:p>
+            <a:pPr lvl="4"/>
+            <a:r>
+              <a:rPr lang="zh-TW" altLang="en-US"/>
+              <a:t>第五層</a:t>
+            </a:r>
+          </a:p>
+        </p:txBody>
+      </p:sp>
+      <p:sp>
+        <p:nvSpPr>
+          <p:cNvPr id="6" name="頁尾版面配置區 5"/>
+          <p:cNvSpPr>
+            <a:spLocks noGrp="1"/>
+          </p:cNvSpPr>
+          <p:nvPr>
+            <p:ph type="ftr" sz="quarter" idx="4"/>
+          </p:nvPr>
+        </p:nvSpPr>
+        <p:spPr>
+          <a:xfrm>
+            <a:off x="0" y="8685213"/>
+            <a:ext cx="2971800" cy="458787"/>
+          </a:xfrm>
+          <a:prstGeom prst="rect">
+            <a:avLst/>
+          </a:prstGeom>
+        </p:spPr>
+        <p:txBody>
+          <a:bodyPr vert="horz" lIns="91440" tIns="45720" rIns="91440" bIns="45720" rtlCol="0" anchor="b"/>
+          <a:lstStyle>
+            <a:lvl1pPr algn="l">
+              <a:defRPr sz="1200"/>
+            </a:lvl1pPr>
+          </a:lstStyle>
+          <a:p>
+            <a:endParaRPr lang="zh-TW" altLang="en-US"/>
+          </a:p>
+        </p:txBody>
+      </p:sp>
+      <p:sp>
+        <p:nvSpPr>
+          <p:cNvPr id="7" name="投影片編號版面配置區 6"/>
+          <p:cNvSpPr>
+            <a:spLocks noGrp="1"/>
+          </p:cNvSpPr>
+          <p:nvPr>
+            <p:ph type="sldNum" sz="quarter" idx="5"/>
+          </p:nvPr>
+        </p:nvSpPr>
+        <p:spPr>
+          <a:xfrm>
+            <a:off x="3884613" y="8685213"/>
+            <a:ext cx="2971800" cy="458787"/>
+          </a:xfrm>
+          <a:prstGeom prst="rect">
+            <a:avLst/>
+          </a:prstGeom>
+        </p:spPr>
+        <p:txBody>
+          <a:bodyPr vert="horz" lIns="91440" tIns="45720" rIns="91440" bIns="45720" rtlCol="0" anchor="b"/>
+          <a:lstStyle>
+            <a:lvl1pPr algn="r">
+              <a:defRPr sz="1200"/>
+            </a:lvl1pPr>
+          </a:lstStyle>
+          <a:p>
+            <a:fld id="{18525597-2B98-4226-A488-2306738CBB11}" type="slidenum">
+              <a:rPr lang="zh-TW" altLang="en-US" smtClean="0"/>
+              <a:t>‹#›</a:t>
+            </a:fld>
+            <a:endParaRPr lang="zh-TW" altLang="en-US"/>
+          </a:p>
+        </p:txBody>
+      </p:sp>
+    </p:spTree>
+    <p:extLst>
+      <p:ext uri="{BB962C8B-B14F-4D97-AF65-F5344CB8AC3E}">
+        <p14:creationId xmlns:p14="http://schemas.microsoft.com/office/powerpoint/2010/main" val="3671300120"/>
+      </p:ext>
+    </p:extLst>
+  </p:cSld>
+  <p:clrMap bg1="lt1" tx1="dk1" bg2="lt2" tx2="dk2" accent1="accent1" accent2="accent2" accent3="accent3" accent4="accent4" accent5="accent5" accent6="accent6" hlink="hlink" folHlink="folHlink"/>
+  <p:notesStyle>
+    <a:lvl1pPr marL="0" algn="l" defTabSz="914400" rtl="0" eaLnBrk="1" latinLnBrk="0" hangingPunct="1">
+      <a:defRPr sz="1200" kern="1200">
+        <a:solidFill>
+          <a:schemeClr val="tx1"/>
+        </a:solidFill>
+        <a:latin typeface="+mn-lt"/>
+        <a:ea typeface="+mn-ea"/>
+        <a:cs typeface="+mn-cs"/>
+      </a:defRPr>
+    </a:lvl1pPr>
+    <a:lvl2pPr marL="457200" algn="l" defTabSz="914400" rtl="0" eaLnBrk="1" latinLnBrk="0" hangingPunct="1">
+      <a:defRPr sz="1200" kern="1200">
+        <a:solidFill>
+          <a:schemeClr val="tx1"/>
+        </a:solidFill>
+        <a:latin typeface="+mn-lt"/>
+        <a:ea typeface="+mn-ea"/>
+        <a:cs typeface="+mn-cs"/>
+      </a:defRPr>
+    </a:lvl2pPr>
+    <a:lvl3pPr marL="914400" algn="l" defTabSz="914400" rtl="0" eaLnBrk="1" latinLnBrk="0" hangingPunct="1">
+      <a:defRPr sz="1200" kern="1200">
+        <a:solidFill>
+          <a:schemeClr val="tx1"/>
+        </a:solidFill>
+        <a:latin typeface="+mn-lt"/>
+        <a:ea typeface="+mn-ea"/>
+        <a:cs typeface="+mn-cs"/>
+      </a:defRPr>
+    </a:lvl3pPr>
+    <a:lvl4pPr marL="1371600" algn="l" defTabSz="914400" rtl="0" eaLnBrk="1" latinLnBrk="0" hangingPunct="1">
+      <a:defRPr sz="1200" kern="1200">
+        <a:solidFill>
+          <a:schemeClr val="tx1"/>
+        </a:solidFill>
+        <a:latin typeface="+mn-lt"/>
+        <a:ea typeface="+mn-ea"/>
+        <a:cs typeface="+mn-cs"/>
+      </a:defRPr>
+    </a:lvl4pPr>
+    <a:lvl5pPr marL="1828800" algn="l" defTabSz="914400" rtl="0" eaLnBrk="1" latinLnBrk="0" hangingPunct="1">
+      <a:defRPr sz="1200" kern="1200">
+        <a:solidFill>
+          <a:schemeClr val="tx1"/>
+        </a:solidFill>
+        <a:latin typeface="+mn-lt"/>
+        <a:ea typeface="+mn-ea"/>
+        <a:cs typeface="+mn-cs"/>
+      </a:defRPr>
+    </a:lvl5pPr>
+    <a:lvl6pPr marL="2286000" algn="l" defTabSz="914400" rtl="0" eaLnBrk="1" latinLnBrk="0" hangingPunct="1">
+      <a:defRPr sz="1200" kern="1200">
+        <a:solidFill>
+          <a:schemeClr val="tx1"/>
+        </a:solidFill>
+        <a:latin typeface="+mn-lt"/>
+        <a:ea typeface="+mn-ea"/>
+        <a:cs typeface="+mn-cs"/>
+      </a:defRPr>
+    </a:lvl6pPr>
+    <a:lvl7pPr marL="2743200" algn="l" defTabSz="914400" rtl="0" eaLnBrk="1" latinLnBrk="0" hangingPunct="1">
+      <a:defRPr sz="1200" kern="1200">
+        <a:solidFill>
+          <a:schemeClr val="tx1"/>
+        </a:solidFill>
+        <a:latin typeface="+mn-lt"/>
+        <a:ea typeface="+mn-ea"/>
+        <a:cs typeface="+mn-cs"/>
+      </a:defRPr>
+    </a:lvl7pPr>
+    <a:lvl8pPr marL="3200400" algn="l" defTabSz="914400" rtl="0" eaLnBrk="1" latinLnBrk="0" hangingPunct="1">
+      <a:defRPr sz="1200" kern="1200">
+        <a:solidFill>
+          <a:schemeClr val="tx1"/>
+        </a:solidFill>
+        <a:latin typeface="+mn-lt"/>
+        <a:ea typeface="+mn-ea"/>
+        <a:cs typeface="+mn-cs"/>
+      </a:defRPr>
+    </a:lvl8pPr>
+    <a:lvl9pPr marL="3657600" algn="l" defTabSz="914400" rtl="0" eaLnBrk="1" latinLnBrk="0" hangingPunct="1">
+      <a:defRPr sz="1200" kern="1200">
+        <a:solidFill>
+          <a:schemeClr val="tx1"/>
+        </a:solidFill>
+        <a:latin typeface="+mn-lt"/>
+        <a:ea typeface="+mn-ea"/>
+        <a:cs typeface="+mn-cs"/>
+      </a:defRPr>
+    </a:lvl9pPr>
+  </p:notesStyle>
+</p:notesMaster>
+</file>
+
+<file path=ppt/notesSlides/notesSlide1.xml><?xml version="1.0" encoding="utf-8"?>
+<p:notes xmlns:a="http://schemas.openxmlformats.org/drawingml/2006/main" xmlns:r="http://schemas.openxmlformats.org/officeDocument/2006/relationships" xmlns:p="http://schemas.openxmlformats.org/presentationml/2006/main">
+  <p:cSld>
+    <p:spTree>
+      <p:nvGrpSpPr>
+        <p:cNvPr id="1" name=""/>
+        <p:cNvGrpSpPr/>
+        <p:nvPr/>
+      </p:nvGrpSpPr>
+      <p:grpSpPr>
+        <a:xfrm>
+          <a:off x="0" y="0"/>
+          <a:ext cx="0" cy="0"/>
+          <a:chOff x="0" y="0"/>
+          <a:chExt cx="0" cy="0"/>
+        </a:xfrm>
+      </p:grpSpPr>
+      <p:sp>
+        <p:nvSpPr>
+          <p:cNvPr id="2" name="投影片影像版面配置區 1"/>
+          <p:cNvSpPr>
+            <a:spLocks noGrp="1" noRot="1" noChangeAspect="1"/>
+          </p:cNvSpPr>
+          <p:nvPr>
+            <p:ph type="sldImg"/>
+          </p:nvPr>
+        </p:nvSpPr>
+        <p:spPr/>
+      </p:sp>
+      <p:sp>
+        <p:nvSpPr>
+          <p:cNvPr id="3" name="備忘稿版面配置區 2"/>
+          <p:cNvSpPr>
+            <a:spLocks noGrp="1"/>
+          </p:cNvSpPr>
+          <p:nvPr>
+            <p:ph type="body" idx="1"/>
+          </p:nvPr>
+        </p:nvSpPr>
+        <p:spPr/>
+        <p:txBody>
+          <a:bodyPr/>
+          <a:lstStyle/>
+          <a:p>
+            <a:r>
+              <a:rPr lang="zh-TW" altLang="en-US" dirty="0"/>
+              <a:t>哈囉 大家好，今天來做自我介紹，我是今年剛升上大一的大學生</a:t>
+            </a:r>
+          </a:p>
+        </p:txBody>
+      </p:sp>
+      <p:sp>
+        <p:nvSpPr>
+          <p:cNvPr id="4" name="投影片編號版面配置區 3"/>
+          <p:cNvSpPr>
+            <a:spLocks noGrp="1"/>
+          </p:cNvSpPr>
+          <p:nvPr>
+            <p:ph type="sldNum" sz="quarter" idx="5"/>
+          </p:nvPr>
+        </p:nvSpPr>
+        <p:spPr/>
+        <p:txBody>
+          <a:bodyPr/>
+          <a:lstStyle/>
+          <a:p>
+            <a:fld id="{18525597-2B98-4226-A488-2306738CBB11}" type="slidenum">
+              <a:rPr lang="zh-TW" altLang="en-US" smtClean="0"/>
+              <a:t>1</a:t>
+            </a:fld>
+            <a:endParaRPr lang="zh-TW" altLang="en-US"/>
+          </a:p>
+        </p:txBody>
+      </p:sp>
+    </p:spTree>
+    <p:extLst>
+      <p:ext uri="{BB962C8B-B14F-4D97-AF65-F5344CB8AC3E}">
+        <p14:creationId xmlns:p14="http://schemas.microsoft.com/office/powerpoint/2010/main" val="1608764360"/>
+      </p:ext>
+    </p:extLst>
+  </p:cSld>
+  <p:clrMapOvr>
+    <a:masterClrMapping/>
+  </p:clrMapOvr>
+</p:notes>
+</file>
+
+<file path=ppt/notesSlides/notesSlide2.xml><?xml version="1.0" encoding="utf-8"?>
+<p:notes xmlns:a="http://schemas.openxmlformats.org/drawingml/2006/main" xmlns:r="http://schemas.openxmlformats.org/officeDocument/2006/relationships" xmlns:p="http://schemas.openxmlformats.org/presentationml/2006/main">
+  <p:cSld>
+    <p:spTree>
+      <p:nvGrpSpPr>
+        <p:cNvPr id="1" name=""/>
+        <p:cNvGrpSpPr/>
+        <p:nvPr/>
+      </p:nvGrpSpPr>
+      <p:grpSpPr>
+        <a:xfrm>
+          <a:off x="0" y="0"/>
+          <a:ext cx="0" cy="0"/>
+          <a:chOff x="0" y="0"/>
+          <a:chExt cx="0" cy="0"/>
+        </a:xfrm>
+      </p:grpSpPr>
+      <p:sp>
+        <p:nvSpPr>
+          <p:cNvPr id="2" name="投影片影像版面配置區 1"/>
+          <p:cNvSpPr>
+            <a:spLocks noGrp="1" noRot="1" noChangeAspect="1"/>
+          </p:cNvSpPr>
+          <p:nvPr>
+            <p:ph type="sldImg"/>
+          </p:nvPr>
+        </p:nvSpPr>
+        <p:spPr/>
+      </p:sp>
+      <p:sp>
+        <p:nvSpPr>
+          <p:cNvPr id="3" name="備忘稿版面配置區 2"/>
+          <p:cNvSpPr>
+            <a:spLocks noGrp="1"/>
+          </p:cNvSpPr>
+          <p:nvPr>
+            <p:ph type="body" idx="1"/>
+          </p:nvPr>
+        </p:nvSpPr>
+        <p:spPr/>
+        <p:txBody>
+          <a:bodyPr/>
+          <a:lstStyle/>
+          <a:p>
+            <a:r>
+              <a:rPr lang="en-US" altLang="zh-TW" dirty="0"/>
+              <a:t>Generate a Japanese anime style scene. A girl stand in front of </a:t>
+            </a:r>
+            <a:r>
+              <a:rPr lang="en-US" altLang="zh-TW" dirty="0" err="1"/>
+              <a:t>TV.She</a:t>
+            </a:r>
+            <a:r>
+              <a:rPr lang="en-US" altLang="zh-TW" dirty="0"/>
+              <a:t> is watching white hair idol dancing on the TV. The girl’s appearance with long straight black hair reaching her waist, with dark blue gradient wavy tips. She has short slanted bangs and bright orange-yellow eyes. She is wearing a teal and white sports jacket, a black shirt, white shorts, and green over-ear headphones around her neck.</a:t>
+            </a:r>
+          </a:p>
+          <a:p>
+            <a:endParaRPr lang="en-US" altLang="zh-TW" dirty="0"/>
+          </a:p>
+          <a:p>
+            <a:r>
+              <a:rPr lang="zh-TW" altLang="en-US" dirty="0"/>
+              <a:t>我很喜歡電視上唱唱跳跳的偶像。在上了大學後，我想試著參加學校的舞蹈比賽，把我對音樂和跳舞的熱愛展示給大家看。</a:t>
+            </a:r>
+          </a:p>
+        </p:txBody>
+      </p:sp>
+      <p:sp>
+        <p:nvSpPr>
+          <p:cNvPr id="4" name="投影片編號版面配置區 3"/>
+          <p:cNvSpPr>
+            <a:spLocks noGrp="1"/>
+          </p:cNvSpPr>
+          <p:nvPr>
+            <p:ph type="sldNum" sz="quarter" idx="5"/>
+          </p:nvPr>
+        </p:nvSpPr>
+        <p:spPr/>
+        <p:txBody>
+          <a:bodyPr/>
+          <a:lstStyle/>
+          <a:p>
+            <a:fld id="{18525597-2B98-4226-A488-2306738CBB11}" type="slidenum">
+              <a:rPr lang="zh-TW" altLang="en-US" smtClean="0"/>
+              <a:t>2</a:t>
+            </a:fld>
+            <a:endParaRPr lang="zh-TW" altLang="en-US"/>
+          </a:p>
+        </p:txBody>
+      </p:sp>
+    </p:spTree>
+    <p:extLst>
+      <p:ext uri="{BB962C8B-B14F-4D97-AF65-F5344CB8AC3E}">
+        <p14:creationId xmlns:p14="http://schemas.microsoft.com/office/powerpoint/2010/main" val="3856663964"/>
+      </p:ext>
+    </p:extLst>
+  </p:cSld>
+  <p:clrMapOvr>
+    <a:masterClrMapping/>
+  </p:clrMapOvr>
+</p:notes>
+</file>
+
+<file path=ppt/notesSlides/notesSlide3.xml><?xml version="1.0" encoding="utf-8"?>
+<p:notes xmlns:a="http://schemas.openxmlformats.org/drawingml/2006/main" xmlns:r="http://schemas.openxmlformats.org/officeDocument/2006/relationships" xmlns:p="http://schemas.openxmlformats.org/presentationml/2006/main">
+  <p:cSld>
+    <p:spTree>
+      <p:nvGrpSpPr>
+        <p:cNvPr id="1" name=""/>
+        <p:cNvGrpSpPr/>
+        <p:nvPr/>
+      </p:nvGrpSpPr>
+      <p:grpSpPr>
+        <a:xfrm>
+          <a:off x="0" y="0"/>
+          <a:ext cx="0" cy="0"/>
+          <a:chOff x="0" y="0"/>
+          <a:chExt cx="0" cy="0"/>
+        </a:xfrm>
+      </p:grpSpPr>
+      <p:sp>
+        <p:nvSpPr>
+          <p:cNvPr id="2" name="投影片影像版面配置區 1"/>
+          <p:cNvSpPr>
+            <a:spLocks noGrp="1" noRot="1" noChangeAspect="1"/>
+          </p:cNvSpPr>
+          <p:nvPr>
+            <p:ph type="sldImg"/>
+          </p:nvPr>
+        </p:nvSpPr>
+        <p:spPr/>
+      </p:sp>
+      <p:sp>
+        <p:nvSpPr>
+          <p:cNvPr id="3" name="備忘稿版面配置區 2"/>
+          <p:cNvSpPr>
+            <a:spLocks noGrp="1"/>
+          </p:cNvSpPr>
+          <p:nvPr>
+            <p:ph type="body" idx="1"/>
+          </p:nvPr>
+        </p:nvSpPr>
+        <p:spPr/>
+        <p:txBody>
+          <a:bodyPr/>
+          <a:lstStyle/>
+          <a:p>
+            <a:r>
+              <a:rPr lang="en-US" altLang="zh-TW" dirty="0"/>
+              <a:t>Generate a Japanese anime style scene. A girl practice dancing, but she poor performance. She is frustrated. The girl’s appearance with long straight black hair reaching her waist, with dark blue gradient wavy tips. She has short slanted bangs and bright orange-yellow eyes. She is wearing a teal and white sports jacket, a black shirt, white shorts, and green over-ear headphones around her neck. There are other girls and boys behind also dancing.</a:t>
+            </a:r>
+          </a:p>
+          <a:p>
+            <a:endParaRPr lang="en-US" altLang="zh-TW" dirty="0"/>
+          </a:p>
+          <a:p>
+            <a:r>
+              <a:rPr lang="zh-TW" altLang="en-US" dirty="0"/>
+              <a:t>但事情並不那麼順利。我的舞蹈技術並不夠好。每次排練時，我總是跟不上節奏，動作也顯得僵硬。我開始懷疑自己是不是根本不適合跳舞。</a:t>
+            </a:r>
+          </a:p>
+        </p:txBody>
+      </p:sp>
+      <p:sp>
+        <p:nvSpPr>
+          <p:cNvPr id="4" name="投影片編號版面配置區 3"/>
+          <p:cNvSpPr>
+            <a:spLocks noGrp="1"/>
+          </p:cNvSpPr>
+          <p:nvPr>
+            <p:ph type="sldNum" sz="quarter" idx="5"/>
+          </p:nvPr>
+        </p:nvSpPr>
+        <p:spPr/>
+        <p:txBody>
+          <a:bodyPr/>
+          <a:lstStyle/>
+          <a:p>
+            <a:fld id="{18525597-2B98-4226-A488-2306738CBB11}" type="slidenum">
+              <a:rPr lang="zh-TW" altLang="en-US" smtClean="0"/>
+              <a:t>3</a:t>
+            </a:fld>
+            <a:endParaRPr lang="zh-TW" altLang="en-US"/>
+          </a:p>
+        </p:txBody>
+      </p:sp>
+    </p:spTree>
+    <p:extLst>
+      <p:ext uri="{BB962C8B-B14F-4D97-AF65-F5344CB8AC3E}">
+        <p14:creationId xmlns:p14="http://schemas.microsoft.com/office/powerpoint/2010/main" val="1890133329"/>
+      </p:ext>
+    </p:extLst>
+  </p:cSld>
+  <p:clrMapOvr>
+    <a:masterClrMapping/>
+  </p:clrMapOvr>
+</p:notes>
+</file>
+
+<file path=ppt/notesSlides/notesSlide4.xml><?xml version="1.0" encoding="utf-8"?>
+<p:notes xmlns:a="http://schemas.openxmlformats.org/drawingml/2006/main" xmlns:r="http://schemas.openxmlformats.org/officeDocument/2006/relationships" xmlns:p="http://schemas.openxmlformats.org/presentationml/2006/main">
+  <p:cSld>
+    <p:spTree>
+      <p:nvGrpSpPr>
+        <p:cNvPr id="1" name=""/>
+        <p:cNvGrpSpPr/>
+        <p:nvPr/>
+      </p:nvGrpSpPr>
+      <p:grpSpPr>
+        <a:xfrm>
+          <a:off x="0" y="0"/>
+          <a:ext cx="0" cy="0"/>
+          <a:chOff x="0" y="0"/>
+          <a:chExt cx="0" cy="0"/>
+        </a:xfrm>
+      </p:grpSpPr>
+      <p:sp>
+        <p:nvSpPr>
+          <p:cNvPr id="2" name="投影片影像版面配置區 1"/>
+          <p:cNvSpPr>
+            <a:spLocks noGrp="1" noRot="1" noChangeAspect="1"/>
+          </p:cNvSpPr>
+          <p:nvPr>
+            <p:ph type="sldImg"/>
+          </p:nvPr>
+        </p:nvSpPr>
+        <p:spPr/>
+      </p:sp>
+      <p:sp>
+        <p:nvSpPr>
+          <p:cNvPr id="3" name="備忘稿版面配置區 2"/>
+          <p:cNvSpPr>
+            <a:spLocks noGrp="1"/>
+          </p:cNvSpPr>
+          <p:nvPr>
+            <p:ph type="body" idx="1"/>
+          </p:nvPr>
+        </p:nvSpPr>
+        <p:spPr/>
+        <p:txBody>
+          <a:bodyPr/>
+          <a:lstStyle/>
+          <a:p>
+            <a:r>
+              <a:rPr lang="en-US" altLang="zh-TW" dirty="0"/>
+              <a:t>Generate a Japanese anime style scene. A girl practice dancing so hard lonely in the dancing classroom at night. </a:t>
+            </a:r>
+            <a:r>
+              <a:rPr lang="en-US" altLang="zh-TW" b="1" dirty="0">
+                <a:effectLst/>
+              </a:rPr>
+              <a:t> There are more sweat on her face</a:t>
+            </a:r>
+            <a:r>
+              <a:rPr lang="en-US" altLang="zh-TW" dirty="0"/>
+              <a:t>. The girl’s appearance with long straight black hair reaching her waist, with dark blue gradient wavy tips. She has short slanted bangs and bright orange-yellow eyes. She is wearing a teal and white sports jacket, a black shirt, white shorts, and wearing a green over-ear headphones.</a:t>
+            </a:r>
+          </a:p>
+          <a:p>
+            <a:endParaRPr lang="en-US" altLang="zh-TW" dirty="0"/>
+          </a:p>
+          <a:p>
+            <a:r>
+              <a:rPr lang="zh-TW" altLang="en-US" dirty="0"/>
+              <a:t>但是，對音樂和舞蹈的熱愛讓我無法放棄。於是，我每天放學後一個人在練舞室裡反覆練習，對著鏡子一遍一遍糾正動作。</a:t>
+            </a:r>
+          </a:p>
+        </p:txBody>
+      </p:sp>
+      <p:sp>
+        <p:nvSpPr>
+          <p:cNvPr id="4" name="投影片編號版面配置區 3"/>
+          <p:cNvSpPr>
+            <a:spLocks noGrp="1"/>
+          </p:cNvSpPr>
+          <p:nvPr>
+            <p:ph type="sldNum" sz="quarter" idx="5"/>
+          </p:nvPr>
+        </p:nvSpPr>
+        <p:spPr/>
+        <p:txBody>
+          <a:bodyPr/>
+          <a:lstStyle/>
+          <a:p>
+            <a:fld id="{18525597-2B98-4226-A488-2306738CBB11}" type="slidenum">
+              <a:rPr lang="zh-TW" altLang="en-US" smtClean="0"/>
+              <a:t>4</a:t>
+            </a:fld>
+            <a:endParaRPr lang="zh-TW" altLang="en-US"/>
+          </a:p>
+        </p:txBody>
+      </p:sp>
+    </p:spTree>
+    <p:extLst>
+      <p:ext uri="{BB962C8B-B14F-4D97-AF65-F5344CB8AC3E}">
+        <p14:creationId xmlns:p14="http://schemas.microsoft.com/office/powerpoint/2010/main" val="1649038799"/>
+      </p:ext>
+    </p:extLst>
+  </p:cSld>
+  <p:clrMapOvr>
+    <a:masterClrMapping/>
+  </p:clrMapOvr>
+</p:notes>
+</file>
+
+<file path=ppt/notesSlides/notesSlide5.xml><?xml version="1.0" encoding="utf-8"?>
+<p:notes xmlns:a="http://schemas.openxmlformats.org/drawingml/2006/main" xmlns:r="http://schemas.openxmlformats.org/officeDocument/2006/relationships" xmlns:p="http://schemas.openxmlformats.org/presentationml/2006/main">
+  <p:cSld>
+    <p:spTree>
+      <p:nvGrpSpPr>
+        <p:cNvPr id="1" name=""/>
+        <p:cNvGrpSpPr/>
+        <p:nvPr/>
+      </p:nvGrpSpPr>
+      <p:grpSpPr>
+        <a:xfrm>
+          <a:off x="0" y="0"/>
+          <a:ext cx="0" cy="0"/>
+          <a:chOff x="0" y="0"/>
+          <a:chExt cx="0" cy="0"/>
+        </a:xfrm>
+      </p:grpSpPr>
+      <p:sp>
+        <p:nvSpPr>
+          <p:cNvPr id="2" name="投影片影像版面配置區 1"/>
+          <p:cNvSpPr>
+            <a:spLocks noGrp="1" noRot="1" noChangeAspect="1"/>
+          </p:cNvSpPr>
+          <p:nvPr>
+            <p:ph type="sldImg"/>
+          </p:nvPr>
+        </p:nvSpPr>
+        <p:spPr/>
+      </p:sp>
+      <p:sp>
+        <p:nvSpPr>
+          <p:cNvPr id="3" name="備忘稿版面配置區 2"/>
+          <p:cNvSpPr>
+            <a:spLocks noGrp="1"/>
+          </p:cNvSpPr>
+          <p:nvPr>
+            <p:ph type="body" idx="1"/>
+          </p:nvPr>
+        </p:nvSpPr>
+        <p:spPr/>
+        <p:txBody>
+          <a:bodyPr/>
+          <a:lstStyle/>
+          <a:p>
+            <a:r>
+              <a:rPr lang="en-US" altLang="zh-TW" dirty="0"/>
+              <a:t>Generate a Japanese anime style scene. A girl dancing very beautiful in the dancing classroom. She feel </a:t>
+            </a:r>
+            <a:r>
+              <a:rPr lang="en-US" altLang="zh-TW" b="1" dirty="0">
+                <a:effectLst/>
+              </a:rPr>
+              <a:t>confidence</a:t>
+            </a:r>
+            <a:r>
+              <a:rPr lang="en-US" altLang="zh-TW" dirty="0"/>
+              <a:t>. The girl’s appearance with long straight black hair reaching her waist, with dark blue gradient wavy tips. She has short slanted bangs and bright orange-yellow eyes. She is wearing a teal and white sports jacket, a black shirt, white shorts, and wearing a green over-ear headphones.</a:t>
+            </a:r>
+          </a:p>
+          <a:p>
+            <a:endParaRPr lang="en-US" altLang="zh-TW" dirty="0"/>
+          </a:p>
+          <a:p>
+            <a:r>
+              <a:rPr lang="zh-TW" altLang="en-US" dirty="0"/>
+              <a:t>隨著日子一天天過去，我的舞步終於越來越流暢。排練時，我開始能跟上音樂節拍，舞步也變得自信起來。</a:t>
+            </a:r>
+          </a:p>
+        </p:txBody>
+      </p:sp>
+      <p:sp>
+        <p:nvSpPr>
+          <p:cNvPr id="4" name="投影片編號版面配置區 3"/>
+          <p:cNvSpPr>
+            <a:spLocks noGrp="1"/>
+          </p:cNvSpPr>
+          <p:nvPr>
+            <p:ph type="sldNum" sz="quarter" idx="5"/>
+          </p:nvPr>
+        </p:nvSpPr>
+        <p:spPr/>
+        <p:txBody>
+          <a:bodyPr/>
+          <a:lstStyle/>
+          <a:p>
+            <a:fld id="{18525597-2B98-4226-A488-2306738CBB11}" type="slidenum">
+              <a:rPr lang="zh-TW" altLang="en-US" smtClean="0"/>
+              <a:t>5</a:t>
+            </a:fld>
+            <a:endParaRPr lang="zh-TW" altLang="en-US"/>
+          </a:p>
+        </p:txBody>
+      </p:sp>
+    </p:spTree>
+    <p:extLst>
+      <p:ext uri="{BB962C8B-B14F-4D97-AF65-F5344CB8AC3E}">
+        <p14:creationId xmlns:p14="http://schemas.microsoft.com/office/powerpoint/2010/main" val="3265118997"/>
+      </p:ext>
+    </p:extLst>
+  </p:cSld>
+  <p:clrMapOvr>
+    <a:masterClrMapping/>
+  </p:clrMapOvr>
+</p:notes>
+</file>
+
+<file path=ppt/notesSlides/notesSlide6.xml><?xml version="1.0" encoding="utf-8"?>
+<p:notes xmlns:a="http://schemas.openxmlformats.org/drawingml/2006/main" xmlns:r="http://schemas.openxmlformats.org/officeDocument/2006/relationships" xmlns:p="http://schemas.openxmlformats.org/presentationml/2006/main">
+  <p:cSld>
+    <p:spTree>
+      <p:nvGrpSpPr>
+        <p:cNvPr id="1" name=""/>
+        <p:cNvGrpSpPr/>
+        <p:nvPr/>
+      </p:nvGrpSpPr>
+      <p:grpSpPr>
+        <a:xfrm>
+          <a:off x="0" y="0"/>
+          <a:ext cx="0" cy="0"/>
+          <a:chOff x="0" y="0"/>
+          <a:chExt cx="0" cy="0"/>
+        </a:xfrm>
+      </p:grpSpPr>
+      <p:sp>
+        <p:nvSpPr>
+          <p:cNvPr id="2" name="投影片影像版面配置區 1"/>
+          <p:cNvSpPr>
+            <a:spLocks noGrp="1" noRot="1" noChangeAspect="1"/>
+          </p:cNvSpPr>
+          <p:nvPr>
+            <p:ph type="sldImg"/>
+          </p:nvPr>
+        </p:nvSpPr>
+        <p:spPr/>
+      </p:sp>
+      <p:sp>
+        <p:nvSpPr>
+          <p:cNvPr id="3" name="備忘稿版面配置區 2"/>
+          <p:cNvSpPr>
+            <a:spLocks noGrp="1"/>
+          </p:cNvSpPr>
+          <p:nvPr>
+            <p:ph type="body" idx="1"/>
+          </p:nvPr>
+        </p:nvSpPr>
+        <p:spPr/>
+        <p:txBody>
+          <a:bodyPr/>
+          <a:lstStyle/>
+          <a:p>
+            <a:r>
+              <a:rPr lang="en-US" altLang="zh-TW" dirty="0"/>
+              <a:t>Generate a Japanese anime style scene. A girl fall while dancing and hurt her ankle. The girl’s appearance with long straight black hair reaching her waist, with dark blue gradient wavy tips. She has short slanted bangs and bright orange-yellow eyes. She is wearing a teal and white sports jacket, a black shirt, white shorts, and wearing a green over-ear headphones.</a:t>
+            </a:r>
+          </a:p>
+          <a:p>
+            <a:r>
+              <a:rPr lang="en-US" altLang="zh-TW" dirty="0"/>
+              <a:t>Generate a Japanese anime style scene. A girl sit on a chair and a doctor is talking to the girl. She hurt her ankle and be </a:t>
+            </a:r>
+            <a:r>
+              <a:rPr lang="en-US" altLang="zh-TW" dirty="0" err="1"/>
+              <a:t>sad.The</a:t>
+            </a:r>
+            <a:r>
+              <a:rPr lang="en-US" altLang="zh-TW" dirty="0"/>
+              <a:t> girl’s appearance with long straight black hair reaching her waist, with dark blue gradient wavy tips. She has short slanted bangs and bright orange-yellow eyes. She is wearing a teal and white sports jacket, a black shirt, white shorts.</a:t>
+            </a:r>
+          </a:p>
+          <a:p>
+            <a:endParaRPr lang="en-US" altLang="zh-TW" dirty="0"/>
+          </a:p>
+          <a:p>
+            <a:r>
+              <a:rPr lang="zh-TW" altLang="en-US" dirty="0"/>
+              <a:t>但是在比賽前幾天，一次的練習中不小心扭到了腳踝，醫生建議我休息幾天。當下我擔心這次比賽的夢想要破滅了。</a:t>
+            </a:r>
+          </a:p>
+        </p:txBody>
+      </p:sp>
+      <p:sp>
+        <p:nvSpPr>
+          <p:cNvPr id="4" name="投影片編號版面配置區 3"/>
+          <p:cNvSpPr>
+            <a:spLocks noGrp="1"/>
+          </p:cNvSpPr>
+          <p:nvPr>
+            <p:ph type="sldNum" sz="quarter" idx="5"/>
+          </p:nvPr>
+        </p:nvSpPr>
+        <p:spPr/>
+        <p:txBody>
+          <a:bodyPr/>
+          <a:lstStyle/>
+          <a:p>
+            <a:fld id="{18525597-2B98-4226-A488-2306738CBB11}" type="slidenum">
+              <a:rPr lang="zh-TW" altLang="en-US" smtClean="0"/>
+              <a:t>6</a:t>
+            </a:fld>
+            <a:endParaRPr lang="zh-TW" altLang="en-US"/>
+          </a:p>
+        </p:txBody>
+      </p:sp>
+    </p:spTree>
+    <p:extLst>
+      <p:ext uri="{BB962C8B-B14F-4D97-AF65-F5344CB8AC3E}">
+        <p14:creationId xmlns:p14="http://schemas.microsoft.com/office/powerpoint/2010/main" val="2419722930"/>
+      </p:ext>
+    </p:extLst>
+  </p:cSld>
+  <p:clrMapOvr>
+    <a:masterClrMapping/>
+  </p:clrMapOvr>
+</p:notes>
+</file>
+
+<file path=ppt/notesSlides/notesSlide7.xml><?xml version="1.0" encoding="utf-8"?>
+<p:notes xmlns:a="http://schemas.openxmlformats.org/drawingml/2006/main" xmlns:r="http://schemas.openxmlformats.org/officeDocument/2006/relationships" xmlns:p="http://schemas.openxmlformats.org/presentationml/2006/main">
+  <p:cSld>
+    <p:spTree>
+      <p:nvGrpSpPr>
+        <p:cNvPr id="1" name=""/>
+        <p:cNvGrpSpPr/>
+        <p:nvPr/>
+      </p:nvGrpSpPr>
+      <p:grpSpPr>
+        <a:xfrm>
+          <a:off x="0" y="0"/>
+          <a:ext cx="0" cy="0"/>
+          <a:chOff x="0" y="0"/>
+          <a:chExt cx="0" cy="0"/>
+        </a:xfrm>
+      </p:grpSpPr>
+      <p:sp>
+        <p:nvSpPr>
+          <p:cNvPr id="2" name="投影片影像版面配置區 1"/>
+          <p:cNvSpPr>
+            <a:spLocks noGrp="1" noRot="1" noChangeAspect="1"/>
+          </p:cNvSpPr>
+          <p:nvPr>
+            <p:ph type="sldImg"/>
+          </p:nvPr>
+        </p:nvSpPr>
+        <p:spPr/>
+      </p:sp>
+      <p:sp>
+        <p:nvSpPr>
+          <p:cNvPr id="3" name="備忘稿版面配置區 2"/>
+          <p:cNvSpPr>
+            <a:spLocks noGrp="1"/>
+          </p:cNvSpPr>
+          <p:nvPr>
+            <p:ph type="body" idx="1"/>
+          </p:nvPr>
+        </p:nvSpPr>
+        <p:spPr/>
+        <p:txBody>
+          <a:bodyPr/>
+          <a:lstStyle/>
+          <a:p>
+            <a:r>
+              <a:rPr lang="en-US" altLang="zh-TW" dirty="0"/>
+              <a:t>Generate a Japanese anime style scene. A girl practice dancing so hard lonely in the big dancing classroom at night. </a:t>
+            </a:r>
+            <a:r>
+              <a:rPr lang="en-US" altLang="zh-TW" b="1" dirty="0">
+                <a:effectLst/>
+              </a:rPr>
+              <a:t> There is a bandage on the ankle</a:t>
+            </a:r>
+            <a:r>
+              <a:rPr lang="en-US" altLang="zh-TW" dirty="0"/>
+              <a:t>. The girl’s appearance with long straight black hair reaching her waist, with dark blue gradient wavy tips. She has short slanted bangs and bright orange-yellow eyes. She is wearing a teal and white sports jacket, a black shirt, white shorts, and wearing a green over-ear headphones.</a:t>
+            </a:r>
+          </a:p>
+          <a:p>
+            <a:endParaRPr lang="en-US" altLang="zh-TW" dirty="0"/>
+          </a:p>
+          <a:p>
+            <a:r>
+              <a:rPr lang="zh-TW" altLang="en-US" dirty="0"/>
+              <a:t>可是我不想輕易放棄。我重新調整了舞步，找了些輕盈的動作來代替原來難度較大的部分。即使腳踝還有點痛，我還是努力讓自己適應這個新版本的舞蹈。</a:t>
+            </a:r>
+          </a:p>
+        </p:txBody>
+      </p:sp>
+      <p:sp>
+        <p:nvSpPr>
+          <p:cNvPr id="4" name="投影片編號版面配置區 3"/>
+          <p:cNvSpPr>
+            <a:spLocks noGrp="1"/>
+          </p:cNvSpPr>
+          <p:nvPr>
+            <p:ph type="sldNum" sz="quarter" idx="5"/>
+          </p:nvPr>
+        </p:nvSpPr>
+        <p:spPr/>
+        <p:txBody>
+          <a:bodyPr/>
+          <a:lstStyle/>
+          <a:p>
+            <a:fld id="{18525597-2B98-4226-A488-2306738CBB11}" type="slidenum">
+              <a:rPr lang="zh-TW" altLang="en-US" smtClean="0"/>
+              <a:t>7</a:t>
+            </a:fld>
+            <a:endParaRPr lang="zh-TW" altLang="en-US"/>
+          </a:p>
+        </p:txBody>
+      </p:sp>
+    </p:spTree>
+    <p:extLst>
+      <p:ext uri="{BB962C8B-B14F-4D97-AF65-F5344CB8AC3E}">
+        <p14:creationId xmlns:p14="http://schemas.microsoft.com/office/powerpoint/2010/main" val="1668413034"/>
+      </p:ext>
+    </p:extLst>
+  </p:cSld>
+  <p:clrMapOvr>
+    <a:masterClrMapping/>
+  </p:clrMapOvr>
+</p:notes>
+</file>
+
+<file path=ppt/notesSlides/notesSlide8.xml><?xml version="1.0" encoding="utf-8"?>
+<p:notes xmlns:a="http://schemas.openxmlformats.org/drawingml/2006/main" xmlns:r="http://schemas.openxmlformats.org/officeDocument/2006/relationships" xmlns:p="http://schemas.openxmlformats.org/presentationml/2006/main">
+  <p:cSld>
+    <p:spTree>
+      <p:nvGrpSpPr>
+        <p:cNvPr id="1" name=""/>
+        <p:cNvGrpSpPr/>
+        <p:nvPr/>
+      </p:nvGrpSpPr>
+      <p:grpSpPr>
+        <a:xfrm>
+          <a:off x="0" y="0"/>
+          <a:ext cx="0" cy="0"/>
+          <a:chOff x="0" y="0"/>
+          <a:chExt cx="0" cy="0"/>
+        </a:xfrm>
+      </p:grpSpPr>
+      <p:sp>
+        <p:nvSpPr>
+          <p:cNvPr id="2" name="投影片影像版面配置區 1"/>
+          <p:cNvSpPr>
+            <a:spLocks noGrp="1" noRot="1" noChangeAspect="1"/>
+          </p:cNvSpPr>
+          <p:nvPr>
+            <p:ph type="sldImg"/>
+          </p:nvPr>
+        </p:nvSpPr>
+        <p:spPr/>
+      </p:sp>
+      <p:sp>
+        <p:nvSpPr>
+          <p:cNvPr id="3" name="備忘稿版面配置區 2"/>
+          <p:cNvSpPr>
+            <a:spLocks noGrp="1"/>
+          </p:cNvSpPr>
+          <p:nvPr>
+            <p:ph type="body" idx="1"/>
+          </p:nvPr>
+        </p:nvSpPr>
+        <p:spPr/>
+        <p:txBody>
+          <a:bodyPr/>
+          <a:lstStyle/>
+          <a:p>
+            <a:r>
+              <a:rPr lang="en-US" altLang="zh-TW" dirty="0"/>
+              <a:t>Generate a Japanese anime style scene. A girl is so happy and focus dancing on the stage for dance competition. The audience sit under be no light. The girl’s appearance with long straight black hair reaching her waist, with dark blue gradient wavy tips. She has short slanted bangs and bright orange-yellow eyes. She is wearing a teal and white sports jacket, a black shirt, white </a:t>
+            </a:r>
+            <a:r>
+              <a:rPr lang="en-US" altLang="zh-TW" dirty="0" err="1"/>
+              <a:t>shorts.The</a:t>
+            </a:r>
+            <a:r>
+              <a:rPr lang="en-US" altLang="zh-TW" dirty="0"/>
+              <a:t> girl has some sweat on her face.</a:t>
+            </a:r>
+          </a:p>
+          <a:p>
+            <a:r>
+              <a:rPr lang="en-US" altLang="zh-TW" dirty="0"/>
+              <a:t>Generate a Japanese anime style scene. A girl is so happy on the stage after dancing end for dance competition. The audience applauded. The girl’s appearance with long straight black hair reaching her waist, with dark blue gradient wavy tips. She has short slanted bangs and bright orange-yellow eyes. She is wearing a teal and white sports jacket, a black shirt, white </a:t>
+            </a:r>
+            <a:r>
+              <a:rPr lang="en-US" altLang="zh-TW" dirty="0" err="1"/>
+              <a:t>shorts.The</a:t>
+            </a:r>
+            <a:r>
+              <a:rPr lang="en-US" altLang="zh-TW" dirty="0"/>
+              <a:t> girl has some sweat on her face.</a:t>
+            </a:r>
+          </a:p>
+          <a:p>
+            <a:endParaRPr lang="en-US" altLang="zh-TW" dirty="0"/>
+          </a:p>
+          <a:p>
+            <a:r>
+              <a:rPr lang="zh-TW" altLang="en-US" dirty="0"/>
+              <a:t>比賽那天，伴隨著音樂開始跳舞。我投入了全部的熱情。當最後一個音符響起時，台下響起了掌聲。那一刻，我知道，無論結果如何，我已經成功了，因為我戰勝了自己，也實現了對音樂和跳舞的熱愛。</a:t>
+            </a:r>
+            <a:endParaRPr lang="en-US" altLang="zh-TW" dirty="0"/>
+          </a:p>
+          <a:p>
+            <a:r>
+              <a:rPr lang="zh-TW" altLang="en-US" dirty="0"/>
+              <a:t>以上是我的自我介紹，謝謝大家！</a:t>
+            </a:r>
+          </a:p>
+        </p:txBody>
+      </p:sp>
+      <p:sp>
+        <p:nvSpPr>
+          <p:cNvPr id="4" name="投影片編號版面配置區 3"/>
+          <p:cNvSpPr>
+            <a:spLocks noGrp="1"/>
+          </p:cNvSpPr>
+          <p:nvPr>
+            <p:ph type="sldNum" sz="quarter" idx="5"/>
+          </p:nvPr>
+        </p:nvSpPr>
+        <p:spPr/>
+        <p:txBody>
+          <a:bodyPr/>
+          <a:lstStyle/>
+          <a:p>
+            <a:fld id="{18525597-2B98-4226-A488-2306738CBB11}" type="slidenum">
+              <a:rPr lang="zh-TW" altLang="en-US" smtClean="0"/>
+              <a:t>8</a:t>
+            </a:fld>
+            <a:endParaRPr lang="zh-TW" altLang="en-US"/>
+          </a:p>
+        </p:txBody>
+      </p:sp>
+    </p:spTree>
+    <p:extLst>
+      <p:ext uri="{BB962C8B-B14F-4D97-AF65-F5344CB8AC3E}">
+        <p14:creationId xmlns:p14="http://schemas.microsoft.com/office/powerpoint/2010/main" val="4107459960"/>
+      </p:ext>
+    </p:extLst>
+  </p:cSld>
+  <p:clrMapOvr>
+    <a:masterClrMapping/>
+  </p:clrMapOvr>
+</p:notes>
 </file>
 
 <file path=ppt/slideLayouts/slideLayout1.xml><?xml version="1.0" encoding="utf-8"?>
@@ -129,7 +1333,7 @@
           <p:cNvPr id="2" name="標題 1">
             <a:extLst>
               <a:ext uri="{FF2B5EF4-FFF2-40B4-BE49-F238E27FC236}">
-                <a16:creationId xmlns:a16="http://schemas.microsoft.com/office/drawing/2014/main" id="{EB5CC918-B447-434E-B98E-5847BB49C259}"/>
+                <a16:creationId xmlns:a16="http://schemas.microsoft.com/office/drawing/2014/main" id="{0F7452B5-5C02-68A8-226E-449FEE657D34}"/>
               </a:ext>
             </a:extLst>
           </p:cNvPr>
@@ -166,7 +1370,7 @@
           <p:cNvPr id="3" name="副標題 2">
             <a:extLst>
               <a:ext uri="{FF2B5EF4-FFF2-40B4-BE49-F238E27FC236}">
-                <a16:creationId xmlns:a16="http://schemas.microsoft.com/office/drawing/2014/main" id="{817FCC70-CC4E-4CB6-B2CF-9FDA5AC4D346}"/>
+                <a16:creationId xmlns:a16="http://schemas.microsoft.com/office/drawing/2014/main" id="{45BE0EFC-C303-002E-8311-87E52F8AFFB3}"/>
               </a:ext>
             </a:extLst>
           </p:cNvPr>
@@ -236,7 +1440,7 @@
           <p:cNvPr id="4" name="日期版面配置區 3">
             <a:extLst>
               <a:ext uri="{FF2B5EF4-FFF2-40B4-BE49-F238E27FC236}">
-                <a16:creationId xmlns:a16="http://schemas.microsoft.com/office/drawing/2014/main" id="{BD08F018-0004-4322-AD0F-E6E740964233}"/>
+                <a16:creationId xmlns:a16="http://schemas.microsoft.com/office/drawing/2014/main" id="{798C2CF2-ADC3-4782-4E3E-AE1D67193BE8}"/>
               </a:ext>
             </a:extLst>
           </p:cNvPr>
@@ -252,9 +1456,9 @@
           <a:bodyPr/>
           <a:lstStyle/>
           <a:p>
-            <a:fld id="{C3C90D7E-32D6-4894-AE08-7BBB3E610FC9}" type="datetimeFigureOut">
+            <a:fld id="{7691AC46-0766-4CBD-8CBE-B379CD7A523E}" type="datetimeFigureOut">
               <a:rPr lang="zh-TW" altLang="en-US" smtClean="0"/>
-              <a:t>2024/9/16</a:t>
+              <a:t>2024/10/20</a:t>
             </a:fld>
             <a:endParaRPr lang="zh-TW" altLang="en-US"/>
           </a:p>
@@ -265,7 +1469,7 @@
           <p:cNvPr id="5" name="頁尾版面配置區 4">
             <a:extLst>
               <a:ext uri="{FF2B5EF4-FFF2-40B4-BE49-F238E27FC236}">
-                <a16:creationId xmlns:a16="http://schemas.microsoft.com/office/drawing/2014/main" id="{30427B34-CB13-41C7-B2F2-CED9BDC5B595}"/>
+                <a16:creationId xmlns:a16="http://schemas.microsoft.com/office/drawing/2014/main" id="{A1DCBA16-673D-00C3-8EBB-60BCD6554ACD}"/>
               </a:ext>
             </a:extLst>
           </p:cNvPr>
@@ -290,7 +1494,7 @@
           <p:cNvPr id="6" name="投影片編號版面配置區 5">
             <a:extLst>
               <a:ext uri="{FF2B5EF4-FFF2-40B4-BE49-F238E27FC236}">
-                <a16:creationId xmlns:a16="http://schemas.microsoft.com/office/drawing/2014/main" id="{76FA962E-5B03-439A-928C-87366876542D}"/>
+                <a16:creationId xmlns:a16="http://schemas.microsoft.com/office/drawing/2014/main" id="{A4F180A9-8C85-5DB3-3FE1-5FA983824B2E}"/>
               </a:ext>
             </a:extLst>
           </p:cNvPr>
@@ -306,7 +1510,7 @@
           <a:bodyPr/>
           <a:lstStyle/>
           <a:p>
-            <a:fld id="{E31EC408-072F-4346-BD0A-D6AA5788A305}" type="slidenum">
+            <a:fld id="{E1E255B6-4118-4800-9DEA-49DB0E420007}" type="slidenum">
               <a:rPr lang="zh-TW" altLang="en-US" smtClean="0"/>
               <a:t>‹#›</a:t>
             </a:fld>
@@ -317,7 +1521,7 @@
     </p:spTree>
     <p:extLst>
       <p:ext uri="{BB962C8B-B14F-4D97-AF65-F5344CB8AC3E}">
-        <p14:creationId xmlns:p14="http://schemas.microsoft.com/office/powerpoint/2010/main" val="2963035110"/>
+        <p14:creationId xmlns:p14="http://schemas.microsoft.com/office/powerpoint/2010/main" val="1725765011"/>
       </p:ext>
     </p:extLst>
   </p:cSld>
@@ -349,7 +1553,7 @@
           <p:cNvPr id="2" name="標題 1">
             <a:extLst>
               <a:ext uri="{FF2B5EF4-FFF2-40B4-BE49-F238E27FC236}">
-                <a16:creationId xmlns:a16="http://schemas.microsoft.com/office/drawing/2014/main" id="{A02F0018-7F8E-4206-A929-07CDC6B5F34A}"/>
+                <a16:creationId xmlns:a16="http://schemas.microsoft.com/office/drawing/2014/main" id="{88BA367F-C728-3D63-9597-A3DA0F554FE3}"/>
               </a:ext>
             </a:extLst>
           </p:cNvPr>
@@ -377,7 +1581,7 @@
           <p:cNvPr id="3" name="直排文字版面配置區 2">
             <a:extLst>
               <a:ext uri="{FF2B5EF4-FFF2-40B4-BE49-F238E27FC236}">
-                <a16:creationId xmlns:a16="http://schemas.microsoft.com/office/drawing/2014/main" id="{9B801E88-34C3-4545-A358-81F5614FED64}"/>
+                <a16:creationId xmlns:a16="http://schemas.microsoft.com/office/drawing/2014/main" id="{5FAF4190-7701-F0A2-C22A-B30F876FCDD7}"/>
               </a:ext>
             </a:extLst>
           </p:cNvPr>
@@ -434,7 +1638,7 @@
           <p:cNvPr id="4" name="日期版面配置區 3">
             <a:extLst>
               <a:ext uri="{FF2B5EF4-FFF2-40B4-BE49-F238E27FC236}">
-                <a16:creationId xmlns:a16="http://schemas.microsoft.com/office/drawing/2014/main" id="{60AFD716-8B99-4230-B55F-C8B88ECBB171}"/>
+                <a16:creationId xmlns:a16="http://schemas.microsoft.com/office/drawing/2014/main" id="{4B4E882A-0217-E8A3-32B5-AA4C5F619C20}"/>
               </a:ext>
             </a:extLst>
           </p:cNvPr>
@@ -450,9 +1654,9 @@
           <a:bodyPr/>
           <a:lstStyle/>
           <a:p>
-            <a:fld id="{C3C90D7E-32D6-4894-AE08-7BBB3E610FC9}" type="datetimeFigureOut">
+            <a:fld id="{7691AC46-0766-4CBD-8CBE-B379CD7A523E}" type="datetimeFigureOut">
               <a:rPr lang="zh-TW" altLang="en-US" smtClean="0"/>
-              <a:t>2024/9/16</a:t>
+              <a:t>2024/10/20</a:t>
             </a:fld>
             <a:endParaRPr lang="zh-TW" altLang="en-US"/>
           </a:p>
@@ -463,7 +1667,7 @@
           <p:cNvPr id="5" name="頁尾版面配置區 4">
             <a:extLst>
               <a:ext uri="{FF2B5EF4-FFF2-40B4-BE49-F238E27FC236}">
-                <a16:creationId xmlns:a16="http://schemas.microsoft.com/office/drawing/2014/main" id="{EA374743-76D9-4BF8-A60C-2F50B2636A8A}"/>
+                <a16:creationId xmlns:a16="http://schemas.microsoft.com/office/drawing/2014/main" id="{AC884F67-079C-9A15-55B3-B889AF6EF1ED}"/>
               </a:ext>
             </a:extLst>
           </p:cNvPr>
@@ -488,7 +1692,7 @@
           <p:cNvPr id="6" name="投影片編號版面配置區 5">
             <a:extLst>
               <a:ext uri="{FF2B5EF4-FFF2-40B4-BE49-F238E27FC236}">
-                <a16:creationId xmlns:a16="http://schemas.microsoft.com/office/drawing/2014/main" id="{00454594-6C11-4013-A666-A151E960EC9B}"/>
+                <a16:creationId xmlns:a16="http://schemas.microsoft.com/office/drawing/2014/main" id="{4DA811B7-AF45-F753-CAE6-B4E329523E04}"/>
               </a:ext>
             </a:extLst>
           </p:cNvPr>
@@ -504,7 +1708,7 @@
           <a:bodyPr/>
           <a:lstStyle/>
           <a:p>
-            <a:fld id="{E31EC408-072F-4346-BD0A-D6AA5788A305}" type="slidenum">
+            <a:fld id="{E1E255B6-4118-4800-9DEA-49DB0E420007}" type="slidenum">
               <a:rPr lang="zh-TW" altLang="en-US" smtClean="0"/>
               <a:t>‹#›</a:t>
             </a:fld>
@@ -515,7 +1719,7 @@
     </p:spTree>
     <p:extLst>
       <p:ext uri="{BB962C8B-B14F-4D97-AF65-F5344CB8AC3E}">
-        <p14:creationId xmlns:p14="http://schemas.microsoft.com/office/powerpoint/2010/main" val="188953001"/>
+        <p14:creationId xmlns:p14="http://schemas.microsoft.com/office/powerpoint/2010/main" val="3582751842"/>
       </p:ext>
     </p:extLst>
   </p:cSld>
@@ -547,7 +1751,7 @@
           <p:cNvPr id="2" name="直排標題 1">
             <a:extLst>
               <a:ext uri="{FF2B5EF4-FFF2-40B4-BE49-F238E27FC236}">
-                <a16:creationId xmlns:a16="http://schemas.microsoft.com/office/drawing/2014/main" id="{70F760AC-E708-4605-85E2-7D0F424B3E29}"/>
+                <a16:creationId xmlns:a16="http://schemas.microsoft.com/office/drawing/2014/main" id="{7B6326FD-D4A8-CE1D-5823-28DC290A8F15}"/>
               </a:ext>
             </a:extLst>
           </p:cNvPr>
@@ -580,7 +1784,7 @@
           <p:cNvPr id="3" name="直排文字版面配置區 2">
             <a:extLst>
               <a:ext uri="{FF2B5EF4-FFF2-40B4-BE49-F238E27FC236}">
-                <a16:creationId xmlns:a16="http://schemas.microsoft.com/office/drawing/2014/main" id="{84BECF48-F3B6-4D47-82A8-C6AE92EDC2F0}"/>
+                <a16:creationId xmlns:a16="http://schemas.microsoft.com/office/drawing/2014/main" id="{06D057C7-6452-F960-69BE-A344A5B6AB30}"/>
               </a:ext>
             </a:extLst>
           </p:cNvPr>
@@ -642,7 +1846,7 @@
           <p:cNvPr id="4" name="日期版面配置區 3">
             <a:extLst>
               <a:ext uri="{FF2B5EF4-FFF2-40B4-BE49-F238E27FC236}">
-                <a16:creationId xmlns:a16="http://schemas.microsoft.com/office/drawing/2014/main" id="{215DE52A-093E-4116-A2FE-F61BA999B89F}"/>
+                <a16:creationId xmlns:a16="http://schemas.microsoft.com/office/drawing/2014/main" id="{5D8587FE-0384-1D47-AE9B-98FBEA8BF948}"/>
               </a:ext>
             </a:extLst>
           </p:cNvPr>
@@ -658,9 +1862,9 @@
           <a:bodyPr/>
           <a:lstStyle/>
           <a:p>
-            <a:fld id="{C3C90D7E-32D6-4894-AE08-7BBB3E610FC9}" type="datetimeFigureOut">
+            <a:fld id="{7691AC46-0766-4CBD-8CBE-B379CD7A523E}" type="datetimeFigureOut">
               <a:rPr lang="zh-TW" altLang="en-US" smtClean="0"/>
-              <a:t>2024/9/16</a:t>
+              <a:t>2024/10/20</a:t>
             </a:fld>
             <a:endParaRPr lang="zh-TW" altLang="en-US"/>
           </a:p>
@@ -671,7 +1875,7 @@
           <p:cNvPr id="5" name="頁尾版面配置區 4">
             <a:extLst>
               <a:ext uri="{FF2B5EF4-FFF2-40B4-BE49-F238E27FC236}">
-                <a16:creationId xmlns:a16="http://schemas.microsoft.com/office/drawing/2014/main" id="{34553FE1-A5D9-4070-AA9C-378F491D4677}"/>
+                <a16:creationId xmlns:a16="http://schemas.microsoft.com/office/drawing/2014/main" id="{C3760088-C0F1-D928-C217-42DE9EF11312}"/>
               </a:ext>
             </a:extLst>
           </p:cNvPr>
@@ -696,7 +1900,7 @@
           <p:cNvPr id="6" name="投影片編號版面配置區 5">
             <a:extLst>
               <a:ext uri="{FF2B5EF4-FFF2-40B4-BE49-F238E27FC236}">
-                <a16:creationId xmlns:a16="http://schemas.microsoft.com/office/drawing/2014/main" id="{928EFDDC-5B11-4543-8144-518625EDA57F}"/>
+                <a16:creationId xmlns:a16="http://schemas.microsoft.com/office/drawing/2014/main" id="{8CC0CF9B-EBA8-06D7-C539-BF190A9617ED}"/>
               </a:ext>
             </a:extLst>
           </p:cNvPr>
@@ -712,7 +1916,7 @@
           <a:bodyPr/>
           <a:lstStyle/>
           <a:p>
-            <a:fld id="{E31EC408-072F-4346-BD0A-D6AA5788A305}" type="slidenum">
+            <a:fld id="{E1E255B6-4118-4800-9DEA-49DB0E420007}" type="slidenum">
               <a:rPr lang="zh-TW" altLang="en-US" smtClean="0"/>
               <a:t>‹#›</a:t>
             </a:fld>
@@ -723,7 +1927,7 @@
     </p:spTree>
     <p:extLst>
       <p:ext uri="{BB962C8B-B14F-4D97-AF65-F5344CB8AC3E}">
-        <p14:creationId xmlns:p14="http://schemas.microsoft.com/office/powerpoint/2010/main" val="2483123943"/>
+        <p14:creationId xmlns:p14="http://schemas.microsoft.com/office/powerpoint/2010/main" val="3616487234"/>
       </p:ext>
     </p:extLst>
   </p:cSld>
@@ -755,7 +1959,7 @@
           <p:cNvPr id="2" name="標題 1">
             <a:extLst>
               <a:ext uri="{FF2B5EF4-FFF2-40B4-BE49-F238E27FC236}">
-                <a16:creationId xmlns:a16="http://schemas.microsoft.com/office/drawing/2014/main" id="{A1BFCF4C-FB58-444C-B754-A594851E4C7B}"/>
+                <a16:creationId xmlns:a16="http://schemas.microsoft.com/office/drawing/2014/main" id="{EEE27031-5D01-C7DC-16AD-9DF23348AC56}"/>
               </a:ext>
             </a:extLst>
           </p:cNvPr>
@@ -783,7 +1987,7 @@
           <p:cNvPr id="3" name="內容版面配置區 2">
             <a:extLst>
               <a:ext uri="{FF2B5EF4-FFF2-40B4-BE49-F238E27FC236}">
-                <a16:creationId xmlns:a16="http://schemas.microsoft.com/office/drawing/2014/main" id="{987C475D-648F-4511-A6FE-04B04F755F93}"/>
+                <a16:creationId xmlns:a16="http://schemas.microsoft.com/office/drawing/2014/main" id="{DF7288C3-80A4-842B-00B1-736E10DBEFBB}"/>
               </a:ext>
             </a:extLst>
           </p:cNvPr>
@@ -840,7 +2044,7 @@
           <p:cNvPr id="4" name="日期版面配置區 3">
             <a:extLst>
               <a:ext uri="{FF2B5EF4-FFF2-40B4-BE49-F238E27FC236}">
-                <a16:creationId xmlns:a16="http://schemas.microsoft.com/office/drawing/2014/main" id="{F511FCF8-D8F7-4914-920F-D63F2D97F713}"/>
+                <a16:creationId xmlns:a16="http://schemas.microsoft.com/office/drawing/2014/main" id="{1A2237BA-8C28-7B73-2FA8-0E01D6BDF979}"/>
               </a:ext>
             </a:extLst>
           </p:cNvPr>
@@ -856,9 +2060,9 @@
           <a:bodyPr/>
           <a:lstStyle/>
           <a:p>
-            <a:fld id="{C3C90D7E-32D6-4894-AE08-7BBB3E610FC9}" type="datetimeFigureOut">
+            <a:fld id="{7691AC46-0766-4CBD-8CBE-B379CD7A523E}" type="datetimeFigureOut">
               <a:rPr lang="zh-TW" altLang="en-US" smtClean="0"/>
-              <a:t>2024/9/16</a:t>
+              <a:t>2024/10/20</a:t>
             </a:fld>
             <a:endParaRPr lang="zh-TW" altLang="en-US"/>
           </a:p>
@@ -869,7 +2073,7 @@
           <p:cNvPr id="5" name="頁尾版面配置區 4">
             <a:extLst>
               <a:ext uri="{FF2B5EF4-FFF2-40B4-BE49-F238E27FC236}">
-                <a16:creationId xmlns:a16="http://schemas.microsoft.com/office/drawing/2014/main" id="{7E1D3E8F-338D-4B4D-B411-5282866FF95D}"/>
+                <a16:creationId xmlns:a16="http://schemas.microsoft.com/office/drawing/2014/main" id="{6E03852D-D36F-1AAB-EF2D-2DED7B270B05}"/>
               </a:ext>
             </a:extLst>
           </p:cNvPr>
@@ -894,7 +2098,7 @@
           <p:cNvPr id="6" name="投影片編號版面配置區 5">
             <a:extLst>
               <a:ext uri="{FF2B5EF4-FFF2-40B4-BE49-F238E27FC236}">
-                <a16:creationId xmlns:a16="http://schemas.microsoft.com/office/drawing/2014/main" id="{F7DF3AD5-06B6-42D8-AEDF-66CCE6582524}"/>
+                <a16:creationId xmlns:a16="http://schemas.microsoft.com/office/drawing/2014/main" id="{FE8D3F3A-4AE4-6113-0C01-496DD4D9A077}"/>
               </a:ext>
             </a:extLst>
           </p:cNvPr>
@@ -910,7 +2114,7 @@
           <a:bodyPr/>
           <a:lstStyle/>
           <a:p>
-            <a:fld id="{E31EC408-072F-4346-BD0A-D6AA5788A305}" type="slidenum">
+            <a:fld id="{E1E255B6-4118-4800-9DEA-49DB0E420007}" type="slidenum">
               <a:rPr lang="zh-TW" altLang="en-US" smtClean="0"/>
               <a:t>‹#›</a:t>
             </a:fld>
@@ -921,7 +2125,7 @@
     </p:spTree>
     <p:extLst>
       <p:ext uri="{BB962C8B-B14F-4D97-AF65-F5344CB8AC3E}">
-        <p14:creationId xmlns:p14="http://schemas.microsoft.com/office/powerpoint/2010/main" val="4198509733"/>
+        <p14:creationId xmlns:p14="http://schemas.microsoft.com/office/powerpoint/2010/main" val="2979973231"/>
       </p:ext>
     </p:extLst>
   </p:cSld>
@@ -953,7 +2157,7 @@
           <p:cNvPr id="2" name="標題 1">
             <a:extLst>
               <a:ext uri="{FF2B5EF4-FFF2-40B4-BE49-F238E27FC236}">
-                <a16:creationId xmlns:a16="http://schemas.microsoft.com/office/drawing/2014/main" id="{5986B870-2B24-4658-9AEB-3C92E8E40B41}"/>
+                <a16:creationId xmlns:a16="http://schemas.microsoft.com/office/drawing/2014/main" id="{AA7252BD-8B49-B3C5-E301-6180ACCE7630}"/>
               </a:ext>
             </a:extLst>
           </p:cNvPr>
@@ -990,7 +2194,7 @@
           <p:cNvPr id="3" name="文字版面配置區 2">
             <a:extLst>
               <a:ext uri="{FF2B5EF4-FFF2-40B4-BE49-F238E27FC236}">
-                <a16:creationId xmlns:a16="http://schemas.microsoft.com/office/drawing/2014/main" id="{90235018-E757-4630-8511-F466B919268F}"/>
+                <a16:creationId xmlns:a16="http://schemas.microsoft.com/office/drawing/2014/main" id="{EC9E444F-67E8-2B2A-A549-026412BEDDB1}"/>
               </a:ext>
             </a:extLst>
           </p:cNvPr>
@@ -1115,7 +2319,7 @@
           <p:cNvPr id="4" name="日期版面配置區 3">
             <a:extLst>
               <a:ext uri="{FF2B5EF4-FFF2-40B4-BE49-F238E27FC236}">
-                <a16:creationId xmlns:a16="http://schemas.microsoft.com/office/drawing/2014/main" id="{37546C76-CF19-433D-9070-0A54A149F1B2}"/>
+                <a16:creationId xmlns:a16="http://schemas.microsoft.com/office/drawing/2014/main" id="{693966D5-5DE5-9759-ABDA-248523CCB3DF}"/>
               </a:ext>
             </a:extLst>
           </p:cNvPr>
@@ -1131,9 +2335,9 @@
           <a:bodyPr/>
           <a:lstStyle/>
           <a:p>
-            <a:fld id="{C3C90D7E-32D6-4894-AE08-7BBB3E610FC9}" type="datetimeFigureOut">
+            <a:fld id="{7691AC46-0766-4CBD-8CBE-B379CD7A523E}" type="datetimeFigureOut">
               <a:rPr lang="zh-TW" altLang="en-US" smtClean="0"/>
-              <a:t>2024/9/16</a:t>
+              <a:t>2024/10/20</a:t>
             </a:fld>
             <a:endParaRPr lang="zh-TW" altLang="en-US"/>
           </a:p>
@@ -1144,7 +2348,7 @@
           <p:cNvPr id="5" name="頁尾版面配置區 4">
             <a:extLst>
               <a:ext uri="{FF2B5EF4-FFF2-40B4-BE49-F238E27FC236}">
-                <a16:creationId xmlns:a16="http://schemas.microsoft.com/office/drawing/2014/main" id="{9C9DC25F-827C-4564-AD0E-7FD815D53AF7}"/>
+                <a16:creationId xmlns:a16="http://schemas.microsoft.com/office/drawing/2014/main" id="{85219E12-AA00-E3A1-25C9-E6ABD0F3EC72}"/>
               </a:ext>
             </a:extLst>
           </p:cNvPr>
@@ -1169,7 +2373,7 @@
           <p:cNvPr id="6" name="投影片編號版面配置區 5">
             <a:extLst>
               <a:ext uri="{FF2B5EF4-FFF2-40B4-BE49-F238E27FC236}">
-                <a16:creationId xmlns:a16="http://schemas.microsoft.com/office/drawing/2014/main" id="{8C0653A6-68AA-4213-8D62-EAF9243D6998}"/>
+                <a16:creationId xmlns:a16="http://schemas.microsoft.com/office/drawing/2014/main" id="{E1F2433B-6E37-046F-8763-5E9D94346972}"/>
               </a:ext>
             </a:extLst>
           </p:cNvPr>
@@ -1185,7 +2389,7 @@
           <a:bodyPr/>
           <a:lstStyle/>
           <a:p>
-            <a:fld id="{E31EC408-072F-4346-BD0A-D6AA5788A305}" type="slidenum">
+            <a:fld id="{E1E255B6-4118-4800-9DEA-49DB0E420007}" type="slidenum">
               <a:rPr lang="zh-TW" altLang="en-US" smtClean="0"/>
               <a:t>‹#›</a:t>
             </a:fld>
@@ -1196,7 +2400,7 @@
     </p:spTree>
     <p:extLst>
       <p:ext uri="{BB962C8B-B14F-4D97-AF65-F5344CB8AC3E}">
-        <p14:creationId xmlns:p14="http://schemas.microsoft.com/office/powerpoint/2010/main" val="3126775509"/>
+        <p14:creationId xmlns:p14="http://schemas.microsoft.com/office/powerpoint/2010/main" val="3969552587"/>
       </p:ext>
     </p:extLst>
   </p:cSld>
@@ -1228,7 +2432,7 @@
           <p:cNvPr id="2" name="標題 1">
             <a:extLst>
               <a:ext uri="{FF2B5EF4-FFF2-40B4-BE49-F238E27FC236}">
-                <a16:creationId xmlns:a16="http://schemas.microsoft.com/office/drawing/2014/main" id="{F8A74D77-9E6E-4FD1-97AD-0ADC1228B6AF}"/>
+                <a16:creationId xmlns:a16="http://schemas.microsoft.com/office/drawing/2014/main" id="{05CBC766-1316-8CDB-8166-DB1FFB6D4B8D}"/>
               </a:ext>
             </a:extLst>
           </p:cNvPr>
@@ -1256,7 +2460,7 @@
           <p:cNvPr id="3" name="內容版面配置區 2">
             <a:extLst>
               <a:ext uri="{FF2B5EF4-FFF2-40B4-BE49-F238E27FC236}">
-                <a16:creationId xmlns:a16="http://schemas.microsoft.com/office/drawing/2014/main" id="{9FDE4E9B-689C-4373-B281-9636BE211982}"/>
+                <a16:creationId xmlns:a16="http://schemas.microsoft.com/office/drawing/2014/main" id="{6594F0FE-BE42-F49A-2854-DD6C44FA1F58}"/>
               </a:ext>
             </a:extLst>
           </p:cNvPr>
@@ -1318,7 +2522,7 @@
           <p:cNvPr id="4" name="內容版面配置區 3">
             <a:extLst>
               <a:ext uri="{FF2B5EF4-FFF2-40B4-BE49-F238E27FC236}">
-                <a16:creationId xmlns:a16="http://schemas.microsoft.com/office/drawing/2014/main" id="{CD25EC10-0BDA-4ECA-AB8E-059AC3378E22}"/>
+                <a16:creationId xmlns:a16="http://schemas.microsoft.com/office/drawing/2014/main" id="{398FA56A-3282-E73F-767E-0AE4848B9691}"/>
               </a:ext>
             </a:extLst>
           </p:cNvPr>
@@ -1380,7 +2584,7 @@
           <p:cNvPr id="5" name="日期版面配置區 4">
             <a:extLst>
               <a:ext uri="{FF2B5EF4-FFF2-40B4-BE49-F238E27FC236}">
-                <a16:creationId xmlns:a16="http://schemas.microsoft.com/office/drawing/2014/main" id="{63DAF127-0983-4C38-869C-C0A513FA9147}"/>
+                <a16:creationId xmlns:a16="http://schemas.microsoft.com/office/drawing/2014/main" id="{A407F8C2-41DE-9ED7-2B79-AB1330A81D27}"/>
               </a:ext>
             </a:extLst>
           </p:cNvPr>
@@ -1396,9 +2600,9 @@
           <a:bodyPr/>
           <a:lstStyle/>
           <a:p>
-            <a:fld id="{C3C90D7E-32D6-4894-AE08-7BBB3E610FC9}" type="datetimeFigureOut">
+            <a:fld id="{7691AC46-0766-4CBD-8CBE-B379CD7A523E}" type="datetimeFigureOut">
               <a:rPr lang="zh-TW" altLang="en-US" smtClean="0"/>
-              <a:t>2024/9/16</a:t>
+              <a:t>2024/10/20</a:t>
             </a:fld>
             <a:endParaRPr lang="zh-TW" altLang="en-US"/>
           </a:p>
@@ -1409,7 +2613,7 @@
           <p:cNvPr id="6" name="頁尾版面配置區 5">
             <a:extLst>
               <a:ext uri="{FF2B5EF4-FFF2-40B4-BE49-F238E27FC236}">
-                <a16:creationId xmlns:a16="http://schemas.microsoft.com/office/drawing/2014/main" id="{E014CBA6-CCE3-4CF4-8E13-D895EDBD8F25}"/>
+                <a16:creationId xmlns:a16="http://schemas.microsoft.com/office/drawing/2014/main" id="{DCF9166C-87AA-06DC-EA87-AAFFD24BDADC}"/>
               </a:ext>
             </a:extLst>
           </p:cNvPr>
@@ -1434,7 +2638,7 @@
           <p:cNvPr id="7" name="投影片編號版面配置區 6">
             <a:extLst>
               <a:ext uri="{FF2B5EF4-FFF2-40B4-BE49-F238E27FC236}">
-                <a16:creationId xmlns:a16="http://schemas.microsoft.com/office/drawing/2014/main" id="{5CEAA8E5-79B3-445E-B8C3-29BD56CE6D7A}"/>
+                <a16:creationId xmlns:a16="http://schemas.microsoft.com/office/drawing/2014/main" id="{483D452C-4EF2-8078-F996-CFBB3A4D76A3}"/>
               </a:ext>
             </a:extLst>
           </p:cNvPr>
@@ -1450,7 +2654,7 @@
           <a:bodyPr/>
           <a:lstStyle/>
           <a:p>
-            <a:fld id="{E31EC408-072F-4346-BD0A-D6AA5788A305}" type="slidenum">
+            <a:fld id="{E1E255B6-4118-4800-9DEA-49DB0E420007}" type="slidenum">
               <a:rPr lang="zh-TW" altLang="en-US" smtClean="0"/>
               <a:t>‹#›</a:t>
             </a:fld>
@@ -1461,7 +2665,7 @@
     </p:spTree>
     <p:extLst>
       <p:ext uri="{BB962C8B-B14F-4D97-AF65-F5344CB8AC3E}">
-        <p14:creationId xmlns:p14="http://schemas.microsoft.com/office/powerpoint/2010/main" val="3858213488"/>
+        <p14:creationId xmlns:p14="http://schemas.microsoft.com/office/powerpoint/2010/main" val="358411253"/>
       </p:ext>
     </p:extLst>
   </p:cSld>
@@ -1493,7 +2697,7 @@
           <p:cNvPr id="2" name="標題 1">
             <a:extLst>
               <a:ext uri="{FF2B5EF4-FFF2-40B4-BE49-F238E27FC236}">
-                <a16:creationId xmlns:a16="http://schemas.microsoft.com/office/drawing/2014/main" id="{A00F76B6-8DEC-4A74-A06A-BA0146321CD8}"/>
+                <a16:creationId xmlns:a16="http://schemas.microsoft.com/office/drawing/2014/main" id="{8BD1F21E-253C-8F9C-E832-30DF2FFB357C}"/>
               </a:ext>
             </a:extLst>
           </p:cNvPr>
@@ -1526,7 +2730,7 @@
           <p:cNvPr id="3" name="文字版面配置區 2">
             <a:extLst>
               <a:ext uri="{FF2B5EF4-FFF2-40B4-BE49-F238E27FC236}">
-                <a16:creationId xmlns:a16="http://schemas.microsoft.com/office/drawing/2014/main" id="{EF00F5C5-99A7-4F16-855A-F170362659F7}"/>
+                <a16:creationId xmlns:a16="http://schemas.microsoft.com/office/drawing/2014/main" id="{A53180CB-999D-1DD6-81D8-FC8E01080525}"/>
               </a:ext>
             </a:extLst>
           </p:cNvPr>
@@ -1597,7 +2801,7 @@
           <p:cNvPr id="4" name="內容版面配置區 3">
             <a:extLst>
               <a:ext uri="{FF2B5EF4-FFF2-40B4-BE49-F238E27FC236}">
-                <a16:creationId xmlns:a16="http://schemas.microsoft.com/office/drawing/2014/main" id="{6722BEB2-C9B4-4C14-8234-D17E84349984}"/>
+                <a16:creationId xmlns:a16="http://schemas.microsoft.com/office/drawing/2014/main" id="{BF0FDA75-69B4-2CB0-3217-9639D8E54B00}"/>
               </a:ext>
             </a:extLst>
           </p:cNvPr>
@@ -1659,7 +2863,7 @@
           <p:cNvPr id="5" name="文字版面配置區 4">
             <a:extLst>
               <a:ext uri="{FF2B5EF4-FFF2-40B4-BE49-F238E27FC236}">
-                <a16:creationId xmlns:a16="http://schemas.microsoft.com/office/drawing/2014/main" id="{E4A41162-A0AC-4211-940F-4B92208F9B0E}"/>
+                <a16:creationId xmlns:a16="http://schemas.microsoft.com/office/drawing/2014/main" id="{F6AB3F5F-FB4E-2462-DD6A-D2CB2296B55B}"/>
               </a:ext>
             </a:extLst>
           </p:cNvPr>
@@ -1730,7 +2934,7 @@
           <p:cNvPr id="6" name="內容版面配置區 5">
             <a:extLst>
               <a:ext uri="{FF2B5EF4-FFF2-40B4-BE49-F238E27FC236}">
-                <a16:creationId xmlns:a16="http://schemas.microsoft.com/office/drawing/2014/main" id="{E8EA159A-F9D7-4F58-A7C3-6E5B65E42266}"/>
+                <a16:creationId xmlns:a16="http://schemas.microsoft.com/office/drawing/2014/main" id="{A5BD1989-3AB9-D109-B130-34E828A9E6C8}"/>
               </a:ext>
             </a:extLst>
           </p:cNvPr>
@@ -1792,7 +2996,7 @@
           <p:cNvPr id="7" name="日期版面配置區 6">
             <a:extLst>
               <a:ext uri="{FF2B5EF4-FFF2-40B4-BE49-F238E27FC236}">
-                <a16:creationId xmlns:a16="http://schemas.microsoft.com/office/drawing/2014/main" id="{AE973E80-9141-48B7-A9D7-605A4541768F}"/>
+                <a16:creationId xmlns:a16="http://schemas.microsoft.com/office/drawing/2014/main" id="{155744CC-C193-1540-71EE-08CA0E65DB12}"/>
               </a:ext>
             </a:extLst>
           </p:cNvPr>
@@ -1808,9 +3012,9 @@
           <a:bodyPr/>
           <a:lstStyle/>
           <a:p>
-            <a:fld id="{C3C90D7E-32D6-4894-AE08-7BBB3E610FC9}" type="datetimeFigureOut">
+            <a:fld id="{7691AC46-0766-4CBD-8CBE-B379CD7A523E}" type="datetimeFigureOut">
               <a:rPr lang="zh-TW" altLang="en-US" smtClean="0"/>
-              <a:t>2024/9/16</a:t>
+              <a:t>2024/10/20</a:t>
             </a:fld>
             <a:endParaRPr lang="zh-TW" altLang="en-US"/>
           </a:p>
@@ -1821,7 +3025,7 @@
           <p:cNvPr id="8" name="頁尾版面配置區 7">
             <a:extLst>
               <a:ext uri="{FF2B5EF4-FFF2-40B4-BE49-F238E27FC236}">
-                <a16:creationId xmlns:a16="http://schemas.microsoft.com/office/drawing/2014/main" id="{6520B07A-79F8-43E7-8013-632DD2AED223}"/>
+                <a16:creationId xmlns:a16="http://schemas.microsoft.com/office/drawing/2014/main" id="{22B52ADD-FDCC-36B7-7B3F-78FA1359150F}"/>
               </a:ext>
             </a:extLst>
           </p:cNvPr>
@@ -1846,7 +3050,7 @@
           <p:cNvPr id="9" name="投影片編號版面配置區 8">
             <a:extLst>
               <a:ext uri="{FF2B5EF4-FFF2-40B4-BE49-F238E27FC236}">
-                <a16:creationId xmlns:a16="http://schemas.microsoft.com/office/drawing/2014/main" id="{3B997D8F-4F1C-4DE6-A82C-3E0C38ACAE96}"/>
+                <a16:creationId xmlns:a16="http://schemas.microsoft.com/office/drawing/2014/main" id="{3B4913F9-91EB-E674-ACB4-A1F7E6AF7D38}"/>
               </a:ext>
             </a:extLst>
           </p:cNvPr>
@@ -1862,7 +3066,7 @@
           <a:bodyPr/>
           <a:lstStyle/>
           <a:p>
-            <a:fld id="{E31EC408-072F-4346-BD0A-D6AA5788A305}" type="slidenum">
+            <a:fld id="{E1E255B6-4118-4800-9DEA-49DB0E420007}" type="slidenum">
               <a:rPr lang="zh-TW" altLang="en-US" smtClean="0"/>
               <a:t>‹#›</a:t>
             </a:fld>
@@ -1873,7 +3077,7 @@
     </p:spTree>
     <p:extLst>
       <p:ext uri="{BB962C8B-B14F-4D97-AF65-F5344CB8AC3E}">
-        <p14:creationId xmlns:p14="http://schemas.microsoft.com/office/powerpoint/2010/main" val="3379995638"/>
+        <p14:creationId xmlns:p14="http://schemas.microsoft.com/office/powerpoint/2010/main" val="2927904702"/>
       </p:ext>
     </p:extLst>
   </p:cSld>
@@ -1905,7 +3109,7 @@
           <p:cNvPr id="2" name="標題 1">
             <a:extLst>
               <a:ext uri="{FF2B5EF4-FFF2-40B4-BE49-F238E27FC236}">
-                <a16:creationId xmlns:a16="http://schemas.microsoft.com/office/drawing/2014/main" id="{6CE04611-FD10-429D-89AA-73C259B64293}"/>
+                <a16:creationId xmlns:a16="http://schemas.microsoft.com/office/drawing/2014/main" id="{A33E0DE9-BE04-DE98-275C-FD5D7C677BFD}"/>
               </a:ext>
             </a:extLst>
           </p:cNvPr>
@@ -1933,7 +3137,7 @@
           <p:cNvPr id="3" name="日期版面配置區 2">
             <a:extLst>
               <a:ext uri="{FF2B5EF4-FFF2-40B4-BE49-F238E27FC236}">
-                <a16:creationId xmlns:a16="http://schemas.microsoft.com/office/drawing/2014/main" id="{2D9009F3-A280-4DA8-ACC4-187DE2172BCA}"/>
+                <a16:creationId xmlns:a16="http://schemas.microsoft.com/office/drawing/2014/main" id="{284D1B9F-3329-474F-E42D-E6D3AD8D06B5}"/>
               </a:ext>
             </a:extLst>
           </p:cNvPr>
@@ -1949,9 +3153,9 @@
           <a:bodyPr/>
           <a:lstStyle/>
           <a:p>
-            <a:fld id="{C3C90D7E-32D6-4894-AE08-7BBB3E610FC9}" type="datetimeFigureOut">
+            <a:fld id="{7691AC46-0766-4CBD-8CBE-B379CD7A523E}" type="datetimeFigureOut">
               <a:rPr lang="zh-TW" altLang="en-US" smtClean="0"/>
-              <a:t>2024/9/16</a:t>
+              <a:t>2024/10/20</a:t>
             </a:fld>
             <a:endParaRPr lang="zh-TW" altLang="en-US"/>
           </a:p>
@@ -1962,7 +3166,7 @@
           <p:cNvPr id="4" name="頁尾版面配置區 3">
             <a:extLst>
               <a:ext uri="{FF2B5EF4-FFF2-40B4-BE49-F238E27FC236}">
-                <a16:creationId xmlns:a16="http://schemas.microsoft.com/office/drawing/2014/main" id="{F8FD791E-F627-4DDB-AD69-F7639FDD1767}"/>
+                <a16:creationId xmlns:a16="http://schemas.microsoft.com/office/drawing/2014/main" id="{B9E420E7-6B73-772A-E15B-B2E8D5C1BBBD}"/>
               </a:ext>
             </a:extLst>
           </p:cNvPr>
@@ -1987,7 +3191,7 @@
           <p:cNvPr id="5" name="投影片編號版面配置區 4">
             <a:extLst>
               <a:ext uri="{FF2B5EF4-FFF2-40B4-BE49-F238E27FC236}">
-                <a16:creationId xmlns:a16="http://schemas.microsoft.com/office/drawing/2014/main" id="{CE9C3C73-9A1B-4A20-B40C-BF8E0726E9AE}"/>
+                <a16:creationId xmlns:a16="http://schemas.microsoft.com/office/drawing/2014/main" id="{C98849E2-1BFF-6655-4B40-36B2C1103628}"/>
               </a:ext>
             </a:extLst>
           </p:cNvPr>
@@ -2003,7 +3207,7 @@
           <a:bodyPr/>
           <a:lstStyle/>
           <a:p>
-            <a:fld id="{E31EC408-072F-4346-BD0A-D6AA5788A305}" type="slidenum">
+            <a:fld id="{E1E255B6-4118-4800-9DEA-49DB0E420007}" type="slidenum">
               <a:rPr lang="zh-TW" altLang="en-US" smtClean="0"/>
               <a:t>‹#›</a:t>
             </a:fld>
@@ -2014,7 +3218,7 @@
     </p:spTree>
     <p:extLst>
       <p:ext uri="{BB962C8B-B14F-4D97-AF65-F5344CB8AC3E}">
-        <p14:creationId xmlns:p14="http://schemas.microsoft.com/office/powerpoint/2010/main" val="3116621787"/>
+        <p14:creationId xmlns:p14="http://schemas.microsoft.com/office/powerpoint/2010/main" val="3892823265"/>
       </p:ext>
     </p:extLst>
   </p:cSld>
@@ -2046,7 +3250,7 @@
           <p:cNvPr id="2" name="日期版面配置區 1">
             <a:extLst>
               <a:ext uri="{FF2B5EF4-FFF2-40B4-BE49-F238E27FC236}">
-                <a16:creationId xmlns:a16="http://schemas.microsoft.com/office/drawing/2014/main" id="{1E1D8EED-F2A7-4221-9887-0DBB62EB3F80}"/>
+                <a16:creationId xmlns:a16="http://schemas.microsoft.com/office/drawing/2014/main" id="{A9C09149-E608-9501-51C3-B8B1C91B874F}"/>
               </a:ext>
             </a:extLst>
           </p:cNvPr>
@@ -2062,9 +3266,9 @@
           <a:bodyPr/>
           <a:lstStyle/>
           <a:p>
-            <a:fld id="{C3C90D7E-32D6-4894-AE08-7BBB3E610FC9}" type="datetimeFigureOut">
+            <a:fld id="{7691AC46-0766-4CBD-8CBE-B379CD7A523E}" type="datetimeFigureOut">
               <a:rPr lang="zh-TW" altLang="en-US" smtClean="0"/>
-              <a:t>2024/9/16</a:t>
+              <a:t>2024/10/20</a:t>
             </a:fld>
             <a:endParaRPr lang="zh-TW" altLang="en-US"/>
           </a:p>
@@ -2075,7 +3279,7 @@
           <p:cNvPr id="3" name="頁尾版面配置區 2">
             <a:extLst>
               <a:ext uri="{FF2B5EF4-FFF2-40B4-BE49-F238E27FC236}">
-                <a16:creationId xmlns:a16="http://schemas.microsoft.com/office/drawing/2014/main" id="{10593B39-DC86-45A7-85EF-B4DB9C28DC80}"/>
+                <a16:creationId xmlns:a16="http://schemas.microsoft.com/office/drawing/2014/main" id="{8B2D44C5-EE26-C415-1ABB-FF861028ECCA}"/>
               </a:ext>
             </a:extLst>
           </p:cNvPr>
@@ -2100,7 +3304,7 @@
           <p:cNvPr id="4" name="投影片編號版面配置區 3">
             <a:extLst>
               <a:ext uri="{FF2B5EF4-FFF2-40B4-BE49-F238E27FC236}">
-                <a16:creationId xmlns:a16="http://schemas.microsoft.com/office/drawing/2014/main" id="{3D9056B2-6966-4CAF-94D1-2295A737E168}"/>
+                <a16:creationId xmlns:a16="http://schemas.microsoft.com/office/drawing/2014/main" id="{78454B14-84BC-EFAF-4B11-ED0A27EABE13}"/>
               </a:ext>
             </a:extLst>
           </p:cNvPr>
@@ -2116,7 +3320,7 @@
           <a:bodyPr/>
           <a:lstStyle/>
           <a:p>
-            <a:fld id="{E31EC408-072F-4346-BD0A-D6AA5788A305}" type="slidenum">
+            <a:fld id="{E1E255B6-4118-4800-9DEA-49DB0E420007}" type="slidenum">
               <a:rPr lang="zh-TW" altLang="en-US" smtClean="0"/>
               <a:t>‹#›</a:t>
             </a:fld>
@@ -2127,7 +3331,7 @@
     </p:spTree>
     <p:extLst>
       <p:ext uri="{BB962C8B-B14F-4D97-AF65-F5344CB8AC3E}">
-        <p14:creationId xmlns:p14="http://schemas.microsoft.com/office/powerpoint/2010/main" val="3887241942"/>
+        <p14:creationId xmlns:p14="http://schemas.microsoft.com/office/powerpoint/2010/main" val="3822751094"/>
       </p:ext>
     </p:extLst>
   </p:cSld>
@@ -2159,7 +3363,7 @@
           <p:cNvPr id="2" name="標題 1">
             <a:extLst>
               <a:ext uri="{FF2B5EF4-FFF2-40B4-BE49-F238E27FC236}">
-                <a16:creationId xmlns:a16="http://schemas.microsoft.com/office/drawing/2014/main" id="{5C3076DF-D16B-4600-9550-96C6A8DD7F1A}"/>
+                <a16:creationId xmlns:a16="http://schemas.microsoft.com/office/drawing/2014/main" id="{4E3439B2-BCE8-59C4-F7C1-A4FD191C96A6}"/>
               </a:ext>
             </a:extLst>
           </p:cNvPr>
@@ -2196,7 +3400,7 @@
           <p:cNvPr id="3" name="內容版面配置區 2">
             <a:extLst>
               <a:ext uri="{FF2B5EF4-FFF2-40B4-BE49-F238E27FC236}">
-                <a16:creationId xmlns:a16="http://schemas.microsoft.com/office/drawing/2014/main" id="{9CD3D667-FDE5-4F5D-9495-588EC18912CE}"/>
+                <a16:creationId xmlns:a16="http://schemas.microsoft.com/office/drawing/2014/main" id="{BF768D66-63D3-F51E-06F0-FA09D37A99D8}"/>
               </a:ext>
             </a:extLst>
           </p:cNvPr>
@@ -2286,7 +3490,7 @@
           <p:cNvPr id="4" name="文字版面配置區 3">
             <a:extLst>
               <a:ext uri="{FF2B5EF4-FFF2-40B4-BE49-F238E27FC236}">
-                <a16:creationId xmlns:a16="http://schemas.microsoft.com/office/drawing/2014/main" id="{22F511E7-BEEF-4F51-BA0E-52C1908D5608}"/>
+                <a16:creationId xmlns:a16="http://schemas.microsoft.com/office/drawing/2014/main" id="{8713A391-805B-81ED-707E-305AEF9BBB38}"/>
               </a:ext>
             </a:extLst>
           </p:cNvPr>
@@ -2357,7 +3561,7 @@
           <p:cNvPr id="5" name="日期版面配置區 4">
             <a:extLst>
               <a:ext uri="{FF2B5EF4-FFF2-40B4-BE49-F238E27FC236}">
-                <a16:creationId xmlns:a16="http://schemas.microsoft.com/office/drawing/2014/main" id="{88060697-A92E-4178-A790-FCBB90D70573}"/>
+                <a16:creationId xmlns:a16="http://schemas.microsoft.com/office/drawing/2014/main" id="{28DB7731-FAA4-62C6-64BB-EA7C7CC602A1}"/>
               </a:ext>
             </a:extLst>
           </p:cNvPr>
@@ -2373,9 +3577,9 @@
           <a:bodyPr/>
           <a:lstStyle/>
           <a:p>
-            <a:fld id="{C3C90D7E-32D6-4894-AE08-7BBB3E610FC9}" type="datetimeFigureOut">
+            <a:fld id="{7691AC46-0766-4CBD-8CBE-B379CD7A523E}" type="datetimeFigureOut">
               <a:rPr lang="zh-TW" altLang="en-US" smtClean="0"/>
-              <a:t>2024/9/16</a:t>
+              <a:t>2024/10/20</a:t>
             </a:fld>
             <a:endParaRPr lang="zh-TW" altLang="en-US"/>
           </a:p>
@@ -2386,7 +3590,7 @@
           <p:cNvPr id="6" name="頁尾版面配置區 5">
             <a:extLst>
               <a:ext uri="{FF2B5EF4-FFF2-40B4-BE49-F238E27FC236}">
-                <a16:creationId xmlns:a16="http://schemas.microsoft.com/office/drawing/2014/main" id="{2A8E3F57-A99A-4C4C-BF14-EE42AB99CE78}"/>
+                <a16:creationId xmlns:a16="http://schemas.microsoft.com/office/drawing/2014/main" id="{9ABFC235-AEAC-D959-B30B-709575A34C6F}"/>
               </a:ext>
             </a:extLst>
           </p:cNvPr>
@@ -2411,7 +3615,7 @@
           <p:cNvPr id="7" name="投影片編號版面配置區 6">
             <a:extLst>
               <a:ext uri="{FF2B5EF4-FFF2-40B4-BE49-F238E27FC236}">
-                <a16:creationId xmlns:a16="http://schemas.microsoft.com/office/drawing/2014/main" id="{39234440-6924-48D7-AC1A-200D5946BCA9}"/>
+                <a16:creationId xmlns:a16="http://schemas.microsoft.com/office/drawing/2014/main" id="{7EE0DB17-A88D-9B34-FD42-E1AB7614FA3A}"/>
               </a:ext>
             </a:extLst>
           </p:cNvPr>
@@ -2427,7 +3631,7 @@
           <a:bodyPr/>
           <a:lstStyle/>
           <a:p>
-            <a:fld id="{E31EC408-072F-4346-BD0A-D6AA5788A305}" type="slidenum">
+            <a:fld id="{E1E255B6-4118-4800-9DEA-49DB0E420007}" type="slidenum">
               <a:rPr lang="zh-TW" altLang="en-US" smtClean="0"/>
               <a:t>‹#›</a:t>
             </a:fld>
@@ -2438,7 +3642,7 @@
     </p:spTree>
     <p:extLst>
       <p:ext uri="{BB962C8B-B14F-4D97-AF65-F5344CB8AC3E}">
-        <p14:creationId xmlns:p14="http://schemas.microsoft.com/office/powerpoint/2010/main" val="2036183199"/>
+        <p14:creationId xmlns:p14="http://schemas.microsoft.com/office/powerpoint/2010/main" val="1530965113"/>
       </p:ext>
     </p:extLst>
   </p:cSld>
@@ -2470,7 +3674,7 @@
           <p:cNvPr id="2" name="標題 1">
             <a:extLst>
               <a:ext uri="{FF2B5EF4-FFF2-40B4-BE49-F238E27FC236}">
-                <a16:creationId xmlns:a16="http://schemas.microsoft.com/office/drawing/2014/main" id="{B2E81694-0B93-4D65-9DA3-21597478A96C}"/>
+                <a16:creationId xmlns:a16="http://schemas.microsoft.com/office/drawing/2014/main" id="{367A1019-686F-E081-7938-1140917BE351}"/>
               </a:ext>
             </a:extLst>
           </p:cNvPr>
@@ -2507,7 +3711,7 @@
           <p:cNvPr id="3" name="圖片版面配置區 2">
             <a:extLst>
               <a:ext uri="{FF2B5EF4-FFF2-40B4-BE49-F238E27FC236}">
-                <a16:creationId xmlns:a16="http://schemas.microsoft.com/office/drawing/2014/main" id="{23E4D718-8CB0-4334-BB8A-FB8B57D7CDC6}"/>
+                <a16:creationId xmlns:a16="http://schemas.microsoft.com/office/drawing/2014/main" id="{218DB06A-29CE-D662-B168-E491C9E6EB40}"/>
               </a:ext>
             </a:extLst>
           </p:cNvPr>
@@ -2574,7 +3778,7 @@
           <p:cNvPr id="4" name="文字版面配置區 3">
             <a:extLst>
               <a:ext uri="{FF2B5EF4-FFF2-40B4-BE49-F238E27FC236}">
-                <a16:creationId xmlns:a16="http://schemas.microsoft.com/office/drawing/2014/main" id="{0DC47463-53E7-4FE3-B60B-1657D11127BD}"/>
+                <a16:creationId xmlns:a16="http://schemas.microsoft.com/office/drawing/2014/main" id="{415E8580-D732-E1F3-E613-15E8F436391A}"/>
               </a:ext>
             </a:extLst>
           </p:cNvPr>
@@ -2645,7 +3849,7 @@
           <p:cNvPr id="5" name="日期版面配置區 4">
             <a:extLst>
               <a:ext uri="{FF2B5EF4-FFF2-40B4-BE49-F238E27FC236}">
-                <a16:creationId xmlns:a16="http://schemas.microsoft.com/office/drawing/2014/main" id="{28875DC5-6AFF-40C0-8C77-F81A0A3E1B0F}"/>
+                <a16:creationId xmlns:a16="http://schemas.microsoft.com/office/drawing/2014/main" id="{907635C9-AC9A-82A8-D191-6AA1BE5B38C7}"/>
               </a:ext>
             </a:extLst>
           </p:cNvPr>
@@ -2661,9 +3865,9 @@
           <a:bodyPr/>
           <a:lstStyle/>
           <a:p>
-            <a:fld id="{C3C90D7E-32D6-4894-AE08-7BBB3E610FC9}" type="datetimeFigureOut">
+            <a:fld id="{7691AC46-0766-4CBD-8CBE-B379CD7A523E}" type="datetimeFigureOut">
               <a:rPr lang="zh-TW" altLang="en-US" smtClean="0"/>
-              <a:t>2024/9/16</a:t>
+              <a:t>2024/10/20</a:t>
             </a:fld>
             <a:endParaRPr lang="zh-TW" altLang="en-US"/>
           </a:p>
@@ -2674,7 +3878,7 @@
           <p:cNvPr id="6" name="頁尾版面配置區 5">
             <a:extLst>
               <a:ext uri="{FF2B5EF4-FFF2-40B4-BE49-F238E27FC236}">
-                <a16:creationId xmlns:a16="http://schemas.microsoft.com/office/drawing/2014/main" id="{24F8A973-6D07-4F0C-97A0-280FEFC238E0}"/>
+                <a16:creationId xmlns:a16="http://schemas.microsoft.com/office/drawing/2014/main" id="{48B195E7-4D72-8D66-9F5A-B4C9848912D7}"/>
               </a:ext>
             </a:extLst>
           </p:cNvPr>
@@ -2699,7 +3903,7 @@
           <p:cNvPr id="7" name="投影片編號版面配置區 6">
             <a:extLst>
               <a:ext uri="{FF2B5EF4-FFF2-40B4-BE49-F238E27FC236}">
-                <a16:creationId xmlns:a16="http://schemas.microsoft.com/office/drawing/2014/main" id="{DB60BB1E-F41B-40F0-929B-5208374980BF}"/>
+                <a16:creationId xmlns:a16="http://schemas.microsoft.com/office/drawing/2014/main" id="{62FDEB1E-1A3B-5EFA-E825-E807F7B1193D}"/>
               </a:ext>
             </a:extLst>
           </p:cNvPr>
@@ -2715,7 +3919,7 @@
           <a:bodyPr/>
           <a:lstStyle/>
           <a:p>
-            <a:fld id="{E31EC408-072F-4346-BD0A-D6AA5788A305}" type="slidenum">
+            <a:fld id="{E1E255B6-4118-4800-9DEA-49DB0E420007}" type="slidenum">
               <a:rPr lang="zh-TW" altLang="en-US" smtClean="0"/>
               <a:t>‹#›</a:t>
             </a:fld>
@@ -2726,7 +3930,7 @@
     </p:spTree>
     <p:extLst>
       <p:ext uri="{BB962C8B-B14F-4D97-AF65-F5344CB8AC3E}">
-        <p14:creationId xmlns:p14="http://schemas.microsoft.com/office/powerpoint/2010/main" val="3148270851"/>
+        <p14:creationId xmlns:p14="http://schemas.microsoft.com/office/powerpoint/2010/main" val="2711554132"/>
       </p:ext>
     </p:extLst>
   </p:cSld>
@@ -2763,7 +3967,7 @@
           <p:cNvPr id="2" name="標題版面配置區 1">
             <a:extLst>
               <a:ext uri="{FF2B5EF4-FFF2-40B4-BE49-F238E27FC236}">
-                <a16:creationId xmlns:a16="http://schemas.microsoft.com/office/drawing/2014/main" id="{B8575AAC-624C-4B52-ABD4-699B1E35D2CF}"/>
+                <a16:creationId xmlns:a16="http://schemas.microsoft.com/office/drawing/2014/main" id="{06D515CC-AFD8-8B1B-5C92-2C2A0CA220B7}"/>
               </a:ext>
             </a:extLst>
           </p:cNvPr>
@@ -2801,7 +4005,7 @@
           <p:cNvPr id="3" name="文字版面配置區 2">
             <a:extLst>
               <a:ext uri="{FF2B5EF4-FFF2-40B4-BE49-F238E27FC236}">
-                <a16:creationId xmlns:a16="http://schemas.microsoft.com/office/drawing/2014/main" id="{76722991-C57D-471F-8271-C419A1CFB074}"/>
+                <a16:creationId xmlns:a16="http://schemas.microsoft.com/office/drawing/2014/main" id="{852DC513-FDF4-1210-E7E8-B66C308E2407}"/>
               </a:ext>
             </a:extLst>
           </p:cNvPr>
@@ -2868,7 +4072,7 @@
           <p:cNvPr id="4" name="日期版面配置區 3">
             <a:extLst>
               <a:ext uri="{FF2B5EF4-FFF2-40B4-BE49-F238E27FC236}">
-                <a16:creationId xmlns:a16="http://schemas.microsoft.com/office/drawing/2014/main" id="{85C839DD-8CBF-4E23-A0C7-7C039E950BB8}"/>
+                <a16:creationId xmlns:a16="http://schemas.microsoft.com/office/drawing/2014/main" id="{E3749F4E-DF8A-E088-0AE4-24B46E7B9796}"/>
               </a:ext>
             </a:extLst>
           </p:cNvPr>
@@ -2902,9 +4106,9 @@
             </a:lvl1pPr>
           </a:lstStyle>
           <a:p>
-            <a:fld id="{C3C90D7E-32D6-4894-AE08-7BBB3E610FC9}" type="datetimeFigureOut">
+            <a:fld id="{7691AC46-0766-4CBD-8CBE-B379CD7A523E}" type="datetimeFigureOut">
               <a:rPr lang="zh-TW" altLang="en-US" smtClean="0"/>
-              <a:t>2024/9/16</a:t>
+              <a:t>2024/10/20</a:t>
             </a:fld>
             <a:endParaRPr lang="zh-TW" altLang="en-US"/>
           </a:p>
@@ -2915,7 +4119,7 @@
           <p:cNvPr id="5" name="頁尾版面配置區 4">
             <a:extLst>
               <a:ext uri="{FF2B5EF4-FFF2-40B4-BE49-F238E27FC236}">
-                <a16:creationId xmlns:a16="http://schemas.microsoft.com/office/drawing/2014/main" id="{12802D8A-77D4-418C-8190-43B6ADED2131}"/>
+                <a16:creationId xmlns:a16="http://schemas.microsoft.com/office/drawing/2014/main" id="{16D8817E-35E3-9A65-7CCE-1535D36C6204}"/>
               </a:ext>
             </a:extLst>
           </p:cNvPr>
@@ -2958,7 +4162,7 @@
           <p:cNvPr id="6" name="投影片編號版面配置區 5">
             <a:extLst>
               <a:ext uri="{FF2B5EF4-FFF2-40B4-BE49-F238E27FC236}">
-                <a16:creationId xmlns:a16="http://schemas.microsoft.com/office/drawing/2014/main" id="{7072B55E-2BE2-4AF4-AFF8-2A716F492F1C}"/>
+                <a16:creationId xmlns:a16="http://schemas.microsoft.com/office/drawing/2014/main" id="{0597B126-4979-5972-9B62-31676C0E1452}"/>
               </a:ext>
             </a:extLst>
           </p:cNvPr>
@@ -2992,7 +4196,7 @@
             </a:lvl1pPr>
           </a:lstStyle>
           <a:p>
-            <a:fld id="{E31EC408-072F-4346-BD0A-D6AA5788A305}" type="slidenum">
+            <a:fld id="{E1E255B6-4118-4800-9DEA-49DB0E420007}" type="slidenum">
               <a:rPr lang="zh-TW" altLang="en-US" smtClean="0"/>
               <a:t>‹#›</a:t>
             </a:fld>
@@ -3003,7 +4207,7 @@
     </p:spTree>
     <p:extLst>
       <p:ext uri="{BB962C8B-B14F-4D97-AF65-F5344CB8AC3E}">
-        <p14:creationId xmlns:p14="http://schemas.microsoft.com/office/powerpoint/2010/main" val="2016052060"/>
+        <p14:creationId xmlns:p14="http://schemas.microsoft.com/office/powerpoint/2010/main" val="3179334818"/>
       </p:ext>
     </p:extLst>
   </p:cSld>
@@ -3326,7 +4530,7 @@
           <p:cNvPr id="2" name="標題 1">
             <a:extLst>
               <a:ext uri="{FF2B5EF4-FFF2-40B4-BE49-F238E27FC236}">
-                <a16:creationId xmlns:a16="http://schemas.microsoft.com/office/drawing/2014/main" id="{32532283-9F93-4E44-8138-32796965361F}"/>
+                <a16:creationId xmlns:a16="http://schemas.microsoft.com/office/drawing/2014/main" id="{B087B06C-2F5E-C6E1-C20C-7ABD24E8439B}"/>
               </a:ext>
             </a:extLst>
           </p:cNvPr>
@@ -3342,39 +4546,2839 @@
           <a:bodyPr/>
           <a:lstStyle/>
           <a:p>
+            <a:endParaRPr lang="zh-TW" altLang="en-US" dirty="0"/>
+          </a:p>
+        </p:txBody>
+      </p:sp>
+      <p:sp>
+        <p:nvSpPr>
+          <p:cNvPr id="3" name="副標題 2">
+            <a:extLst>
+              <a:ext uri="{FF2B5EF4-FFF2-40B4-BE49-F238E27FC236}">
+                <a16:creationId xmlns:a16="http://schemas.microsoft.com/office/drawing/2014/main" id="{B907B189-42BA-4C54-0663-0A6105E8742C}"/>
+              </a:ext>
+            </a:extLst>
+          </p:cNvPr>
+          <p:cNvSpPr>
+            <a:spLocks noGrp="1"/>
+          </p:cNvSpPr>
+          <p:nvPr>
+            <p:ph type="subTitle" idx="1"/>
+          </p:nvPr>
+        </p:nvSpPr>
+        <p:spPr/>
+        <p:txBody>
+          <a:bodyPr/>
+          <a:lstStyle/>
+          <a:p>
             <a:endParaRPr lang="zh-TW" altLang="en-US"/>
           </a:p>
         </p:txBody>
       </p:sp>
       <p:sp>
         <p:nvSpPr>
-          <p:cNvPr id="3" name="副標題 2">
-            <a:extLst>
-              <a:ext uri="{FF2B5EF4-FFF2-40B4-BE49-F238E27FC236}">
-                <a16:creationId xmlns:a16="http://schemas.microsoft.com/office/drawing/2014/main" id="{8C946F38-524D-4B98-B9CB-80AEE57E455A}"/>
-              </a:ext>
-            </a:extLst>
-          </p:cNvPr>
-          <p:cNvSpPr>
-            <a:spLocks noGrp="1"/>
-          </p:cNvSpPr>
-          <p:nvPr>
-            <p:ph type="subTitle" idx="1"/>
-          </p:nvPr>
-        </p:nvSpPr>
-        <p:spPr/>
-        <p:txBody>
-          <a:bodyPr/>
-          <a:lstStyle/>
-          <a:p>
+          <p:cNvPr id="5" name="矩形 4">
+            <a:extLst>
+              <a:ext uri="{FF2B5EF4-FFF2-40B4-BE49-F238E27FC236}">
+                <a16:creationId xmlns:a16="http://schemas.microsoft.com/office/drawing/2014/main" id="{113033F9-7C5E-6D04-629F-E1137E33BA16}"/>
+              </a:ext>
+            </a:extLst>
+          </p:cNvPr>
+          <p:cNvSpPr/>
+          <p:nvPr/>
+        </p:nvSpPr>
+        <p:spPr>
+          <a:xfrm>
+            <a:off x="0" y="0"/>
+            <a:ext cx="12192000" cy="6858000"/>
+          </a:xfrm>
+          <a:prstGeom prst="rect">
+            <a:avLst/>
+          </a:prstGeom>
+          <a:solidFill>
+            <a:srgbClr val="1A3046"/>
+          </a:solidFill>
+          <a:ln>
+            <a:noFill/>
+          </a:ln>
+        </p:spPr>
+        <p:style>
+          <a:lnRef idx="2">
+            <a:schemeClr val="accent1">
+              <a:shade val="15000"/>
+            </a:schemeClr>
+          </a:lnRef>
+          <a:fillRef idx="1">
+            <a:schemeClr val="accent1"/>
+          </a:fillRef>
+          <a:effectRef idx="0">
+            <a:schemeClr val="accent1"/>
+          </a:effectRef>
+          <a:fontRef idx="minor">
+            <a:schemeClr val="lt1"/>
+          </a:fontRef>
+        </p:style>
+        <p:txBody>
+          <a:bodyPr rtlCol="0" anchor="ctr"/>
+          <a:lstStyle/>
+          <a:p>
+            <a:pPr algn="ctr"/>
             <a:endParaRPr lang="zh-TW" altLang="en-US"/>
+          </a:p>
+        </p:txBody>
+      </p:sp>
+      <p:sp>
+        <p:nvSpPr>
+          <p:cNvPr id="6" name="矩形 5">
+            <a:extLst>
+              <a:ext uri="{FF2B5EF4-FFF2-40B4-BE49-F238E27FC236}">
+                <a16:creationId xmlns:a16="http://schemas.microsoft.com/office/drawing/2014/main" id="{AE5885B3-7D43-D758-431D-4D06D1F693C8}"/>
+              </a:ext>
+            </a:extLst>
+          </p:cNvPr>
+          <p:cNvSpPr/>
+          <p:nvPr/>
+        </p:nvSpPr>
+        <p:spPr>
+          <a:xfrm>
+            <a:off x="500317" y="281428"/>
+            <a:ext cx="11191365" cy="6295143"/>
+          </a:xfrm>
+          <a:prstGeom prst="rect">
+            <a:avLst/>
+          </a:prstGeom>
+          <a:solidFill>
+            <a:srgbClr val="DEDFEA"/>
+          </a:solidFill>
+        </p:spPr>
+        <p:style>
+          <a:lnRef idx="2">
+            <a:schemeClr val="accent1">
+              <a:shade val="15000"/>
+            </a:schemeClr>
+          </a:lnRef>
+          <a:fillRef idx="1">
+            <a:schemeClr val="accent1"/>
+          </a:fillRef>
+          <a:effectRef idx="0">
+            <a:schemeClr val="accent1"/>
+          </a:effectRef>
+          <a:fontRef idx="minor">
+            <a:schemeClr val="lt1"/>
+          </a:fontRef>
+        </p:style>
+        <p:txBody>
+          <a:bodyPr rtlCol="0" anchor="ctr"/>
+          <a:lstStyle/>
+          <a:p>
+            <a:pPr algn="ctr"/>
+            <a:endParaRPr lang="zh-TW" altLang="en-US" dirty="0"/>
+          </a:p>
+        </p:txBody>
+      </p:sp>
+      <p:sp>
+        <p:nvSpPr>
+          <p:cNvPr id="4" name="文字方塊 3">
+            <a:extLst>
+              <a:ext uri="{FF2B5EF4-FFF2-40B4-BE49-F238E27FC236}">
+                <a16:creationId xmlns:a16="http://schemas.microsoft.com/office/drawing/2014/main" id="{D55DC982-4A45-BB0F-D6F1-519C64D4D670}"/>
+              </a:ext>
+            </a:extLst>
+          </p:cNvPr>
+          <p:cNvSpPr txBox="1"/>
+          <p:nvPr/>
+        </p:nvSpPr>
+        <p:spPr>
+          <a:xfrm>
+            <a:off x="2199022" y="2828834"/>
+            <a:ext cx="2819028" cy="1200329"/>
+          </a:xfrm>
+          <a:prstGeom prst="rect">
+            <a:avLst/>
+          </a:prstGeom>
+          <a:noFill/>
+        </p:spPr>
+        <p:txBody>
+          <a:bodyPr wrap="square" rtlCol="0">
+            <a:spAutoFit/>
+          </a:bodyPr>
+          <a:lstStyle/>
+          <a:p>
+            <a:pPr algn="ctr"/>
+            <a:r>
+              <a:rPr lang="zh-TW" altLang="en-US" sz="3600" dirty="0">
+                <a:latin typeface="標楷體" panose="03000509000000000000" pitchFamily="65" charset="-120"/>
+                <a:ea typeface="標楷體" panose="03000509000000000000" pitchFamily="65" charset="-120"/>
+              </a:rPr>
+              <a:t>自我介紹</a:t>
+            </a:r>
+            <a:endParaRPr lang="en-US" altLang="zh-TW" sz="3600" dirty="0">
+              <a:latin typeface="標楷體" panose="03000509000000000000" pitchFamily="65" charset="-120"/>
+              <a:ea typeface="標楷體" panose="03000509000000000000" pitchFamily="65" charset="-120"/>
+            </a:endParaRPr>
+          </a:p>
+          <a:p>
+            <a:pPr algn="ctr"/>
+            <a:r>
+              <a:rPr lang="en-US" altLang="zh-TW" sz="3600" dirty="0">
+                <a:latin typeface="Times New Roman" panose="02020603050405020304" pitchFamily="18" charset="0"/>
+                <a:ea typeface="標楷體" panose="03000509000000000000" pitchFamily="65" charset="-120"/>
+                <a:cs typeface="Times New Roman" panose="02020603050405020304" pitchFamily="18" charset="0"/>
+              </a:rPr>
+              <a:t>(</a:t>
+            </a:r>
+            <a:r>
+              <a:rPr lang="en-US" altLang="zh-TW" sz="3600" dirty="0" err="1">
+                <a:latin typeface="Times New Roman" panose="02020603050405020304" pitchFamily="18" charset="0"/>
+                <a:ea typeface="標楷體" panose="03000509000000000000" pitchFamily="65" charset="-120"/>
+                <a:cs typeface="Times New Roman" panose="02020603050405020304" pitchFamily="18" charset="0"/>
+              </a:rPr>
+              <a:t>Nizima</a:t>
+            </a:r>
+            <a:r>
+              <a:rPr lang="en-US" altLang="zh-TW" sz="3600" dirty="0">
+                <a:latin typeface="Times New Roman" panose="02020603050405020304" pitchFamily="18" charset="0"/>
+                <a:ea typeface="標楷體" panose="03000509000000000000" pitchFamily="65" charset="-120"/>
+                <a:cs typeface="Times New Roman" panose="02020603050405020304" pitchFamily="18" charset="0"/>
+              </a:rPr>
+              <a:t> Live)</a:t>
+            </a:r>
+            <a:endParaRPr lang="zh-TW" altLang="en-US" sz="3600" dirty="0">
+              <a:latin typeface="Times New Roman" panose="02020603050405020304" pitchFamily="18" charset="0"/>
+              <a:ea typeface="標楷體" panose="03000509000000000000" pitchFamily="65" charset="-120"/>
+              <a:cs typeface="Times New Roman" panose="02020603050405020304" pitchFamily="18" charset="0"/>
+            </a:endParaRPr>
           </a:p>
         </p:txBody>
       </p:sp>
     </p:spTree>
     <p:extLst>
       <p:ext uri="{BB962C8B-B14F-4D97-AF65-F5344CB8AC3E}">
-        <p14:creationId xmlns:p14="http://schemas.microsoft.com/office/powerpoint/2010/main" val="1328321055"/>
+        <p14:creationId xmlns:p14="http://schemas.microsoft.com/office/powerpoint/2010/main" val="3918286803"/>
+      </p:ext>
+    </p:extLst>
+  </p:cSld>
+  <p:clrMapOvr>
+    <a:masterClrMapping/>
+  </p:clrMapOvr>
+</p:sld>
+</file>
+
+<file path=ppt/slides/slide2.xml><?xml version="1.0" encoding="utf-8"?>
+<p:sld xmlns:a="http://schemas.openxmlformats.org/drawingml/2006/main" xmlns:r="http://schemas.openxmlformats.org/officeDocument/2006/relationships" xmlns:p="http://schemas.openxmlformats.org/presentationml/2006/main">
+  <p:cSld>
+    <p:spTree>
+      <p:nvGrpSpPr>
+        <p:cNvPr id="1" name=""/>
+        <p:cNvGrpSpPr/>
+        <p:nvPr/>
+      </p:nvGrpSpPr>
+      <p:grpSpPr>
+        <a:xfrm>
+          <a:off x="0" y="0"/>
+          <a:ext cx="0" cy="0"/>
+          <a:chOff x="0" y="0"/>
+          <a:chExt cx="0" cy="0"/>
+        </a:xfrm>
+      </p:grpSpPr>
+      <p:sp>
+        <p:nvSpPr>
+          <p:cNvPr id="13" name="矩形 12">
+            <a:extLst>
+              <a:ext uri="{FF2B5EF4-FFF2-40B4-BE49-F238E27FC236}">
+                <a16:creationId xmlns:a16="http://schemas.microsoft.com/office/drawing/2014/main" id="{8FB8B9BA-177A-D481-49B6-099AFCFEB55B}"/>
+              </a:ext>
+            </a:extLst>
+          </p:cNvPr>
+          <p:cNvSpPr/>
+          <p:nvPr/>
+        </p:nvSpPr>
+        <p:spPr>
+          <a:xfrm>
+            <a:off x="0" y="0"/>
+            <a:ext cx="12192000" cy="6858000"/>
+          </a:xfrm>
+          <a:prstGeom prst="rect">
+            <a:avLst/>
+          </a:prstGeom>
+          <a:solidFill>
+            <a:srgbClr val="1A3046"/>
+          </a:solidFill>
+          <a:ln>
+            <a:noFill/>
+          </a:ln>
+        </p:spPr>
+        <p:style>
+          <a:lnRef idx="2">
+            <a:schemeClr val="accent1">
+              <a:shade val="15000"/>
+            </a:schemeClr>
+          </a:lnRef>
+          <a:fillRef idx="1">
+            <a:schemeClr val="accent1"/>
+          </a:fillRef>
+          <a:effectRef idx="0">
+            <a:schemeClr val="accent1"/>
+          </a:effectRef>
+          <a:fontRef idx="minor">
+            <a:schemeClr val="lt1"/>
+          </a:fontRef>
+        </p:style>
+        <p:txBody>
+          <a:bodyPr rtlCol="0" anchor="ctr"/>
+          <a:lstStyle/>
+          <a:p>
+            <a:pPr algn="ctr"/>
+            <a:endParaRPr lang="zh-TW" altLang="en-US"/>
+          </a:p>
+        </p:txBody>
+      </p:sp>
+      <p:sp>
+        <p:nvSpPr>
+          <p:cNvPr id="4" name="矩形 3">
+            <a:extLst>
+              <a:ext uri="{FF2B5EF4-FFF2-40B4-BE49-F238E27FC236}">
+                <a16:creationId xmlns:a16="http://schemas.microsoft.com/office/drawing/2014/main" id="{4D8352BA-491B-B091-185B-938A8CCA487A}"/>
+              </a:ext>
+            </a:extLst>
+          </p:cNvPr>
+          <p:cNvSpPr/>
+          <p:nvPr/>
+        </p:nvSpPr>
+        <p:spPr>
+          <a:xfrm>
+            <a:off x="500317" y="281428"/>
+            <a:ext cx="11191365" cy="6295143"/>
+          </a:xfrm>
+          <a:prstGeom prst="rect">
+            <a:avLst/>
+          </a:prstGeom>
+          <a:solidFill>
+            <a:srgbClr val="DEDFEA"/>
+          </a:solidFill>
+        </p:spPr>
+        <p:style>
+          <a:lnRef idx="2">
+            <a:schemeClr val="accent1">
+              <a:shade val="15000"/>
+            </a:schemeClr>
+          </a:lnRef>
+          <a:fillRef idx="1">
+            <a:schemeClr val="accent1"/>
+          </a:fillRef>
+          <a:effectRef idx="0">
+            <a:schemeClr val="accent1"/>
+          </a:effectRef>
+          <a:fontRef idx="minor">
+            <a:schemeClr val="lt1"/>
+          </a:fontRef>
+        </p:style>
+        <p:txBody>
+          <a:bodyPr rtlCol="0" anchor="ctr"/>
+          <a:lstStyle/>
+          <a:p>
+            <a:pPr algn="ctr"/>
+            <a:endParaRPr lang="zh-TW" altLang="en-US" dirty="0"/>
+          </a:p>
+        </p:txBody>
+      </p:sp>
+      <p:grpSp>
+        <p:nvGrpSpPr>
+          <p:cNvPr id="12" name="群組 11">
+            <a:extLst>
+              <a:ext uri="{FF2B5EF4-FFF2-40B4-BE49-F238E27FC236}">
+                <a16:creationId xmlns:a16="http://schemas.microsoft.com/office/drawing/2014/main" id="{EE10BDB4-21BB-5FF0-2BDB-998A30BE671B}"/>
+              </a:ext>
+            </a:extLst>
+          </p:cNvPr>
+          <p:cNvGrpSpPr/>
+          <p:nvPr/>
+        </p:nvGrpSpPr>
+        <p:grpSpPr>
+          <a:xfrm>
+            <a:off x="1313832" y="1699983"/>
+            <a:ext cx="4011071" cy="4011071"/>
+            <a:chOff x="1108538" y="1470734"/>
+            <a:chExt cx="4011071" cy="4011071"/>
+          </a:xfrm>
+        </p:grpSpPr>
+        <p:pic>
+          <p:nvPicPr>
+            <p:cNvPr id="8" name="圖片 7">
+              <a:extLst>
+                <a:ext uri="{FF2B5EF4-FFF2-40B4-BE49-F238E27FC236}">
+                  <a16:creationId xmlns:a16="http://schemas.microsoft.com/office/drawing/2014/main" id="{DECAAA58-E1CE-DCB7-BD94-3EE156AEC69A}"/>
+                </a:ext>
+              </a:extLst>
+            </p:cNvPr>
+            <p:cNvPicPr>
+              <a:picLocks noChangeAspect="1"/>
+            </p:cNvPicPr>
+            <p:nvPr/>
+          </p:nvPicPr>
+          <p:blipFill>
+            <a:blip r:embed="rId3"/>
+            <a:stretch>
+              <a:fillRect/>
+            </a:stretch>
+          </p:blipFill>
+          <p:spPr>
+            <a:xfrm>
+              <a:off x="1108538" y="1470734"/>
+              <a:ext cx="4011071" cy="4011071"/>
+            </a:xfrm>
+            <a:prstGeom prst="roundRect">
+              <a:avLst>
+                <a:gd name="adj" fmla="val 16667"/>
+              </a:avLst>
+            </a:prstGeom>
+            <a:ln>
+              <a:noFill/>
+            </a:ln>
+            <a:effectLst/>
+            <a:scene3d>
+              <a:camera prst="orthographicFront"/>
+              <a:lightRig rig="contrasting" dir="t">
+                <a:rot lat="0" lon="0" rev="4200000"/>
+              </a:lightRig>
+            </a:scene3d>
+            <a:sp3d prstMaterial="plastic">
+              <a:bevelT w="381000" h="114300" prst="relaxedInset"/>
+              <a:contourClr>
+                <a:srgbClr val="969696"/>
+              </a:contourClr>
+            </a:sp3d>
+          </p:spPr>
+        </p:pic>
+        <p:sp>
+          <p:nvSpPr>
+            <p:cNvPr id="6" name="矩形: 圓角 5">
+              <a:extLst>
+                <a:ext uri="{FF2B5EF4-FFF2-40B4-BE49-F238E27FC236}">
+                  <a16:creationId xmlns:a16="http://schemas.microsoft.com/office/drawing/2014/main" id="{A552EC0B-096A-A672-D023-1AC4AF107EB9}"/>
+                </a:ext>
+              </a:extLst>
+            </p:cNvPr>
+            <p:cNvSpPr/>
+            <p:nvPr/>
+          </p:nvSpPr>
+          <p:spPr>
+            <a:xfrm>
+              <a:off x="1108538" y="1470734"/>
+              <a:ext cx="4011071" cy="4011071"/>
+            </a:xfrm>
+            <a:prstGeom prst="roundRect">
+              <a:avLst/>
+            </a:prstGeom>
+            <a:noFill/>
+            <a:ln w="28575"/>
+          </p:spPr>
+          <p:style>
+            <a:lnRef idx="2">
+              <a:schemeClr val="accent1">
+                <a:shade val="15000"/>
+              </a:schemeClr>
+            </a:lnRef>
+            <a:fillRef idx="1">
+              <a:schemeClr val="accent1"/>
+            </a:fillRef>
+            <a:effectRef idx="0">
+              <a:schemeClr val="accent1"/>
+            </a:effectRef>
+            <a:fontRef idx="minor">
+              <a:schemeClr val="lt1"/>
+            </a:fontRef>
+          </p:style>
+          <p:txBody>
+            <a:bodyPr rtlCol="0" anchor="ctr"/>
+            <a:lstStyle/>
+            <a:p>
+              <a:pPr algn="ctr"/>
+              <a:endParaRPr lang="zh-TW" altLang="en-US"/>
+            </a:p>
+          </p:txBody>
+        </p:sp>
+        <p:sp>
+          <p:nvSpPr>
+            <p:cNvPr id="5" name="矩形: 圓角 4">
+              <a:extLst>
+                <a:ext uri="{FF2B5EF4-FFF2-40B4-BE49-F238E27FC236}">
+                  <a16:creationId xmlns:a16="http://schemas.microsoft.com/office/drawing/2014/main" id="{4A96EA0B-4D62-B719-C4FE-2832D3122FF2}"/>
+                </a:ext>
+              </a:extLst>
+            </p:cNvPr>
+            <p:cNvSpPr/>
+            <p:nvPr/>
+          </p:nvSpPr>
+          <p:spPr>
+            <a:xfrm>
+              <a:off x="1225327" y="1594839"/>
+              <a:ext cx="3808626" cy="3808626"/>
+            </a:xfrm>
+            <a:prstGeom prst="roundRect">
+              <a:avLst/>
+            </a:prstGeom>
+            <a:noFill/>
+          </p:spPr>
+          <p:style>
+            <a:lnRef idx="2">
+              <a:schemeClr val="accent1">
+                <a:shade val="15000"/>
+              </a:schemeClr>
+            </a:lnRef>
+            <a:fillRef idx="1">
+              <a:schemeClr val="accent1"/>
+            </a:fillRef>
+            <a:effectRef idx="0">
+              <a:schemeClr val="accent1"/>
+            </a:effectRef>
+            <a:fontRef idx="minor">
+              <a:schemeClr val="lt1"/>
+            </a:fontRef>
+          </p:style>
+          <p:txBody>
+            <a:bodyPr rtlCol="0" anchor="ctr"/>
+            <a:lstStyle/>
+            <a:p>
+              <a:pPr algn="ctr"/>
+              <a:endParaRPr lang="zh-TW" altLang="en-US"/>
+            </a:p>
+          </p:txBody>
+        </p:sp>
+      </p:grpSp>
+      <p:sp>
+        <p:nvSpPr>
+          <p:cNvPr id="11" name="文字方塊 10">
+            <a:extLst>
+              <a:ext uri="{FF2B5EF4-FFF2-40B4-BE49-F238E27FC236}">
+                <a16:creationId xmlns:a16="http://schemas.microsoft.com/office/drawing/2014/main" id="{C1E59FBE-6ED4-9C40-D678-D587C8794AA0}"/>
+              </a:ext>
+            </a:extLst>
+          </p:cNvPr>
+          <p:cNvSpPr txBox="1"/>
+          <p:nvPr/>
+        </p:nvSpPr>
+        <p:spPr>
+          <a:xfrm>
+            <a:off x="1603763" y="770237"/>
+            <a:ext cx="1416205" cy="584775"/>
+          </a:xfrm>
+          <a:prstGeom prst="rect">
+            <a:avLst/>
+          </a:prstGeom>
+          <a:noFill/>
+        </p:spPr>
+        <p:txBody>
+          <a:bodyPr wrap="square" rtlCol="0">
+            <a:spAutoFit/>
+          </a:bodyPr>
+          <a:lstStyle/>
+          <a:p>
+            <a:r>
+              <a:rPr lang="en-US" altLang="zh-TW" sz="3200" dirty="0">
+                <a:latin typeface="標楷體" panose="03000509000000000000" pitchFamily="65" charset="-120"/>
+                <a:ea typeface="標楷體" panose="03000509000000000000" pitchFamily="65" charset="-120"/>
+              </a:rPr>
+              <a:t>1.</a:t>
+            </a:r>
+            <a:r>
+              <a:rPr lang="zh-TW" altLang="en-US" sz="3200" dirty="0">
+                <a:latin typeface="標楷體" panose="03000509000000000000" pitchFamily="65" charset="-120"/>
+                <a:ea typeface="標楷體" panose="03000509000000000000" pitchFamily="65" charset="-120"/>
+              </a:rPr>
+              <a:t>目標</a:t>
+            </a:r>
+          </a:p>
+        </p:txBody>
+      </p:sp>
+    </p:spTree>
+    <p:extLst>
+      <p:ext uri="{BB962C8B-B14F-4D97-AF65-F5344CB8AC3E}">
+        <p14:creationId xmlns:p14="http://schemas.microsoft.com/office/powerpoint/2010/main" val="3745231454"/>
+      </p:ext>
+    </p:extLst>
+  </p:cSld>
+  <p:clrMapOvr>
+    <a:masterClrMapping/>
+  </p:clrMapOvr>
+</p:sld>
+</file>
+
+<file path=ppt/slides/slide3.xml><?xml version="1.0" encoding="utf-8"?>
+<p:sld xmlns:a="http://schemas.openxmlformats.org/drawingml/2006/main" xmlns:r="http://schemas.openxmlformats.org/officeDocument/2006/relationships" xmlns:p="http://schemas.openxmlformats.org/presentationml/2006/main">
+  <p:cSld>
+    <p:spTree>
+      <p:nvGrpSpPr>
+        <p:cNvPr id="1" name=""/>
+        <p:cNvGrpSpPr/>
+        <p:nvPr/>
+      </p:nvGrpSpPr>
+      <p:grpSpPr>
+        <a:xfrm>
+          <a:off x="0" y="0"/>
+          <a:ext cx="0" cy="0"/>
+          <a:chOff x="0" y="0"/>
+          <a:chExt cx="0" cy="0"/>
+        </a:xfrm>
+      </p:grpSpPr>
+      <p:sp>
+        <p:nvSpPr>
+          <p:cNvPr id="13" name="矩形 12">
+            <a:extLst>
+              <a:ext uri="{FF2B5EF4-FFF2-40B4-BE49-F238E27FC236}">
+                <a16:creationId xmlns:a16="http://schemas.microsoft.com/office/drawing/2014/main" id="{8FB8B9BA-177A-D481-49B6-099AFCFEB55B}"/>
+              </a:ext>
+            </a:extLst>
+          </p:cNvPr>
+          <p:cNvSpPr/>
+          <p:nvPr/>
+        </p:nvSpPr>
+        <p:spPr>
+          <a:xfrm>
+            <a:off x="0" y="0"/>
+            <a:ext cx="12192000" cy="6858000"/>
+          </a:xfrm>
+          <a:prstGeom prst="rect">
+            <a:avLst/>
+          </a:prstGeom>
+          <a:solidFill>
+            <a:srgbClr val="1A3046"/>
+          </a:solidFill>
+          <a:ln>
+            <a:noFill/>
+          </a:ln>
+        </p:spPr>
+        <p:style>
+          <a:lnRef idx="2">
+            <a:schemeClr val="accent1">
+              <a:shade val="15000"/>
+            </a:schemeClr>
+          </a:lnRef>
+          <a:fillRef idx="1">
+            <a:schemeClr val="accent1"/>
+          </a:fillRef>
+          <a:effectRef idx="0">
+            <a:schemeClr val="accent1"/>
+          </a:effectRef>
+          <a:fontRef idx="minor">
+            <a:schemeClr val="lt1"/>
+          </a:fontRef>
+        </p:style>
+        <p:txBody>
+          <a:bodyPr rtlCol="0" anchor="ctr"/>
+          <a:lstStyle/>
+          <a:p>
+            <a:pPr algn="ctr"/>
+            <a:endParaRPr lang="zh-TW" altLang="en-US"/>
+          </a:p>
+        </p:txBody>
+      </p:sp>
+      <p:sp>
+        <p:nvSpPr>
+          <p:cNvPr id="4" name="矩形 3">
+            <a:extLst>
+              <a:ext uri="{FF2B5EF4-FFF2-40B4-BE49-F238E27FC236}">
+                <a16:creationId xmlns:a16="http://schemas.microsoft.com/office/drawing/2014/main" id="{4D8352BA-491B-B091-185B-938A8CCA487A}"/>
+              </a:ext>
+            </a:extLst>
+          </p:cNvPr>
+          <p:cNvSpPr/>
+          <p:nvPr/>
+        </p:nvSpPr>
+        <p:spPr>
+          <a:xfrm>
+            <a:off x="500317" y="281428"/>
+            <a:ext cx="11191365" cy="6295143"/>
+          </a:xfrm>
+          <a:prstGeom prst="rect">
+            <a:avLst/>
+          </a:prstGeom>
+          <a:solidFill>
+            <a:srgbClr val="DEDFEA"/>
+          </a:solidFill>
+        </p:spPr>
+        <p:style>
+          <a:lnRef idx="2">
+            <a:schemeClr val="accent1">
+              <a:shade val="15000"/>
+            </a:schemeClr>
+          </a:lnRef>
+          <a:fillRef idx="1">
+            <a:schemeClr val="accent1"/>
+          </a:fillRef>
+          <a:effectRef idx="0">
+            <a:schemeClr val="accent1"/>
+          </a:effectRef>
+          <a:fontRef idx="minor">
+            <a:schemeClr val="lt1"/>
+          </a:fontRef>
+        </p:style>
+        <p:txBody>
+          <a:bodyPr rtlCol="0" anchor="ctr"/>
+          <a:lstStyle/>
+          <a:p>
+            <a:pPr algn="ctr"/>
+            <a:endParaRPr lang="zh-TW" altLang="en-US" dirty="0"/>
+          </a:p>
+        </p:txBody>
+      </p:sp>
+      <p:pic>
+        <p:nvPicPr>
+          <p:cNvPr id="3" name="圖片 2">
+            <a:extLst>
+              <a:ext uri="{FF2B5EF4-FFF2-40B4-BE49-F238E27FC236}">
+                <a16:creationId xmlns:a16="http://schemas.microsoft.com/office/drawing/2014/main" id="{300810BC-F9F5-C417-7A85-051579AA6FB3}"/>
+              </a:ext>
+            </a:extLst>
+          </p:cNvPr>
+          <p:cNvPicPr>
+            <a:picLocks noChangeAspect="1"/>
+          </p:cNvPicPr>
+          <p:nvPr/>
+        </p:nvPicPr>
+        <p:blipFill>
+          <a:blip r:embed="rId3"/>
+          <a:stretch>
+            <a:fillRect/>
+          </a:stretch>
+        </p:blipFill>
+        <p:spPr>
+          <a:xfrm>
+            <a:off x="1313832" y="1699982"/>
+            <a:ext cx="4011071" cy="4011071"/>
+          </a:xfrm>
+          <a:prstGeom prst="roundRect">
+            <a:avLst>
+              <a:gd name="adj" fmla="val 16667"/>
+            </a:avLst>
+          </a:prstGeom>
+          <a:ln>
+            <a:noFill/>
+          </a:ln>
+          <a:effectLst/>
+          <a:scene3d>
+            <a:camera prst="orthographicFront"/>
+            <a:lightRig rig="contrasting" dir="t">
+              <a:rot lat="0" lon="0" rev="4200000"/>
+            </a:lightRig>
+          </a:scene3d>
+          <a:sp3d prstMaterial="plastic">
+            <a:bevelT w="381000" h="114300" prst="relaxedInset"/>
+            <a:contourClr>
+              <a:srgbClr val="969696"/>
+            </a:contourClr>
+          </a:sp3d>
+        </p:spPr>
+      </p:pic>
+      <p:sp>
+        <p:nvSpPr>
+          <p:cNvPr id="6" name="矩形: 圓角 5">
+            <a:extLst>
+              <a:ext uri="{FF2B5EF4-FFF2-40B4-BE49-F238E27FC236}">
+                <a16:creationId xmlns:a16="http://schemas.microsoft.com/office/drawing/2014/main" id="{A552EC0B-096A-A672-D023-1AC4AF107EB9}"/>
+              </a:ext>
+            </a:extLst>
+          </p:cNvPr>
+          <p:cNvSpPr/>
+          <p:nvPr/>
+        </p:nvSpPr>
+        <p:spPr>
+          <a:xfrm>
+            <a:off x="1313832" y="1699983"/>
+            <a:ext cx="4011071" cy="4011071"/>
+          </a:xfrm>
+          <a:prstGeom prst="roundRect">
+            <a:avLst/>
+          </a:prstGeom>
+          <a:noFill/>
+          <a:ln w="28575"/>
+        </p:spPr>
+        <p:style>
+          <a:lnRef idx="2">
+            <a:schemeClr val="accent1">
+              <a:shade val="15000"/>
+            </a:schemeClr>
+          </a:lnRef>
+          <a:fillRef idx="1">
+            <a:schemeClr val="accent1"/>
+          </a:fillRef>
+          <a:effectRef idx="0">
+            <a:schemeClr val="accent1"/>
+          </a:effectRef>
+          <a:fontRef idx="minor">
+            <a:schemeClr val="lt1"/>
+          </a:fontRef>
+        </p:style>
+        <p:txBody>
+          <a:bodyPr rtlCol="0" anchor="ctr"/>
+          <a:lstStyle/>
+          <a:p>
+            <a:pPr algn="ctr"/>
+            <a:endParaRPr lang="zh-TW" altLang="en-US"/>
+          </a:p>
+        </p:txBody>
+      </p:sp>
+      <p:sp>
+        <p:nvSpPr>
+          <p:cNvPr id="5" name="矩形: 圓角 4">
+            <a:extLst>
+              <a:ext uri="{FF2B5EF4-FFF2-40B4-BE49-F238E27FC236}">
+                <a16:creationId xmlns:a16="http://schemas.microsoft.com/office/drawing/2014/main" id="{4A96EA0B-4D62-B719-C4FE-2832D3122FF2}"/>
+              </a:ext>
+            </a:extLst>
+          </p:cNvPr>
+          <p:cNvSpPr/>
+          <p:nvPr/>
+        </p:nvSpPr>
+        <p:spPr>
+          <a:xfrm>
+            <a:off x="1430621" y="1824088"/>
+            <a:ext cx="3808626" cy="3808626"/>
+          </a:xfrm>
+          <a:prstGeom prst="roundRect">
+            <a:avLst/>
+          </a:prstGeom>
+          <a:noFill/>
+        </p:spPr>
+        <p:style>
+          <a:lnRef idx="2">
+            <a:schemeClr val="accent1">
+              <a:shade val="15000"/>
+            </a:schemeClr>
+          </a:lnRef>
+          <a:fillRef idx="1">
+            <a:schemeClr val="accent1"/>
+          </a:fillRef>
+          <a:effectRef idx="0">
+            <a:schemeClr val="accent1"/>
+          </a:effectRef>
+          <a:fontRef idx="minor">
+            <a:schemeClr val="lt1"/>
+          </a:fontRef>
+        </p:style>
+        <p:txBody>
+          <a:bodyPr rtlCol="0" anchor="ctr"/>
+          <a:lstStyle/>
+          <a:p>
+            <a:pPr algn="ctr"/>
+            <a:endParaRPr lang="zh-TW" altLang="en-US"/>
+          </a:p>
+        </p:txBody>
+      </p:sp>
+      <p:sp>
+        <p:nvSpPr>
+          <p:cNvPr id="11" name="文字方塊 10">
+            <a:extLst>
+              <a:ext uri="{FF2B5EF4-FFF2-40B4-BE49-F238E27FC236}">
+                <a16:creationId xmlns:a16="http://schemas.microsoft.com/office/drawing/2014/main" id="{C1E59FBE-6ED4-9C40-D678-D587C8794AA0}"/>
+              </a:ext>
+            </a:extLst>
+          </p:cNvPr>
+          <p:cNvSpPr txBox="1"/>
+          <p:nvPr/>
+        </p:nvSpPr>
+        <p:spPr>
+          <a:xfrm>
+            <a:off x="1603763" y="770237"/>
+            <a:ext cx="1416205" cy="584775"/>
+          </a:xfrm>
+          <a:prstGeom prst="rect">
+            <a:avLst/>
+          </a:prstGeom>
+          <a:noFill/>
+        </p:spPr>
+        <p:txBody>
+          <a:bodyPr wrap="square" rtlCol="0">
+            <a:spAutoFit/>
+          </a:bodyPr>
+          <a:lstStyle/>
+          <a:p>
+            <a:r>
+              <a:rPr lang="en-US" altLang="zh-TW" sz="3200" dirty="0">
+                <a:latin typeface="標楷體" panose="03000509000000000000" pitchFamily="65" charset="-120"/>
+                <a:ea typeface="標楷體" panose="03000509000000000000" pitchFamily="65" charset="-120"/>
+              </a:rPr>
+              <a:t>2.</a:t>
+            </a:r>
+            <a:r>
+              <a:rPr lang="zh-TW" altLang="en-US" sz="3200" dirty="0">
+                <a:latin typeface="標楷體" panose="03000509000000000000" pitchFamily="65" charset="-120"/>
+                <a:ea typeface="標楷體" panose="03000509000000000000" pitchFamily="65" charset="-120"/>
+              </a:rPr>
+              <a:t>阻礙</a:t>
+            </a:r>
+          </a:p>
+        </p:txBody>
+      </p:sp>
+    </p:spTree>
+    <p:extLst>
+      <p:ext uri="{BB962C8B-B14F-4D97-AF65-F5344CB8AC3E}">
+        <p14:creationId xmlns:p14="http://schemas.microsoft.com/office/powerpoint/2010/main" val="1609118115"/>
+      </p:ext>
+    </p:extLst>
+  </p:cSld>
+  <p:clrMapOvr>
+    <a:masterClrMapping/>
+  </p:clrMapOvr>
+</p:sld>
+</file>
+
+<file path=ppt/slides/slide4.xml><?xml version="1.0" encoding="utf-8"?>
+<p:sld xmlns:a="http://schemas.openxmlformats.org/drawingml/2006/main" xmlns:r="http://schemas.openxmlformats.org/officeDocument/2006/relationships" xmlns:p="http://schemas.openxmlformats.org/presentationml/2006/main">
+  <p:cSld>
+    <p:spTree>
+      <p:nvGrpSpPr>
+        <p:cNvPr id="1" name=""/>
+        <p:cNvGrpSpPr/>
+        <p:nvPr/>
+      </p:nvGrpSpPr>
+      <p:grpSpPr>
+        <a:xfrm>
+          <a:off x="0" y="0"/>
+          <a:ext cx="0" cy="0"/>
+          <a:chOff x="0" y="0"/>
+          <a:chExt cx="0" cy="0"/>
+        </a:xfrm>
+      </p:grpSpPr>
+      <p:sp>
+        <p:nvSpPr>
+          <p:cNvPr id="13" name="矩形 12">
+            <a:extLst>
+              <a:ext uri="{FF2B5EF4-FFF2-40B4-BE49-F238E27FC236}">
+                <a16:creationId xmlns:a16="http://schemas.microsoft.com/office/drawing/2014/main" id="{8FB8B9BA-177A-D481-49B6-099AFCFEB55B}"/>
+              </a:ext>
+            </a:extLst>
+          </p:cNvPr>
+          <p:cNvSpPr/>
+          <p:nvPr/>
+        </p:nvSpPr>
+        <p:spPr>
+          <a:xfrm>
+            <a:off x="0" y="0"/>
+            <a:ext cx="12192000" cy="6858000"/>
+          </a:xfrm>
+          <a:prstGeom prst="rect">
+            <a:avLst/>
+          </a:prstGeom>
+          <a:solidFill>
+            <a:srgbClr val="1A3046"/>
+          </a:solidFill>
+          <a:ln>
+            <a:noFill/>
+          </a:ln>
+        </p:spPr>
+        <p:style>
+          <a:lnRef idx="2">
+            <a:schemeClr val="accent1">
+              <a:shade val="15000"/>
+            </a:schemeClr>
+          </a:lnRef>
+          <a:fillRef idx="1">
+            <a:schemeClr val="accent1"/>
+          </a:fillRef>
+          <a:effectRef idx="0">
+            <a:schemeClr val="accent1"/>
+          </a:effectRef>
+          <a:fontRef idx="minor">
+            <a:schemeClr val="lt1"/>
+          </a:fontRef>
+        </p:style>
+        <p:txBody>
+          <a:bodyPr rtlCol="0" anchor="ctr"/>
+          <a:lstStyle/>
+          <a:p>
+            <a:pPr algn="ctr"/>
+            <a:endParaRPr lang="zh-TW" altLang="en-US"/>
+          </a:p>
+        </p:txBody>
+      </p:sp>
+      <p:sp>
+        <p:nvSpPr>
+          <p:cNvPr id="4" name="矩形 3">
+            <a:extLst>
+              <a:ext uri="{FF2B5EF4-FFF2-40B4-BE49-F238E27FC236}">
+                <a16:creationId xmlns:a16="http://schemas.microsoft.com/office/drawing/2014/main" id="{4D8352BA-491B-B091-185B-938A8CCA487A}"/>
+              </a:ext>
+            </a:extLst>
+          </p:cNvPr>
+          <p:cNvSpPr/>
+          <p:nvPr/>
+        </p:nvSpPr>
+        <p:spPr>
+          <a:xfrm>
+            <a:off x="500317" y="281428"/>
+            <a:ext cx="11191365" cy="6295143"/>
+          </a:xfrm>
+          <a:prstGeom prst="rect">
+            <a:avLst/>
+          </a:prstGeom>
+          <a:solidFill>
+            <a:srgbClr val="DEDFEA"/>
+          </a:solidFill>
+        </p:spPr>
+        <p:style>
+          <a:lnRef idx="2">
+            <a:schemeClr val="accent1">
+              <a:shade val="15000"/>
+            </a:schemeClr>
+          </a:lnRef>
+          <a:fillRef idx="1">
+            <a:schemeClr val="accent1"/>
+          </a:fillRef>
+          <a:effectRef idx="0">
+            <a:schemeClr val="accent1"/>
+          </a:effectRef>
+          <a:fontRef idx="minor">
+            <a:schemeClr val="lt1"/>
+          </a:fontRef>
+        </p:style>
+        <p:txBody>
+          <a:bodyPr rtlCol="0" anchor="ctr"/>
+          <a:lstStyle/>
+          <a:p>
+            <a:pPr algn="ctr"/>
+            <a:endParaRPr lang="zh-TW" altLang="en-US" dirty="0"/>
+          </a:p>
+        </p:txBody>
+      </p:sp>
+      <p:pic>
+        <p:nvPicPr>
+          <p:cNvPr id="3" name="圖片 2">
+            <a:extLst>
+              <a:ext uri="{FF2B5EF4-FFF2-40B4-BE49-F238E27FC236}">
+                <a16:creationId xmlns:a16="http://schemas.microsoft.com/office/drawing/2014/main" id="{C550BC85-F4CD-C5E3-4708-E0AE6572BAEB}"/>
+              </a:ext>
+            </a:extLst>
+          </p:cNvPr>
+          <p:cNvPicPr>
+            <a:picLocks noChangeAspect="1"/>
+          </p:cNvPicPr>
+          <p:nvPr/>
+        </p:nvPicPr>
+        <p:blipFill>
+          <a:blip r:embed="rId3"/>
+          <a:stretch>
+            <a:fillRect/>
+          </a:stretch>
+        </p:blipFill>
+        <p:spPr>
+          <a:xfrm>
+            <a:off x="1313832" y="1699983"/>
+            <a:ext cx="4011070" cy="4011070"/>
+          </a:xfrm>
+          <a:prstGeom prst="roundRect">
+            <a:avLst>
+              <a:gd name="adj" fmla="val 16667"/>
+            </a:avLst>
+          </a:prstGeom>
+          <a:ln>
+            <a:noFill/>
+          </a:ln>
+          <a:effectLst/>
+          <a:scene3d>
+            <a:camera prst="orthographicFront"/>
+            <a:lightRig rig="contrasting" dir="t">
+              <a:rot lat="0" lon="0" rev="4200000"/>
+            </a:lightRig>
+          </a:scene3d>
+          <a:sp3d prstMaterial="plastic">
+            <a:bevelT w="381000" h="114300" prst="relaxedInset"/>
+            <a:contourClr>
+              <a:srgbClr val="969696"/>
+            </a:contourClr>
+          </a:sp3d>
+        </p:spPr>
+      </p:pic>
+      <p:sp>
+        <p:nvSpPr>
+          <p:cNvPr id="6" name="矩形: 圓角 5">
+            <a:extLst>
+              <a:ext uri="{FF2B5EF4-FFF2-40B4-BE49-F238E27FC236}">
+                <a16:creationId xmlns:a16="http://schemas.microsoft.com/office/drawing/2014/main" id="{A552EC0B-096A-A672-D023-1AC4AF107EB9}"/>
+              </a:ext>
+            </a:extLst>
+          </p:cNvPr>
+          <p:cNvSpPr/>
+          <p:nvPr/>
+        </p:nvSpPr>
+        <p:spPr>
+          <a:xfrm>
+            <a:off x="1313832" y="1699983"/>
+            <a:ext cx="4011071" cy="4011071"/>
+          </a:xfrm>
+          <a:prstGeom prst="roundRect">
+            <a:avLst/>
+          </a:prstGeom>
+          <a:noFill/>
+          <a:ln w="28575"/>
+        </p:spPr>
+        <p:style>
+          <a:lnRef idx="2">
+            <a:schemeClr val="accent1">
+              <a:shade val="15000"/>
+            </a:schemeClr>
+          </a:lnRef>
+          <a:fillRef idx="1">
+            <a:schemeClr val="accent1"/>
+          </a:fillRef>
+          <a:effectRef idx="0">
+            <a:schemeClr val="accent1"/>
+          </a:effectRef>
+          <a:fontRef idx="minor">
+            <a:schemeClr val="lt1"/>
+          </a:fontRef>
+        </p:style>
+        <p:txBody>
+          <a:bodyPr rtlCol="0" anchor="ctr"/>
+          <a:lstStyle/>
+          <a:p>
+            <a:pPr algn="ctr"/>
+            <a:endParaRPr lang="zh-TW" altLang="en-US"/>
+          </a:p>
+        </p:txBody>
+      </p:sp>
+      <p:sp>
+        <p:nvSpPr>
+          <p:cNvPr id="5" name="矩形: 圓角 4">
+            <a:extLst>
+              <a:ext uri="{FF2B5EF4-FFF2-40B4-BE49-F238E27FC236}">
+                <a16:creationId xmlns:a16="http://schemas.microsoft.com/office/drawing/2014/main" id="{4A96EA0B-4D62-B719-C4FE-2832D3122FF2}"/>
+              </a:ext>
+            </a:extLst>
+          </p:cNvPr>
+          <p:cNvSpPr/>
+          <p:nvPr/>
+        </p:nvSpPr>
+        <p:spPr>
+          <a:xfrm>
+            <a:off x="1430621" y="1824088"/>
+            <a:ext cx="3808626" cy="3808626"/>
+          </a:xfrm>
+          <a:prstGeom prst="roundRect">
+            <a:avLst/>
+          </a:prstGeom>
+          <a:noFill/>
+        </p:spPr>
+        <p:style>
+          <a:lnRef idx="2">
+            <a:schemeClr val="accent1">
+              <a:shade val="15000"/>
+            </a:schemeClr>
+          </a:lnRef>
+          <a:fillRef idx="1">
+            <a:schemeClr val="accent1"/>
+          </a:fillRef>
+          <a:effectRef idx="0">
+            <a:schemeClr val="accent1"/>
+          </a:effectRef>
+          <a:fontRef idx="minor">
+            <a:schemeClr val="lt1"/>
+          </a:fontRef>
+        </p:style>
+        <p:txBody>
+          <a:bodyPr rtlCol="0" anchor="ctr"/>
+          <a:lstStyle/>
+          <a:p>
+            <a:pPr algn="ctr"/>
+            <a:endParaRPr lang="zh-TW" altLang="en-US"/>
+          </a:p>
+        </p:txBody>
+      </p:sp>
+      <p:sp>
+        <p:nvSpPr>
+          <p:cNvPr id="11" name="文字方塊 10">
+            <a:extLst>
+              <a:ext uri="{FF2B5EF4-FFF2-40B4-BE49-F238E27FC236}">
+                <a16:creationId xmlns:a16="http://schemas.microsoft.com/office/drawing/2014/main" id="{C1E59FBE-6ED4-9C40-D678-D587C8794AA0}"/>
+              </a:ext>
+            </a:extLst>
+          </p:cNvPr>
+          <p:cNvSpPr txBox="1"/>
+          <p:nvPr/>
+        </p:nvSpPr>
+        <p:spPr>
+          <a:xfrm>
+            <a:off x="1603763" y="770237"/>
+            <a:ext cx="1416205" cy="584775"/>
+          </a:xfrm>
+          <a:prstGeom prst="rect">
+            <a:avLst/>
+          </a:prstGeom>
+          <a:noFill/>
+        </p:spPr>
+        <p:txBody>
+          <a:bodyPr wrap="square" rtlCol="0">
+            <a:spAutoFit/>
+          </a:bodyPr>
+          <a:lstStyle/>
+          <a:p>
+            <a:r>
+              <a:rPr lang="en-US" altLang="zh-TW" sz="3200" dirty="0">
+                <a:latin typeface="標楷體" panose="03000509000000000000" pitchFamily="65" charset="-120"/>
+                <a:ea typeface="標楷體" panose="03000509000000000000" pitchFamily="65" charset="-120"/>
+              </a:rPr>
+              <a:t>3.</a:t>
+            </a:r>
+            <a:r>
+              <a:rPr lang="zh-TW" altLang="en-US" sz="3200" dirty="0">
+                <a:latin typeface="標楷體" panose="03000509000000000000" pitchFamily="65" charset="-120"/>
+                <a:ea typeface="標楷體" panose="03000509000000000000" pitchFamily="65" charset="-120"/>
+              </a:rPr>
+              <a:t>努力</a:t>
+            </a:r>
+          </a:p>
+        </p:txBody>
+      </p:sp>
+    </p:spTree>
+    <p:extLst>
+      <p:ext uri="{BB962C8B-B14F-4D97-AF65-F5344CB8AC3E}">
+        <p14:creationId xmlns:p14="http://schemas.microsoft.com/office/powerpoint/2010/main" val="1620405467"/>
+      </p:ext>
+    </p:extLst>
+  </p:cSld>
+  <p:clrMapOvr>
+    <a:masterClrMapping/>
+  </p:clrMapOvr>
+</p:sld>
+</file>
+
+<file path=ppt/slides/slide5.xml><?xml version="1.0" encoding="utf-8"?>
+<p:sld xmlns:a="http://schemas.openxmlformats.org/drawingml/2006/main" xmlns:r="http://schemas.openxmlformats.org/officeDocument/2006/relationships" xmlns:p="http://schemas.openxmlformats.org/presentationml/2006/main">
+  <p:cSld>
+    <p:spTree>
+      <p:nvGrpSpPr>
+        <p:cNvPr id="1" name=""/>
+        <p:cNvGrpSpPr/>
+        <p:nvPr/>
+      </p:nvGrpSpPr>
+      <p:grpSpPr>
+        <a:xfrm>
+          <a:off x="0" y="0"/>
+          <a:ext cx="0" cy="0"/>
+          <a:chOff x="0" y="0"/>
+          <a:chExt cx="0" cy="0"/>
+        </a:xfrm>
+      </p:grpSpPr>
+      <p:sp>
+        <p:nvSpPr>
+          <p:cNvPr id="13" name="矩形 12">
+            <a:extLst>
+              <a:ext uri="{FF2B5EF4-FFF2-40B4-BE49-F238E27FC236}">
+                <a16:creationId xmlns:a16="http://schemas.microsoft.com/office/drawing/2014/main" id="{8FB8B9BA-177A-D481-49B6-099AFCFEB55B}"/>
+              </a:ext>
+            </a:extLst>
+          </p:cNvPr>
+          <p:cNvSpPr/>
+          <p:nvPr/>
+        </p:nvSpPr>
+        <p:spPr>
+          <a:xfrm>
+            <a:off x="0" y="0"/>
+            <a:ext cx="12192000" cy="6858000"/>
+          </a:xfrm>
+          <a:prstGeom prst="rect">
+            <a:avLst/>
+          </a:prstGeom>
+          <a:solidFill>
+            <a:srgbClr val="1A3046"/>
+          </a:solidFill>
+          <a:ln>
+            <a:noFill/>
+          </a:ln>
+        </p:spPr>
+        <p:style>
+          <a:lnRef idx="2">
+            <a:schemeClr val="accent1">
+              <a:shade val="15000"/>
+            </a:schemeClr>
+          </a:lnRef>
+          <a:fillRef idx="1">
+            <a:schemeClr val="accent1"/>
+          </a:fillRef>
+          <a:effectRef idx="0">
+            <a:schemeClr val="accent1"/>
+          </a:effectRef>
+          <a:fontRef idx="minor">
+            <a:schemeClr val="lt1"/>
+          </a:fontRef>
+        </p:style>
+        <p:txBody>
+          <a:bodyPr rtlCol="0" anchor="ctr"/>
+          <a:lstStyle/>
+          <a:p>
+            <a:pPr algn="ctr"/>
+            <a:endParaRPr lang="zh-TW" altLang="en-US"/>
+          </a:p>
+        </p:txBody>
+      </p:sp>
+      <p:sp>
+        <p:nvSpPr>
+          <p:cNvPr id="4" name="矩形 3">
+            <a:extLst>
+              <a:ext uri="{FF2B5EF4-FFF2-40B4-BE49-F238E27FC236}">
+                <a16:creationId xmlns:a16="http://schemas.microsoft.com/office/drawing/2014/main" id="{4D8352BA-491B-B091-185B-938A8CCA487A}"/>
+              </a:ext>
+            </a:extLst>
+          </p:cNvPr>
+          <p:cNvSpPr/>
+          <p:nvPr/>
+        </p:nvSpPr>
+        <p:spPr>
+          <a:xfrm>
+            <a:off x="500317" y="281428"/>
+            <a:ext cx="11191365" cy="6295143"/>
+          </a:xfrm>
+          <a:prstGeom prst="rect">
+            <a:avLst/>
+          </a:prstGeom>
+          <a:solidFill>
+            <a:srgbClr val="DEDFEA"/>
+          </a:solidFill>
+        </p:spPr>
+        <p:style>
+          <a:lnRef idx="2">
+            <a:schemeClr val="accent1">
+              <a:shade val="15000"/>
+            </a:schemeClr>
+          </a:lnRef>
+          <a:fillRef idx="1">
+            <a:schemeClr val="accent1"/>
+          </a:fillRef>
+          <a:effectRef idx="0">
+            <a:schemeClr val="accent1"/>
+          </a:effectRef>
+          <a:fontRef idx="minor">
+            <a:schemeClr val="lt1"/>
+          </a:fontRef>
+        </p:style>
+        <p:txBody>
+          <a:bodyPr rtlCol="0" anchor="ctr"/>
+          <a:lstStyle/>
+          <a:p>
+            <a:pPr algn="ctr"/>
+            <a:endParaRPr lang="zh-TW" altLang="en-US" dirty="0"/>
+          </a:p>
+        </p:txBody>
+      </p:sp>
+      <p:pic>
+        <p:nvPicPr>
+          <p:cNvPr id="3" name="圖片 2">
+            <a:extLst>
+              <a:ext uri="{FF2B5EF4-FFF2-40B4-BE49-F238E27FC236}">
+                <a16:creationId xmlns:a16="http://schemas.microsoft.com/office/drawing/2014/main" id="{84F46FEC-8CCE-7076-0389-22B265AA86F5}"/>
+              </a:ext>
+            </a:extLst>
+          </p:cNvPr>
+          <p:cNvPicPr>
+            <a:picLocks noChangeAspect="1"/>
+          </p:cNvPicPr>
+          <p:nvPr/>
+        </p:nvPicPr>
+        <p:blipFill>
+          <a:blip r:embed="rId3"/>
+          <a:stretch>
+            <a:fillRect/>
+          </a:stretch>
+        </p:blipFill>
+        <p:spPr>
+          <a:xfrm>
+            <a:off x="1313831" y="1699982"/>
+            <a:ext cx="4011071" cy="4011071"/>
+          </a:xfrm>
+          <a:prstGeom prst="roundRect">
+            <a:avLst>
+              <a:gd name="adj" fmla="val 16667"/>
+            </a:avLst>
+          </a:prstGeom>
+          <a:ln>
+            <a:noFill/>
+          </a:ln>
+          <a:effectLst/>
+          <a:scene3d>
+            <a:camera prst="orthographicFront"/>
+            <a:lightRig rig="contrasting" dir="t">
+              <a:rot lat="0" lon="0" rev="4200000"/>
+            </a:lightRig>
+          </a:scene3d>
+          <a:sp3d prstMaterial="plastic">
+            <a:bevelT w="381000" h="114300" prst="relaxedInset"/>
+            <a:contourClr>
+              <a:srgbClr val="969696"/>
+            </a:contourClr>
+          </a:sp3d>
+        </p:spPr>
+      </p:pic>
+      <p:sp>
+        <p:nvSpPr>
+          <p:cNvPr id="6" name="矩形: 圓角 5">
+            <a:extLst>
+              <a:ext uri="{FF2B5EF4-FFF2-40B4-BE49-F238E27FC236}">
+                <a16:creationId xmlns:a16="http://schemas.microsoft.com/office/drawing/2014/main" id="{A552EC0B-096A-A672-D023-1AC4AF107EB9}"/>
+              </a:ext>
+            </a:extLst>
+          </p:cNvPr>
+          <p:cNvSpPr/>
+          <p:nvPr/>
+        </p:nvSpPr>
+        <p:spPr>
+          <a:xfrm>
+            <a:off x="1313832" y="1699983"/>
+            <a:ext cx="4011071" cy="4011071"/>
+          </a:xfrm>
+          <a:prstGeom prst="roundRect">
+            <a:avLst/>
+          </a:prstGeom>
+          <a:noFill/>
+          <a:ln w="28575"/>
+        </p:spPr>
+        <p:style>
+          <a:lnRef idx="2">
+            <a:schemeClr val="accent1">
+              <a:shade val="15000"/>
+            </a:schemeClr>
+          </a:lnRef>
+          <a:fillRef idx="1">
+            <a:schemeClr val="accent1"/>
+          </a:fillRef>
+          <a:effectRef idx="0">
+            <a:schemeClr val="accent1"/>
+          </a:effectRef>
+          <a:fontRef idx="minor">
+            <a:schemeClr val="lt1"/>
+          </a:fontRef>
+        </p:style>
+        <p:txBody>
+          <a:bodyPr rtlCol="0" anchor="ctr"/>
+          <a:lstStyle/>
+          <a:p>
+            <a:pPr algn="ctr"/>
+            <a:endParaRPr lang="zh-TW" altLang="en-US"/>
+          </a:p>
+        </p:txBody>
+      </p:sp>
+      <p:sp>
+        <p:nvSpPr>
+          <p:cNvPr id="5" name="矩形: 圓角 4">
+            <a:extLst>
+              <a:ext uri="{FF2B5EF4-FFF2-40B4-BE49-F238E27FC236}">
+                <a16:creationId xmlns:a16="http://schemas.microsoft.com/office/drawing/2014/main" id="{4A96EA0B-4D62-B719-C4FE-2832D3122FF2}"/>
+              </a:ext>
+            </a:extLst>
+          </p:cNvPr>
+          <p:cNvSpPr/>
+          <p:nvPr/>
+        </p:nvSpPr>
+        <p:spPr>
+          <a:xfrm>
+            <a:off x="1430621" y="1824088"/>
+            <a:ext cx="3808626" cy="3808626"/>
+          </a:xfrm>
+          <a:prstGeom prst="roundRect">
+            <a:avLst/>
+          </a:prstGeom>
+          <a:noFill/>
+        </p:spPr>
+        <p:style>
+          <a:lnRef idx="2">
+            <a:schemeClr val="accent1">
+              <a:shade val="15000"/>
+            </a:schemeClr>
+          </a:lnRef>
+          <a:fillRef idx="1">
+            <a:schemeClr val="accent1"/>
+          </a:fillRef>
+          <a:effectRef idx="0">
+            <a:schemeClr val="accent1"/>
+          </a:effectRef>
+          <a:fontRef idx="minor">
+            <a:schemeClr val="lt1"/>
+          </a:fontRef>
+        </p:style>
+        <p:txBody>
+          <a:bodyPr rtlCol="0" anchor="ctr"/>
+          <a:lstStyle/>
+          <a:p>
+            <a:pPr algn="ctr"/>
+            <a:endParaRPr lang="zh-TW" altLang="en-US"/>
+          </a:p>
+        </p:txBody>
+      </p:sp>
+      <p:sp>
+        <p:nvSpPr>
+          <p:cNvPr id="11" name="文字方塊 10">
+            <a:extLst>
+              <a:ext uri="{FF2B5EF4-FFF2-40B4-BE49-F238E27FC236}">
+                <a16:creationId xmlns:a16="http://schemas.microsoft.com/office/drawing/2014/main" id="{C1E59FBE-6ED4-9C40-D678-D587C8794AA0}"/>
+              </a:ext>
+            </a:extLst>
+          </p:cNvPr>
+          <p:cNvSpPr txBox="1"/>
+          <p:nvPr/>
+        </p:nvSpPr>
+        <p:spPr>
+          <a:xfrm>
+            <a:off x="1603763" y="770237"/>
+            <a:ext cx="1416205" cy="584775"/>
+          </a:xfrm>
+          <a:prstGeom prst="rect">
+            <a:avLst/>
+          </a:prstGeom>
+          <a:noFill/>
+        </p:spPr>
+        <p:txBody>
+          <a:bodyPr wrap="square" rtlCol="0">
+            <a:spAutoFit/>
+          </a:bodyPr>
+          <a:lstStyle/>
+          <a:p>
+            <a:r>
+              <a:rPr lang="en-US" altLang="zh-TW" sz="3200" dirty="0">
+                <a:latin typeface="標楷體" panose="03000509000000000000" pitchFamily="65" charset="-120"/>
+                <a:ea typeface="標楷體" panose="03000509000000000000" pitchFamily="65" charset="-120"/>
+              </a:rPr>
+              <a:t>4.</a:t>
+            </a:r>
+            <a:r>
+              <a:rPr lang="zh-TW" altLang="en-US" sz="3200" dirty="0">
+                <a:latin typeface="標楷體" panose="03000509000000000000" pitchFamily="65" charset="-120"/>
+                <a:ea typeface="標楷體" panose="03000509000000000000" pitchFamily="65" charset="-120"/>
+              </a:rPr>
+              <a:t>結果</a:t>
+            </a:r>
+          </a:p>
+        </p:txBody>
+      </p:sp>
+    </p:spTree>
+    <p:extLst>
+      <p:ext uri="{BB962C8B-B14F-4D97-AF65-F5344CB8AC3E}">
+        <p14:creationId xmlns:p14="http://schemas.microsoft.com/office/powerpoint/2010/main" val="2315407930"/>
+      </p:ext>
+    </p:extLst>
+  </p:cSld>
+  <p:clrMapOvr>
+    <a:masterClrMapping/>
+  </p:clrMapOvr>
+</p:sld>
+</file>
+
+<file path=ppt/slides/slide6.xml><?xml version="1.0" encoding="utf-8"?>
+<p:sld xmlns:a="http://schemas.openxmlformats.org/drawingml/2006/main" xmlns:r="http://schemas.openxmlformats.org/officeDocument/2006/relationships" xmlns:p="http://schemas.openxmlformats.org/presentationml/2006/main">
+  <p:cSld>
+    <p:spTree>
+      <p:nvGrpSpPr>
+        <p:cNvPr id="1" name=""/>
+        <p:cNvGrpSpPr/>
+        <p:nvPr/>
+      </p:nvGrpSpPr>
+      <p:grpSpPr>
+        <a:xfrm>
+          <a:off x="0" y="0"/>
+          <a:ext cx="0" cy="0"/>
+          <a:chOff x="0" y="0"/>
+          <a:chExt cx="0" cy="0"/>
+        </a:xfrm>
+      </p:grpSpPr>
+      <p:sp>
+        <p:nvSpPr>
+          <p:cNvPr id="13" name="矩形 12">
+            <a:extLst>
+              <a:ext uri="{FF2B5EF4-FFF2-40B4-BE49-F238E27FC236}">
+                <a16:creationId xmlns:a16="http://schemas.microsoft.com/office/drawing/2014/main" id="{8FB8B9BA-177A-D481-49B6-099AFCFEB55B}"/>
+              </a:ext>
+            </a:extLst>
+          </p:cNvPr>
+          <p:cNvSpPr/>
+          <p:nvPr/>
+        </p:nvSpPr>
+        <p:spPr>
+          <a:xfrm>
+            <a:off x="0" y="0"/>
+            <a:ext cx="12192000" cy="6858000"/>
+          </a:xfrm>
+          <a:prstGeom prst="rect">
+            <a:avLst/>
+          </a:prstGeom>
+          <a:solidFill>
+            <a:srgbClr val="1A3046"/>
+          </a:solidFill>
+          <a:ln>
+            <a:noFill/>
+          </a:ln>
+        </p:spPr>
+        <p:style>
+          <a:lnRef idx="2">
+            <a:schemeClr val="accent1">
+              <a:shade val="15000"/>
+            </a:schemeClr>
+          </a:lnRef>
+          <a:fillRef idx="1">
+            <a:schemeClr val="accent1"/>
+          </a:fillRef>
+          <a:effectRef idx="0">
+            <a:schemeClr val="accent1"/>
+          </a:effectRef>
+          <a:fontRef idx="minor">
+            <a:schemeClr val="lt1"/>
+          </a:fontRef>
+        </p:style>
+        <p:txBody>
+          <a:bodyPr rtlCol="0" anchor="ctr"/>
+          <a:lstStyle/>
+          <a:p>
+            <a:pPr algn="ctr"/>
+            <a:endParaRPr lang="zh-TW" altLang="en-US"/>
+          </a:p>
+        </p:txBody>
+      </p:sp>
+      <p:sp>
+        <p:nvSpPr>
+          <p:cNvPr id="7" name="矩形 6">
+            <a:extLst>
+              <a:ext uri="{FF2B5EF4-FFF2-40B4-BE49-F238E27FC236}">
+                <a16:creationId xmlns:a16="http://schemas.microsoft.com/office/drawing/2014/main" id="{619AE5D7-4CE5-279F-9667-1E1760D32189}"/>
+              </a:ext>
+            </a:extLst>
+          </p:cNvPr>
+          <p:cNvSpPr/>
+          <p:nvPr/>
+        </p:nvSpPr>
+        <p:spPr>
+          <a:xfrm>
+            <a:off x="500317" y="281428"/>
+            <a:ext cx="11191365" cy="6295143"/>
+          </a:xfrm>
+          <a:prstGeom prst="rect">
+            <a:avLst/>
+          </a:prstGeom>
+          <a:solidFill>
+            <a:srgbClr val="DEDFEA"/>
+          </a:solidFill>
+        </p:spPr>
+        <p:style>
+          <a:lnRef idx="2">
+            <a:schemeClr val="accent1">
+              <a:shade val="15000"/>
+            </a:schemeClr>
+          </a:lnRef>
+          <a:fillRef idx="1">
+            <a:schemeClr val="accent1"/>
+          </a:fillRef>
+          <a:effectRef idx="0">
+            <a:schemeClr val="accent1"/>
+          </a:effectRef>
+          <a:fontRef idx="minor">
+            <a:schemeClr val="lt1"/>
+          </a:fontRef>
+        </p:style>
+        <p:txBody>
+          <a:bodyPr rtlCol="0" anchor="ctr"/>
+          <a:lstStyle/>
+          <a:p>
+            <a:pPr algn="ctr"/>
+            <a:endParaRPr lang="zh-TW" altLang="en-US" dirty="0"/>
+          </a:p>
+        </p:txBody>
+      </p:sp>
+      <p:grpSp>
+        <p:nvGrpSpPr>
+          <p:cNvPr id="2" name="群組 1">
+            <a:extLst>
+              <a:ext uri="{FF2B5EF4-FFF2-40B4-BE49-F238E27FC236}">
+                <a16:creationId xmlns:a16="http://schemas.microsoft.com/office/drawing/2014/main" id="{30AD37B5-368D-A04F-F887-AC1B09FE8D8C}"/>
+              </a:ext>
+            </a:extLst>
+          </p:cNvPr>
+          <p:cNvGrpSpPr/>
+          <p:nvPr/>
+        </p:nvGrpSpPr>
+        <p:grpSpPr>
+          <a:xfrm>
+            <a:off x="3382915" y="3567131"/>
+            <a:ext cx="2646185" cy="2646185"/>
+            <a:chOff x="1214536" y="1655383"/>
+            <a:chExt cx="4018387" cy="4018387"/>
+          </a:xfrm>
+        </p:grpSpPr>
+        <p:pic>
+          <p:nvPicPr>
+            <p:cNvPr id="4" name="圖片 3">
+              <a:extLst>
+                <a:ext uri="{FF2B5EF4-FFF2-40B4-BE49-F238E27FC236}">
+                  <a16:creationId xmlns:a16="http://schemas.microsoft.com/office/drawing/2014/main" id="{B1D6C4CF-5CD4-9077-2D98-6E13E4507011}"/>
+                </a:ext>
+              </a:extLst>
+            </p:cNvPr>
+            <p:cNvPicPr>
+              <a:picLocks noChangeAspect="1"/>
+            </p:cNvPicPr>
+            <p:nvPr/>
+          </p:nvPicPr>
+          <p:blipFill>
+            <a:blip r:embed="rId3"/>
+            <a:stretch>
+              <a:fillRect/>
+            </a:stretch>
+          </p:blipFill>
+          <p:spPr>
+            <a:xfrm>
+              <a:off x="1214536" y="1655383"/>
+              <a:ext cx="4018387" cy="4018387"/>
+            </a:xfrm>
+            <a:prstGeom prst="roundRect">
+              <a:avLst>
+                <a:gd name="adj" fmla="val 16667"/>
+              </a:avLst>
+            </a:prstGeom>
+            <a:ln>
+              <a:noFill/>
+            </a:ln>
+            <a:effectLst/>
+            <a:scene3d>
+              <a:camera prst="orthographicFront"/>
+              <a:lightRig rig="contrasting" dir="t">
+                <a:rot lat="0" lon="0" rev="4200000"/>
+              </a:lightRig>
+            </a:scene3d>
+            <a:sp3d prstMaterial="plastic">
+              <a:bevelT w="381000" h="114300" prst="relaxedInset"/>
+              <a:contourClr>
+                <a:srgbClr val="969696"/>
+              </a:contourClr>
+            </a:sp3d>
+          </p:spPr>
+        </p:pic>
+        <p:sp>
+          <p:nvSpPr>
+            <p:cNvPr id="8" name="矩形: 圓角 7">
+              <a:extLst>
+                <a:ext uri="{FF2B5EF4-FFF2-40B4-BE49-F238E27FC236}">
+                  <a16:creationId xmlns:a16="http://schemas.microsoft.com/office/drawing/2014/main" id="{7104B3E5-26B5-79B2-928B-B6299DF4DE1D}"/>
+                </a:ext>
+              </a:extLst>
+            </p:cNvPr>
+            <p:cNvSpPr/>
+            <p:nvPr/>
+          </p:nvSpPr>
+          <p:spPr>
+            <a:xfrm>
+              <a:off x="1221852" y="1655383"/>
+              <a:ext cx="4011071" cy="4011071"/>
+            </a:xfrm>
+            <a:prstGeom prst="roundRect">
+              <a:avLst/>
+            </a:prstGeom>
+            <a:noFill/>
+            <a:ln w="28575"/>
+          </p:spPr>
+          <p:style>
+            <a:lnRef idx="2">
+              <a:schemeClr val="accent1">
+                <a:shade val="15000"/>
+              </a:schemeClr>
+            </a:lnRef>
+            <a:fillRef idx="1">
+              <a:schemeClr val="accent1"/>
+            </a:fillRef>
+            <a:effectRef idx="0">
+              <a:schemeClr val="accent1"/>
+            </a:effectRef>
+            <a:fontRef idx="minor">
+              <a:schemeClr val="lt1"/>
+            </a:fontRef>
+          </p:style>
+          <p:txBody>
+            <a:bodyPr rtlCol="0" anchor="ctr"/>
+            <a:lstStyle/>
+            <a:p>
+              <a:pPr algn="ctr"/>
+              <a:endParaRPr lang="zh-TW" altLang="en-US"/>
+            </a:p>
+          </p:txBody>
+        </p:sp>
+        <p:sp>
+          <p:nvSpPr>
+            <p:cNvPr id="9" name="矩形: 圓角 8">
+              <a:extLst>
+                <a:ext uri="{FF2B5EF4-FFF2-40B4-BE49-F238E27FC236}">
+                  <a16:creationId xmlns:a16="http://schemas.microsoft.com/office/drawing/2014/main" id="{21020C99-D593-8325-FB94-F8F862FCA232}"/>
+                </a:ext>
+              </a:extLst>
+            </p:cNvPr>
+            <p:cNvSpPr/>
+            <p:nvPr/>
+          </p:nvSpPr>
+          <p:spPr>
+            <a:xfrm>
+              <a:off x="1338641" y="1779488"/>
+              <a:ext cx="3808626" cy="3808626"/>
+            </a:xfrm>
+            <a:prstGeom prst="roundRect">
+              <a:avLst/>
+            </a:prstGeom>
+            <a:noFill/>
+          </p:spPr>
+          <p:style>
+            <a:lnRef idx="2">
+              <a:schemeClr val="accent1">
+                <a:shade val="15000"/>
+              </a:schemeClr>
+            </a:lnRef>
+            <a:fillRef idx="1">
+              <a:schemeClr val="accent1"/>
+            </a:fillRef>
+            <a:effectRef idx="0">
+              <a:schemeClr val="accent1"/>
+            </a:effectRef>
+            <a:fontRef idx="minor">
+              <a:schemeClr val="lt1"/>
+            </a:fontRef>
+          </p:style>
+          <p:txBody>
+            <a:bodyPr rtlCol="0" anchor="ctr"/>
+            <a:lstStyle/>
+            <a:p>
+              <a:pPr algn="ctr"/>
+              <a:endParaRPr lang="zh-TW" altLang="en-US"/>
+            </a:p>
+          </p:txBody>
+        </p:sp>
+      </p:grpSp>
+      <p:grpSp>
+        <p:nvGrpSpPr>
+          <p:cNvPr id="10" name="群組 9">
+            <a:extLst>
+              <a:ext uri="{FF2B5EF4-FFF2-40B4-BE49-F238E27FC236}">
+                <a16:creationId xmlns:a16="http://schemas.microsoft.com/office/drawing/2014/main" id="{6A6BD99D-A636-9ACF-C56F-189DC821FA5C}"/>
+              </a:ext>
+            </a:extLst>
+          </p:cNvPr>
+          <p:cNvGrpSpPr/>
+          <p:nvPr/>
+        </p:nvGrpSpPr>
+        <p:grpSpPr>
+          <a:xfrm>
+            <a:off x="1186173" y="1655384"/>
+            <a:ext cx="2641367" cy="2641367"/>
+            <a:chOff x="1221852" y="1655383"/>
+            <a:chExt cx="4011071" cy="4011071"/>
+          </a:xfrm>
+        </p:grpSpPr>
+        <p:pic>
+          <p:nvPicPr>
+            <p:cNvPr id="3" name="圖片 2">
+              <a:extLst>
+                <a:ext uri="{FF2B5EF4-FFF2-40B4-BE49-F238E27FC236}">
+                  <a16:creationId xmlns:a16="http://schemas.microsoft.com/office/drawing/2014/main" id="{402E1679-29BD-432B-5100-DF3784A66647}"/>
+                </a:ext>
+              </a:extLst>
+            </p:cNvPr>
+            <p:cNvPicPr>
+              <a:picLocks noChangeAspect="1"/>
+            </p:cNvPicPr>
+            <p:nvPr/>
+          </p:nvPicPr>
+          <p:blipFill>
+            <a:blip r:embed="rId4"/>
+            <a:stretch>
+              <a:fillRect/>
+            </a:stretch>
+          </p:blipFill>
+          <p:spPr>
+            <a:xfrm>
+              <a:off x="1221852" y="1655383"/>
+              <a:ext cx="4011070" cy="4011070"/>
+            </a:xfrm>
+            <a:prstGeom prst="roundRect">
+              <a:avLst>
+                <a:gd name="adj" fmla="val 16667"/>
+              </a:avLst>
+            </a:prstGeom>
+            <a:ln>
+              <a:noFill/>
+            </a:ln>
+            <a:effectLst/>
+            <a:scene3d>
+              <a:camera prst="orthographicFront"/>
+              <a:lightRig rig="contrasting" dir="t">
+                <a:rot lat="0" lon="0" rev="4200000"/>
+              </a:lightRig>
+            </a:scene3d>
+            <a:sp3d prstMaterial="plastic">
+              <a:bevelT w="381000" h="114300" prst="relaxedInset"/>
+              <a:contourClr>
+                <a:srgbClr val="969696"/>
+              </a:contourClr>
+            </a:sp3d>
+          </p:spPr>
+        </p:pic>
+        <p:sp>
+          <p:nvSpPr>
+            <p:cNvPr id="6" name="矩形: 圓角 5">
+              <a:extLst>
+                <a:ext uri="{FF2B5EF4-FFF2-40B4-BE49-F238E27FC236}">
+                  <a16:creationId xmlns:a16="http://schemas.microsoft.com/office/drawing/2014/main" id="{A552EC0B-096A-A672-D023-1AC4AF107EB9}"/>
+                </a:ext>
+              </a:extLst>
+            </p:cNvPr>
+            <p:cNvSpPr/>
+            <p:nvPr/>
+          </p:nvSpPr>
+          <p:spPr>
+            <a:xfrm>
+              <a:off x="1221852" y="1655383"/>
+              <a:ext cx="4011071" cy="4011071"/>
+            </a:xfrm>
+            <a:prstGeom prst="roundRect">
+              <a:avLst/>
+            </a:prstGeom>
+            <a:noFill/>
+            <a:ln w="28575"/>
+          </p:spPr>
+          <p:style>
+            <a:lnRef idx="2">
+              <a:schemeClr val="accent1">
+                <a:shade val="15000"/>
+              </a:schemeClr>
+            </a:lnRef>
+            <a:fillRef idx="1">
+              <a:schemeClr val="accent1"/>
+            </a:fillRef>
+            <a:effectRef idx="0">
+              <a:schemeClr val="accent1"/>
+            </a:effectRef>
+            <a:fontRef idx="minor">
+              <a:schemeClr val="lt1"/>
+            </a:fontRef>
+          </p:style>
+          <p:txBody>
+            <a:bodyPr rtlCol="0" anchor="ctr"/>
+            <a:lstStyle/>
+            <a:p>
+              <a:pPr algn="ctr"/>
+              <a:endParaRPr lang="zh-TW" altLang="en-US"/>
+            </a:p>
+          </p:txBody>
+        </p:sp>
+        <p:sp>
+          <p:nvSpPr>
+            <p:cNvPr id="5" name="矩形: 圓角 4">
+              <a:extLst>
+                <a:ext uri="{FF2B5EF4-FFF2-40B4-BE49-F238E27FC236}">
+                  <a16:creationId xmlns:a16="http://schemas.microsoft.com/office/drawing/2014/main" id="{4A96EA0B-4D62-B719-C4FE-2832D3122FF2}"/>
+                </a:ext>
+              </a:extLst>
+            </p:cNvPr>
+            <p:cNvSpPr/>
+            <p:nvPr/>
+          </p:nvSpPr>
+          <p:spPr>
+            <a:xfrm>
+              <a:off x="1338641" y="1779488"/>
+              <a:ext cx="3808626" cy="3808626"/>
+            </a:xfrm>
+            <a:prstGeom prst="roundRect">
+              <a:avLst/>
+            </a:prstGeom>
+            <a:noFill/>
+          </p:spPr>
+          <p:style>
+            <a:lnRef idx="2">
+              <a:schemeClr val="accent1">
+                <a:shade val="15000"/>
+              </a:schemeClr>
+            </a:lnRef>
+            <a:fillRef idx="1">
+              <a:schemeClr val="accent1"/>
+            </a:fillRef>
+            <a:effectRef idx="0">
+              <a:schemeClr val="accent1"/>
+            </a:effectRef>
+            <a:fontRef idx="minor">
+              <a:schemeClr val="lt1"/>
+            </a:fontRef>
+          </p:style>
+          <p:txBody>
+            <a:bodyPr rtlCol="0" anchor="ctr"/>
+            <a:lstStyle/>
+            <a:p>
+              <a:pPr algn="ctr"/>
+              <a:endParaRPr lang="zh-TW" altLang="en-US"/>
+            </a:p>
+          </p:txBody>
+        </p:sp>
+      </p:grpSp>
+      <p:sp>
+        <p:nvSpPr>
+          <p:cNvPr id="11" name="文字方塊 10">
+            <a:extLst>
+              <a:ext uri="{FF2B5EF4-FFF2-40B4-BE49-F238E27FC236}">
+                <a16:creationId xmlns:a16="http://schemas.microsoft.com/office/drawing/2014/main" id="{C1E59FBE-6ED4-9C40-D678-D587C8794AA0}"/>
+              </a:ext>
+            </a:extLst>
+          </p:cNvPr>
+          <p:cNvSpPr txBox="1"/>
+          <p:nvPr/>
+        </p:nvSpPr>
+        <p:spPr>
+          <a:xfrm>
+            <a:off x="1603763" y="770237"/>
+            <a:ext cx="1416205" cy="584775"/>
+          </a:xfrm>
+          <a:prstGeom prst="rect">
+            <a:avLst/>
+          </a:prstGeom>
+          <a:noFill/>
+        </p:spPr>
+        <p:txBody>
+          <a:bodyPr wrap="square" rtlCol="0">
+            <a:spAutoFit/>
+          </a:bodyPr>
+          <a:lstStyle/>
+          <a:p>
+            <a:r>
+              <a:rPr lang="en-US" altLang="zh-TW" sz="3200" dirty="0">
+                <a:latin typeface="標楷體" panose="03000509000000000000" pitchFamily="65" charset="-120"/>
+                <a:ea typeface="標楷體" panose="03000509000000000000" pitchFamily="65" charset="-120"/>
+              </a:rPr>
+              <a:t>5.</a:t>
+            </a:r>
+            <a:r>
+              <a:rPr lang="zh-TW" altLang="en-US" sz="3200" dirty="0">
+                <a:latin typeface="標楷體" panose="03000509000000000000" pitchFamily="65" charset="-120"/>
+                <a:ea typeface="標楷體" panose="03000509000000000000" pitchFamily="65" charset="-120"/>
+              </a:rPr>
+              <a:t>意外</a:t>
+            </a:r>
+          </a:p>
+        </p:txBody>
+      </p:sp>
+    </p:spTree>
+    <p:extLst>
+      <p:ext uri="{BB962C8B-B14F-4D97-AF65-F5344CB8AC3E}">
+        <p14:creationId xmlns:p14="http://schemas.microsoft.com/office/powerpoint/2010/main" val="1453904449"/>
+      </p:ext>
+    </p:extLst>
+  </p:cSld>
+  <p:clrMapOvr>
+    <a:masterClrMapping/>
+  </p:clrMapOvr>
+</p:sld>
+</file>
+
+<file path=ppt/slides/slide7.xml><?xml version="1.0" encoding="utf-8"?>
+<p:sld xmlns:a="http://schemas.openxmlformats.org/drawingml/2006/main" xmlns:r="http://schemas.openxmlformats.org/officeDocument/2006/relationships" xmlns:p="http://schemas.openxmlformats.org/presentationml/2006/main">
+  <p:cSld>
+    <p:spTree>
+      <p:nvGrpSpPr>
+        <p:cNvPr id="1" name=""/>
+        <p:cNvGrpSpPr/>
+        <p:nvPr/>
+      </p:nvGrpSpPr>
+      <p:grpSpPr>
+        <a:xfrm>
+          <a:off x="0" y="0"/>
+          <a:ext cx="0" cy="0"/>
+          <a:chOff x="0" y="0"/>
+          <a:chExt cx="0" cy="0"/>
+        </a:xfrm>
+      </p:grpSpPr>
+      <p:sp>
+        <p:nvSpPr>
+          <p:cNvPr id="13" name="矩形 12">
+            <a:extLst>
+              <a:ext uri="{FF2B5EF4-FFF2-40B4-BE49-F238E27FC236}">
+                <a16:creationId xmlns:a16="http://schemas.microsoft.com/office/drawing/2014/main" id="{8FB8B9BA-177A-D481-49B6-099AFCFEB55B}"/>
+              </a:ext>
+            </a:extLst>
+          </p:cNvPr>
+          <p:cNvSpPr/>
+          <p:nvPr/>
+        </p:nvSpPr>
+        <p:spPr>
+          <a:xfrm>
+            <a:off x="0" y="0"/>
+            <a:ext cx="12192000" cy="6858000"/>
+          </a:xfrm>
+          <a:prstGeom prst="rect">
+            <a:avLst/>
+          </a:prstGeom>
+          <a:solidFill>
+            <a:srgbClr val="1A3046"/>
+          </a:solidFill>
+          <a:ln>
+            <a:noFill/>
+          </a:ln>
+        </p:spPr>
+        <p:style>
+          <a:lnRef idx="2">
+            <a:schemeClr val="accent1">
+              <a:shade val="15000"/>
+            </a:schemeClr>
+          </a:lnRef>
+          <a:fillRef idx="1">
+            <a:schemeClr val="accent1"/>
+          </a:fillRef>
+          <a:effectRef idx="0">
+            <a:schemeClr val="accent1"/>
+          </a:effectRef>
+          <a:fontRef idx="minor">
+            <a:schemeClr val="lt1"/>
+          </a:fontRef>
+        </p:style>
+        <p:txBody>
+          <a:bodyPr rtlCol="0" anchor="ctr"/>
+          <a:lstStyle/>
+          <a:p>
+            <a:pPr algn="ctr"/>
+            <a:endParaRPr lang="zh-TW" altLang="en-US"/>
+          </a:p>
+        </p:txBody>
+      </p:sp>
+      <p:sp>
+        <p:nvSpPr>
+          <p:cNvPr id="7" name="矩形 6">
+            <a:extLst>
+              <a:ext uri="{FF2B5EF4-FFF2-40B4-BE49-F238E27FC236}">
+                <a16:creationId xmlns:a16="http://schemas.microsoft.com/office/drawing/2014/main" id="{4CAB626A-1E3D-23C5-A427-C6324FF05AA8}"/>
+              </a:ext>
+            </a:extLst>
+          </p:cNvPr>
+          <p:cNvSpPr/>
+          <p:nvPr/>
+        </p:nvSpPr>
+        <p:spPr>
+          <a:xfrm>
+            <a:off x="500317" y="281428"/>
+            <a:ext cx="11191365" cy="6295143"/>
+          </a:xfrm>
+          <a:prstGeom prst="rect">
+            <a:avLst/>
+          </a:prstGeom>
+          <a:solidFill>
+            <a:srgbClr val="DEDFEA"/>
+          </a:solidFill>
+        </p:spPr>
+        <p:style>
+          <a:lnRef idx="2">
+            <a:schemeClr val="accent1">
+              <a:shade val="15000"/>
+            </a:schemeClr>
+          </a:lnRef>
+          <a:fillRef idx="1">
+            <a:schemeClr val="accent1"/>
+          </a:fillRef>
+          <a:effectRef idx="0">
+            <a:schemeClr val="accent1"/>
+          </a:effectRef>
+          <a:fontRef idx="minor">
+            <a:schemeClr val="lt1"/>
+          </a:fontRef>
+        </p:style>
+        <p:txBody>
+          <a:bodyPr rtlCol="0" anchor="ctr"/>
+          <a:lstStyle/>
+          <a:p>
+            <a:pPr algn="ctr"/>
+            <a:endParaRPr lang="zh-TW" altLang="en-US" dirty="0"/>
+          </a:p>
+        </p:txBody>
+      </p:sp>
+      <p:pic>
+        <p:nvPicPr>
+          <p:cNvPr id="3" name="圖片 2">
+            <a:extLst>
+              <a:ext uri="{FF2B5EF4-FFF2-40B4-BE49-F238E27FC236}">
+                <a16:creationId xmlns:a16="http://schemas.microsoft.com/office/drawing/2014/main" id="{AB4D1969-805B-FDF2-CBC6-9303BFD36CA7}"/>
+              </a:ext>
+            </a:extLst>
+          </p:cNvPr>
+          <p:cNvPicPr>
+            <a:picLocks noChangeAspect="1"/>
+          </p:cNvPicPr>
+          <p:nvPr/>
+        </p:nvPicPr>
+        <p:blipFill>
+          <a:blip r:embed="rId3"/>
+          <a:stretch>
+            <a:fillRect/>
+          </a:stretch>
+        </p:blipFill>
+        <p:spPr>
+          <a:xfrm>
+            <a:off x="1313832" y="1699982"/>
+            <a:ext cx="4011071" cy="4011071"/>
+          </a:xfrm>
+          <a:prstGeom prst="roundRect">
+            <a:avLst>
+              <a:gd name="adj" fmla="val 16667"/>
+            </a:avLst>
+          </a:prstGeom>
+          <a:ln>
+            <a:noFill/>
+          </a:ln>
+          <a:effectLst/>
+          <a:scene3d>
+            <a:camera prst="orthographicFront"/>
+            <a:lightRig rig="contrasting" dir="t">
+              <a:rot lat="0" lon="0" rev="4200000"/>
+            </a:lightRig>
+          </a:scene3d>
+          <a:sp3d prstMaterial="plastic">
+            <a:bevelT w="381000" h="114300" prst="relaxedInset"/>
+            <a:contourClr>
+              <a:srgbClr val="969696"/>
+            </a:contourClr>
+          </a:sp3d>
+        </p:spPr>
+      </p:pic>
+      <p:sp>
+        <p:nvSpPr>
+          <p:cNvPr id="6" name="矩形: 圓角 5">
+            <a:extLst>
+              <a:ext uri="{FF2B5EF4-FFF2-40B4-BE49-F238E27FC236}">
+                <a16:creationId xmlns:a16="http://schemas.microsoft.com/office/drawing/2014/main" id="{A552EC0B-096A-A672-D023-1AC4AF107EB9}"/>
+              </a:ext>
+            </a:extLst>
+          </p:cNvPr>
+          <p:cNvSpPr/>
+          <p:nvPr/>
+        </p:nvSpPr>
+        <p:spPr>
+          <a:xfrm>
+            <a:off x="1313832" y="1699983"/>
+            <a:ext cx="4011071" cy="4011071"/>
+          </a:xfrm>
+          <a:prstGeom prst="roundRect">
+            <a:avLst/>
+          </a:prstGeom>
+          <a:noFill/>
+          <a:ln w="28575"/>
+        </p:spPr>
+        <p:style>
+          <a:lnRef idx="2">
+            <a:schemeClr val="accent1">
+              <a:shade val="15000"/>
+            </a:schemeClr>
+          </a:lnRef>
+          <a:fillRef idx="1">
+            <a:schemeClr val="accent1"/>
+          </a:fillRef>
+          <a:effectRef idx="0">
+            <a:schemeClr val="accent1"/>
+          </a:effectRef>
+          <a:fontRef idx="minor">
+            <a:schemeClr val="lt1"/>
+          </a:fontRef>
+        </p:style>
+        <p:txBody>
+          <a:bodyPr rtlCol="0" anchor="ctr"/>
+          <a:lstStyle/>
+          <a:p>
+            <a:pPr algn="ctr"/>
+            <a:endParaRPr lang="zh-TW" altLang="en-US"/>
+          </a:p>
+        </p:txBody>
+      </p:sp>
+      <p:sp>
+        <p:nvSpPr>
+          <p:cNvPr id="5" name="矩形: 圓角 4">
+            <a:extLst>
+              <a:ext uri="{FF2B5EF4-FFF2-40B4-BE49-F238E27FC236}">
+                <a16:creationId xmlns:a16="http://schemas.microsoft.com/office/drawing/2014/main" id="{4A96EA0B-4D62-B719-C4FE-2832D3122FF2}"/>
+              </a:ext>
+            </a:extLst>
+          </p:cNvPr>
+          <p:cNvSpPr/>
+          <p:nvPr/>
+        </p:nvSpPr>
+        <p:spPr>
+          <a:xfrm>
+            <a:off x="1430621" y="1824088"/>
+            <a:ext cx="3808626" cy="3808626"/>
+          </a:xfrm>
+          <a:prstGeom prst="roundRect">
+            <a:avLst/>
+          </a:prstGeom>
+          <a:noFill/>
+        </p:spPr>
+        <p:style>
+          <a:lnRef idx="2">
+            <a:schemeClr val="accent1">
+              <a:shade val="15000"/>
+            </a:schemeClr>
+          </a:lnRef>
+          <a:fillRef idx="1">
+            <a:schemeClr val="accent1"/>
+          </a:fillRef>
+          <a:effectRef idx="0">
+            <a:schemeClr val="accent1"/>
+          </a:effectRef>
+          <a:fontRef idx="minor">
+            <a:schemeClr val="lt1"/>
+          </a:fontRef>
+        </p:style>
+        <p:txBody>
+          <a:bodyPr rtlCol="0" anchor="ctr"/>
+          <a:lstStyle/>
+          <a:p>
+            <a:pPr algn="ctr"/>
+            <a:endParaRPr lang="zh-TW" altLang="en-US"/>
+          </a:p>
+        </p:txBody>
+      </p:sp>
+      <p:sp>
+        <p:nvSpPr>
+          <p:cNvPr id="11" name="文字方塊 10">
+            <a:extLst>
+              <a:ext uri="{FF2B5EF4-FFF2-40B4-BE49-F238E27FC236}">
+                <a16:creationId xmlns:a16="http://schemas.microsoft.com/office/drawing/2014/main" id="{C1E59FBE-6ED4-9C40-D678-D587C8794AA0}"/>
+              </a:ext>
+            </a:extLst>
+          </p:cNvPr>
+          <p:cNvSpPr txBox="1"/>
+          <p:nvPr/>
+        </p:nvSpPr>
+        <p:spPr>
+          <a:xfrm>
+            <a:off x="1603763" y="770237"/>
+            <a:ext cx="1416205" cy="584775"/>
+          </a:xfrm>
+          <a:prstGeom prst="rect">
+            <a:avLst/>
+          </a:prstGeom>
+          <a:noFill/>
+        </p:spPr>
+        <p:txBody>
+          <a:bodyPr wrap="square" rtlCol="0">
+            <a:spAutoFit/>
+          </a:bodyPr>
+          <a:lstStyle/>
+          <a:p>
+            <a:r>
+              <a:rPr lang="en-US" altLang="zh-TW" sz="3200" dirty="0">
+                <a:latin typeface="標楷體" panose="03000509000000000000" pitchFamily="65" charset="-120"/>
+                <a:ea typeface="標楷體" panose="03000509000000000000" pitchFamily="65" charset="-120"/>
+              </a:rPr>
+              <a:t>6.</a:t>
+            </a:r>
+            <a:r>
+              <a:rPr lang="zh-TW" altLang="en-US" sz="3200" dirty="0">
+                <a:latin typeface="標楷體" panose="03000509000000000000" pitchFamily="65" charset="-120"/>
+                <a:ea typeface="標楷體" panose="03000509000000000000" pitchFamily="65" charset="-120"/>
+              </a:rPr>
+              <a:t>轉彎</a:t>
+            </a:r>
+          </a:p>
+        </p:txBody>
+      </p:sp>
+    </p:spTree>
+    <p:extLst>
+      <p:ext uri="{BB962C8B-B14F-4D97-AF65-F5344CB8AC3E}">
+        <p14:creationId xmlns:p14="http://schemas.microsoft.com/office/powerpoint/2010/main" val="1901402289"/>
+      </p:ext>
+    </p:extLst>
+  </p:cSld>
+  <p:clrMapOvr>
+    <a:masterClrMapping/>
+  </p:clrMapOvr>
+</p:sld>
+</file>
+
+<file path=ppt/slides/slide8.xml><?xml version="1.0" encoding="utf-8"?>
+<p:sld xmlns:a="http://schemas.openxmlformats.org/drawingml/2006/main" xmlns:r="http://schemas.openxmlformats.org/officeDocument/2006/relationships" xmlns:p="http://schemas.openxmlformats.org/presentationml/2006/main">
+  <p:cSld>
+    <p:spTree>
+      <p:nvGrpSpPr>
+        <p:cNvPr id="1" name=""/>
+        <p:cNvGrpSpPr/>
+        <p:nvPr/>
+      </p:nvGrpSpPr>
+      <p:grpSpPr>
+        <a:xfrm>
+          <a:off x="0" y="0"/>
+          <a:ext cx="0" cy="0"/>
+          <a:chOff x="0" y="0"/>
+          <a:chExt cx="0" cy="0"/>
+        </a:xfrm>
+      </p:grpSpPr>
+      <p:sp>
+        <p:nvSpPr>
+          <p:cNvPr id="13" name="矩形 12">
+            <a:extLst>
+              <a:ext uri="{FF2B5EF4-FFF2-40B4-BE49-F238E27FC236}">
+                <a16:creationId xmlns:a16="http://schemas.microsoft.com/office/drawing/2014/main" id="{8FB8B9BA-177A-D481-49B6-099AFCFEB55B}"/>
+              </a:ext>
+            </a:extLst>
+          </p:cNvPr>
+          <p:cNvSpPr/>
+          <p:nvPr/>
+        </p:nvSpPr>
+        <p:spPr>
+          <a:xfrm>
+            <a:off x="0" y="0"/>
+            <a:ext cx="12192000" cy="6858000"/>
+          </a:xfrm>
+          <a:prstGeom prst="rect">
+            <a:avLst/>
+          </a:prstGeom>
+          <a:solidFill>
+            <a:srgbClr val="1A3046"/>
+          </a:solidFill>
+          <a:ln>
+            <a:noFill/>
+          </a:ln>
+        </p:spPr>
+        <p:style>
+          <a:lnRef idx="2">
+            <a:schemeClr val="accent1">
+              <a:shade val="15000"/>
+            </a:schemeClr>
+          </a:lnRef>
+          <a:fillRef idx="1">
+            <a:schemeClr val="accent1"/>
+          </a:fillRef>
+          <a:effectRef idx="0">
+            <a:schemeClr val="accent1"/>
+          </a:effectRef>
+          <a:fontRef idx="minor">
+            <a:schemeClr val="lt1"/>
+          </a:fontRef>
+        </p:style>
+        <p:txBody>
+          <a:bodyPr rtlCol="0" anchor="ctr"/>
+          <a:lstStyle/>
+          <a:p>
+            <a:pPr algn="ctr"/>
+            <a:endParaRPr lang="zh-TW" altLang="en-US"/>
+          </a:p>
+        </p:txBody>
+      </p:sp>
+      <p:sp>
+        <p:nvSpPr>
+          <p:cNvPr id="7" name="矩形 6">
+            <a:extLst>
+              <a:ext uri="{FF2B5EF4-FFF2-40B4-BE49-F238E27FC236}">
+                <a16:creationId xmlns:a16="http://schemas.microsoft.com/office/drawing/2014/main" id="{619AE5D7-4CE5-279F-9667-1E1760D32189}"/>
+              </a:ext>
+            </a:extLst>
+          </p:cNvPr>
+          <p:cNvSpPr/>
+          <p:nvPr/>
+        </p:nvSpPr>
+        <p:spPr>
+          <a:xfrm>
+            <a:off x="500317" y="281428"/>
+            <a:ext cx="11191365" cy="6295143"/>
+          </a:xfrm>
+          <a:prstGeom prst="rect">
+            <a:avLst/>
+          </a:prstGeom>
+          <a:solidFill>
+            <a:srgbClr val="DEDFEA"/>
+          </a:solidFill>
+        </p:spPr>
+        <p:style>
+          <a:lnRef idx="2">
+            <a:schemeClr val="accent1">
+              <a:shade val="15000"/>
+            </a:schemeClr>
+          </a:lnRef>
+          <a:fillRef idx="1">
+            <a:schemeClr val="accent1"/>
+          </a:fillRef>
+          <a:effectRef idx="0">
+            <a:schemeClr val="accent1"/>
+          </a:effectRef>
+          <a:fontRef idx="minor">
+            <a:schemeClr val="lt1"/>
+          </a:fontRef>
+        </p:style>
+        <p:txBody>
+          <a:bodyPr rtlCol="0" anchor="ctr"/>
+          <a:lstStyle/>
+          <a:p>
+            <a:pPr algn="ctr"/>
+            <a:endParaRPr lang="zh-TW" altLang="en-US" dirty="0"/>
+          </a:p>
+        </p:txBody>
+      </p:sp>
+      <p:grpSp>
+        <p:nvGrpSpPr>
+          <p:cNvPr id="16" name="群組 15">
+            <a:extLst>
+              <a:ext uri="{FF2B5EF4-FFF2-40B4-BE49-F238E27FC236}">
+                <a16:creationId xmlns:a16="http://schemas.microsoft.com/office/drawing/2014/main" id="{1F5C38B2-84CF-641C-9C4A-F3D3C7623AB6}"/>
+              </a:ext>
+            </a:extLst>
+          </p:cNvPr>
+          <p:cNvGrpSpPr/>
+          <p:nvPr/>
+        </p:nvGrpSpPr>
+        <p:grpSpPr>
+          <a:xfrm>
+            <a:off x="3387732" y="3567131"/>
+            <a:ext cx="2641368" cy="2643956"/>
+            <a:chOff x="3454632" y="3567131"/>
+            <a:chExt cx="2641368" cy="2643956"/>
+          </a:xfrm>
+        </p:grpSpPr>
+        <p:pic>
+          <p:nvPicPr>
+            <p:cNvPr id="15" name="圖片 14">
+              <a:extLst>
+                <a:ext uri="{FF2B5EF4-FFF2-40B4-BE49-F238E27FC236}">
+                  <a16:creationId xmlns:a16="http://schemas.microsoft.com/office/drawing/2014/main" id="{E2A4257E-1C98-F943-523A-CE1E489A412E}"/>
+                </a:ext>
+              </a:extLst>
+            </p:cNvPr>
+            <p:cNvPicPr>
+              <a:picLocks noChangeAspect="1"/>
+            </p:cNvPicPr>
+            <p:nvPr/>
+          </p:nvPicPr>
+          <p:blipFill>
+            <a:blip r:embed="rId3"/>
+            <a:stretch>
+              <a:fillRect/>
+            </a:stretch>
+          </p:blipFill>
+          <p:spPr>
+            <a:xfrm>
+              <a:off x="3454632" y="3569720"/>
+              <a:ext cx="2641367" cy="2641367"/>
+            </a:xfrm>
+            <a:prstGeom prst="roundRect">
+              <a:avLst>
+                <a:gd name="adj" fmla="val 16667"/>
+              </a:avLst>
+            </a:prstGeom>
+            <a:ln>
+              <a:noFill/>
+            </a:ln>
+            <a:effectLst/>
+            <a:scene3d>
+              <a:camera prst="orthographicFront"/>
+              <a:lightRig rig="contrasting" dir="t">
+                <a:rot lat="0" lon="0" rev="4200000"/>
+              </a:lightRig>
+            </a:scene3d>
+            <a:sp3d prstMaterial="plastic">
+              <a:bevelT w="381000" h="114300" prst="relaxedInset"/>
+              <a:contourClr>
+                <a:srgbClr val="969696"/>
+              </a:contourClr>
+            </a:sp3d>
+          </p:spPr>
+        </p:pic>
+        <p:sp>
+          <p:nvSpPr>
+            <p:cNvPr id="8" name="矩形: 圓角 7">
+              <a:extLst>
+                <a:ext uri="{FF2B5EF4-FFF2-40B4-BE49-F238E27FC236}">
+                  <a16:creationId xmlns:a16="http://schemas.microsoft.com/office/drawing/2014/main" id="{7104B3E5-26B5-79B2-928B-B6299DF4DE1D}"/>
+                </a:ext>
+              </a:extLst>
+            </p:cNvPr>
+            <p:cNvSpPr/>
+            <p:nvPr/>
+          </p:nvSpPr>
+          <p:spPr>
+            <a:xfrm>
+              <a:off x="3454633" y="3567131"/>
+              <a:ext cx="2641367" cy="2641367"/>
+            </a:xfrm>
+            <a:prstGeom prst="roundRect">
+              <a:avLst/>
+            </a:prstGeom>
+            <a:noFill/>
+            <a:ln w="28575"/>
+          </p:spPr>
+          <p:style>
+            <a:lnRef idx="2">
+              <a:schemeClr val="accent1">
+                <a:shade val="15000"/>
+              </a:schemeClr>
+            </a:lnRef>
+            <a:fillRef idx="1">
+              <a:schemeClr val="accent1"/>
+            </a:fillRef>
+            <a:effectRef idx="0">
+              <a:schemeClr val="accent1"/>
+            </a:effectRef>
+            <a:fontRef idx="minor">
+              <a:schemeClr val="lt1"/>
+            </a:fontRef>
+          </p:style>
+          <p:txBody>
+            <a:bodyPr rtlCol="0" anchor="ctr"/>
+            <a:lstStyle/>
+            <a:p>
+              <a:pPr algn="ctr"/>
+              <a:endParaRPr lang="zh-TW" altLang="en-US"/>
+            </a:p>
+          </p:txBody>
+        </p:sp>
+        <p:sp>
+          <p:nvSpPr>
+            <p:cNvPr id="9" name="矩形: 圓角 8">
+              <a:extLst>
+                <a:ext uri="{FF2B5EF4-FFF2-40B4-BE49-F238E27FC236}">
+                  <a16:creationId xmlns:a16="http://schemas.microsoft.com/office/drawing/2014/main" id="{21020C99-D593-8325-FB94-F8F862FCA232}"/>
+                </a:ext>
+              </a:extLst>
+            </p:cNvPr>
+            <p:cNvSpPr/>
+            <p:nvPr/>
+          </p:nvSpPr>
+          <p:spPr>
+            <a:xfrm>
+              <a:off x="3531541" y="3648857"/>
+              <a:ext cx="2508053" cy="2508053"/>
+            </a:xfrm>
+            <a:prstGeom prst="roundRect">
+              <a:avLst/>
+            </a:prstGeom>
+            <a:noFill/>
+          </p:spPr>
+          <p:style>
+            <a:lnRef idx="2">
+              <a:schemeClr val="accent1">
+                <a:shade val="15000"/>
+              </a:schemeClr>
+            </a:lnRef>
+            <a:fillRef idx="1">
+              <a:schemeClr val="accent1"/>
+            </a:fillRef>
+            <a:effectRef idx="0">
+              <a:schemeClr val="accent1"/>
+            </a:effectRef>
+            <a:fontRef idx="minor">
+              <a:schemeClr val="lt1"/>
+            </a:fontRef>
+          </p:style>
+          <p:txBody>
+            <a:bodyPr rtlCol="0" anchor="ctr"/>
+            <a:lstStyle/>
+            <a:p>
+              <a:pPr algn="ctr"/>
+              <a:endParaRPr lang="zh-TW" altLang="en-US"/>
+            </a:p>
+          </p:txBody>
+        </p:sp>
+      </p:grpSp>
+      <p:grpSp>
+        <p:nvGrpSpPr>
+          <p:cNvPr id="14" name="群組 13">
+            <a:extLst>
+              <a:ext uri="{FF2B5EF4-FFF2-40B4-BE49-F238E27FC236}">
+                <a16:creationId xmlns:a16="http://schemas.microsoft.com/office/drawing/2014/main" id="{B09507E4-428F-3CCF-1C99-89CF36249478}"/>
+              </a:ext>
+            </a:extLst>
+          </p:cNvPr>
+          <p:cNvGrpSpPr/>
+          <p:nvPr/>
+        </p:nvGrpSpPr>
+        <p:grpSpPr>
+          <a:xfrm>
+            <a:off x="1186172" y="1655384"/>
+            <a:ext cx="2641368" cy="2641368"/>
+            <a:chOff x="1221852" y="1655384"/>
+            <a:chExt cx="2641368" cy="2641368"/>
+          </a:xfrm>
+        </p:grpSpPr>
+        <p:pic>
+          <p:nvPicPr>
+            <p:cNvPr id="12" name="圖片 11">
+              <a:extLst>
+                <a:ext uri="{FF2B5EF4-FFF2-40B4-BE49-F238E27FC236}">
+                  <a16:creationId xmlns:a16="http://schemas.microsoft.com/office/drawing/2014/main" id="{C0FE229B-A26D-129C-CB38-B525F772E6E2}"/>
+                </a:ext>
+              </a:extLst>
+            </p:cNvPr>
+            <p:cNvPicPr>
+              <a:picLocks noChangeAspect="1"/>
+            </p:cNvPicPr>
+            <p:nvPr/>
+          </p:nvPicPr>
+          <p:blipFill>
+            <a:blip r:embed="rId4"/>
+            <a:stretch>
+              <a:fillRect/>
+            </a:stretch>
+          </p:blipFill>
+          <p:spPr>
+            <a:xfrm>
+              <a:off x="1221852" y="1655384"/>
+              <a:ext cx="2641368" cy="2641368"/>
+            </a:xfrm>
+            <a:prstGeom prst="roundRect">
+              <a:avLst>
+                <a:gd name="adj" fmla="val 16667"/>
+              </a:avLst>
+            </a:prstGeom>
+            <a:ln>
+              <a:noFill/>
+            </a:ln>
+            <a:effectLst/>
+            <a:scene3d>
+              <a:camera prst="orthographicFront"/>
+              <a:lightRig rig="contrasting" dir="t">
+                <a:rot lat="0" lon="0" rev="4200000"/>
+              </a:lightRig>
+            </a:scene3d>
+            <a:sp3d prstMaterial="plastic">
+              <a:bevelT w="381000" h="114300" prst="relaxedInset"/>
+              <a:contourClr>
+                <a:srgbClr val="969696"/>
+              </a:contourClr>
+            </a:sp3d>
+          </p:spPr>
+        </p:pic>
+        <p:sp>
+          <p:nvSpPr>
+            <p:cNvPr id="6" name="矩形: 圓角 5">
+              <a:extLst>
+                <a:ext uri="{FF2B5EF4-FFF2-40B4-BE49-F238E27FC236}">
+                  <a16:creationId xmlns:a16="http://schemas.microsoft.com/office/drawing/2014/main" id="{A552EC0B-096A-A672-D023-1AC4AF107EB9}"/>
+                </a:ext>
+              </a:extLst>
+            </p:cNvPr>
+            <p:cNvSpPr/>
+            <p:nvPr/>
+          </p:nvSpPr>
+          <p:spPr>
+            <a:xfrm>
+              <a:off x="1221853" y="1655384"/>
+              <a:ext cx="2641367" cy="2641367"/>
+            </a:xfrm>
+            <a:prstGeom prst="roundRect">
+              <a:avLst/>
+            </a:prstGeom>
+            <a:noFill/>
+            <a:ln w="28575"/>
+          </p:spPr>
+          <p:style>
+            <a:lnRef idx="2">
+              <a:schemeClr val="accent1">
+                <a:shade val="15000"/>
+              </a:schemeClr>
+            </a:lnRef>
+            <a:fillRef idx="1">
+              <a:schemeClr val="accent1"/>
+            </a:fillRef>
+            <a:effectRef idx="0">
+              <a:schemeClr val="accent1"/>
+            </a:effectRef>
+            <a:fontRef idx="minor">
+              <a:schemeClr val="lt1"/>
+            </a:fontRef>
+          </p:style>
+          <p:txBody>
+            <a:bodyPr rtlCol="0" anchor="ctr"/>
+            <a:lstStyle/>
+            <a:p>
+              <a:pPr algn="ctr"/>
+              <a:endParaRPr lang="zh-TW" altLang="en-US"/>
+            </a:p>
+          </p:txBody>
+        </p:sp>
+        <p:sp>
+          <p:nvSpPr>
+            <p:cNvPr id="5" name="矩形: 圓角 4">
+              <a:extLst>
+                <a:ext uri="{FF2B5EF4-FFF2-40B4-BE49-F238E27FC236}">
+                  <a16:creationId xmlns:a16="http://schemas.microsoft.com/office/drawing/2014/main" id="{4A96EA0B-4D62-B719-C4FE-2832D3122FF2}"/>
+                </a:ext>
+              </a:extLst>
+            </p:cNvPr>
+            <p:cNvSpPr/>
+            <p:nvPr/>
+          </p:nvSpPr>
+          <p:spPr>
+            <a:xfrm>
+              <a:off x="1298761" y="1737110"/>
+              <a:ext cx="2508053" cy="2508053"/>
+            </a:xfrm>
+            <a:prstGeom prst="roundRect">
+              <a:avLst/>
+            </a:prstGeom>
+            <a:noFill/>
+          </p:spPr>
+          <p:style>
+            <a:lnRef idx="2">
+              <a:schemeClr val="accent1">
+                <a:shade val="15000"/>
+              </a:schemeClr>
+            </a:lnRef>
+            <a:fillRef idx="1">
+              <a:schemeClr val="accent1"/>
+            </a:fillRef>
+            <a:effectRef idx="0">
+              <a:schemeClr val="accent1"/>
+            </a:effectRef>
+            <a:fontRef idx="minor">
+              <a:schemeClr val="lt1"/>
+            </a:fontRef>
+          </p:style>
+          <p:txBody>
+            <a:bodyPr rtlCol="0" anchor="ctr"/>
+            <a:lstStyle/>
+            <a:p>
+              <a:pPr algn="ctr"/>
+              <a:endParaRPr lang="zh-TW" altLang="en-US"/>
+            </a:p>
+          </p:txBody>
+        </p:sp>
+      </p:grpSp>
+      <p:sp>
+        <p:nvSpPr>
+          <p:cNvPr id="11" name="文字方塊 10">
+            <a:extLst>
+              <a:ext uri="{FF2B5EF4-FFF2-40B4-BE49-F238E27FC236}">
+                <a16:creationId xmlns:a16="http://schemas.microsoft.com/office/drawing/2014/main" id="{C1E59FBE-6ED4-9C40-D678-D587C8794AA0}"/>
+              </a:ext>
+            </a:extLst>
+          </p:cNvPr>
+          <p:cNvSpPr txBox="1"/>
+          <p:nvPr/>
+        </p:nvSpPr>
+        <p:spPr>
+          <a:xfrm>
+            <a:off x="1603763" y="770237"/>
+            <a:ext cx="1416205" cy="584775"/>
+          </a:xfrm>
+          <a:prstGeom prst="rect">
+            <a:avLst/>
+          </a:prstGeom>
+          <a:noFill/>
+        </p:spPr>
+        <p:txBody>
+          <a:bodyPr wrap="square" rtlCol="0">
+            <a:spAutoFit/>
+          </a:bodyPr>
+          <a:lstStyle/>
+          <a:p>
+            <a:r>
+              <a:rPr lang="en-US" altLang="zh-TW" sz="3200" dirty="0">
+                <a:latin typeface="標楷體" panose="03000509000000000000" pitchFamily="65" charset="-120"/>
+                <a:ea typeface="標楷體" panose="03000509000000000000" pitchFamily="65" charset="-120"/>
+              </a:rPr>
+              <a:t>7.</a:t>
+            </a:r>
+            <a:r>
+              <a:rPr lang="zh-TW" altLang="en-US" sz="3200" dirty="0">
+                <a:latin typeface="標楷體" panose="03000509000000000000" pitchFamily="65" charset="-120"/>
+                <a:ea typeface="標楷體" panose="03000509000000000000" pitchFamily="65" charset="-120"/>
+              </a:rPr>
+              <a:t>結局</a:t>
+            </a:r>
+          </a:p>
+        </p:txBody>
+      </p:sp>
+    </p:spTree>
+    <p:extLst>
+      <p:ext uri="{BB962C8B-B14F-4D97-AF65-F5344CB8AC3E}">
+        <p14:creationId xmlns:p14="http://schemas.microsoft.com/office/powerpoint/2010/main" val="869384968"/>
       </p:ext>
     </p:extLst>
   </p:cSld>
@@ -3677,4 +7681,299 @@
     </a:ext>
   </a:extLst>
 </a:theme>
+</file>
+
+<file path=ppt/theme/theme2.xml><?xml version="1.0" encoding="utf-8"?>
+<a:theme xmlns:a="http://schemas.openxmlformats.org/drawingml/2006/main" name="Office 佈景主題">
+  <a:themeElements>
+    <a:clrScheme name="Office">
+      <a:dk1>
+        <a:sysClr val="windowText" lastClr="000000"/>
+      </a:dk1>
+      <a:lt1>
+        <a:sysClr val="window" lastClr="FFFFFF"/>
+      </a:lt1>
+      <a:dk2>
+        <a:srgbClr val="44546A"/>
+      </a:dk2>
+      <a:lt2>
+        <a:srgbClr val="E7E6E6"/>
+      </a:lt2>
+      <a:accent1>
+        <a:srgbClr val="4472C4"/>
+      </a:accent1>
+      <a:accent2>
+        <a:srgbClr val="ED7D31"/>
+      </a:accent2>
+      <a:accent3>
+        <a:srgbClr val="A5A5A5"/>
+      </a:accent3>
+      <a:accent4>
+        <a:srgbClr val="FFC000"/>
+      </a:accent4>
+      <a:accent5>
+        <a:srgbClr val="5B9BD5"/>
+      </a:accent5>
+      <a:accent6>
+        <a:srgbClr val="70AD47"/>
+      </a:accent6>
+      <a:hlink>
+        <a:srgbClr val="0563C1"/>
+      </a:hlink>
+      <a:folHlink>
+        <a:srgbClr val="954F72"/>
+      </a:folHlink>
+    </a:clrScheme>
+    <a:fontScheme name="Office">
+      <a:majorFont>
+        <a:latin typeface="Calibri Light" panose="020F0302020204030204"/>
+        <a:ea typeface=""/>
+        <a:cs typeface=""/>
+        <a:font script="Jpan" typeface="游ゴシック Light"/>
+        <a:font script="Hang" typeface="맑은 고딕"/>
+        <a:font script="Hans" typeface="等线 Light"/>
+        <a:font script="Hant" typeface="新細明體"/>
+        <a:font script="Arab" typeface="Times New Roman"/>
+        <a:font script="Hebr" typeface="Times New Roman"/>
+        <a:font script="Thai" typeface="Angsana New"/>
+        <a:font script="Ethi" typeface="Nyala"/>
+        <a:font script="Beng" typeface="Vrinda"/>
+        <a:font script="Gujr" typeface="Shruti"/>
+        <a:font script="Khmr" typeface="MoolBoran"/>
+        <a:font script="Knda" typeface="Tunga"/>
+        <a:font script="Guru" typeface="Raavi"/>
+        <a:font script="Cans" typeface="Euphemia"/>
+        <a:font script="Cher" typeface="Plantagenet Cherokee"/>
+        <a:font script="Yiii" typeface="Microsoft Yi Baiti"/>
+        <a:font script="Tibt" typeface="Microsoft Himalaya"/>
+        <a:font script="Thaa" typeface="MV Boli"/>
+        <a:font script="Deva" typeface="Mangal"/>
+        <a:font script="Telu" typeface="Gautami"/>
+        <a:font script="Taml" typeface="Latha"/>
+        <a:font script="Syrc" typeface="Estrangelo Edessa"/>
+        <a:font script="Orya" typeface="Kalinga"/>
+        <a:font script="Mlym" typeface="Kartika"/>
+        <a:font script="Laoo" typeface="DokChampa"/>
+        <a:font script="Sinh" typeface="Iskoola Pota"/>
+        <a:font script="Mong" typeface="Mongolian Baiti"/>
+        <a:font script="Viet" typeface="Times New Roman"/>
+        <a:font script="Uigh" typeface="Microsoft Uighur"/>
+        <a:font script="Geor" typeface="Sylfaen"/>
+        <a:font script="Armn" typeface="Arial"/>
+        <a:font script="Bugi" typeface="Leelawadee UI"/>
+        <a:font script="Bopo" typeface="Microsoft JhengHei"/>
+        <a:font script="Java" typeface="Javanese Text"/>
+        <a:font script="Lisu" typeface="Segoe UI"/>
+        <a:font script="Mymr" typeface="Myanmar Text"/>
+        <a:font script="Nkoo" typeface="Ebrima"/>
+        <a:font script="Olck" typeface="Nirmala UI"/>
+        <a:font script="Osma" typeface="Ebrima"/>
+        <a:font script="Phag" typeface="Phagspa"/>
+        <a:font script="Syrn" typeface="Estrangelo Edessa"/>
+        <a:font script="Syrj" typeface="Estrangelo Edessa"/>
+        <a:font script="Syre" typeface="Estrangelo Edessa"/>
+        <a:font script="Sora" typeface="Nirmala UI"/>
+        <a:font script="Tale" typeface="Microsoft Tai Le"/>
+        <a:font script="Talu" typeface="Microsoft New Tai Lue"/>
+        <a:font script="Tfng" typeface="Ebrima"/>
+      </a:majorFont>
+      <a:minorFont>
+        <a:latin typeface="Calibri" panose="020F0502020204030204"/>
+        <a:ea typeface=""/>
+        <a:cs typeface=""/>
+        <a:font script="Jpan" typeface="游ゴシック"/>
+        <a:font script="Hang" typeface="맑은 고딕"/>
+        <a:font script="Hans" typeface="等线"/>
+        <a:font script="Hant" typeface="新細明體"/>
+        <a:font script="Arab" typeface="Arial"/>
+        <a:font script="Hebr" typeface="Arial"/>
+        <a:font script="Thai" typeface="Cordia New"/>
+        <a:font script="Ethi" typeface="Nyala"/>
+        <a:font script="Beng" typeface="Vrinda"/>
+        <a:font script="Gujr" typeface="Shruti"/>
+        <a:font script="Khmr" typeface="DaunPenh"/>
+        <a:font script="Knda" typeface="Tunga"/>
+        <a:font script="Guru" typeface="Raavi"/>
+        <a:font script="Cans" typeface="Euphemia"/>
+        <a:font script="Cher" typeface="Plantagenet Cherokee"/>
+        <a:font script="Yiii" typeface="Microsoft Yi Baiti"/>
+        <a:font script="Tibt" typeface="Microsoft Himalaya"/>
+        <a:font script="Thaa" typeface="MV Boli"/>
+        <a:font script="Deva" typeface="Mangal"/>
+        <a:font script="Telu" typeface="Gautami"/>
+        <a:font script="Taml" typeface="Latha"/>
+        <a:font script="Syrc" typeface="Estrangelo Edessa"/>
+        <a:font script="Orya" typeface="Kalinga"/>
+        <a:font script="Mlym" typeface="Kartika"/>
+        <a:font script="Laoo" typeface="DokChampa"/>
+        <a:font script="Sinh" typeface="Iskoola Pota"/>
+        <a:font script="Mong" typeface="Mongolian Baiti"/>
+        <a:font script="Viet" typeface="Arial"/>
+        <a:font script="Uigh" typeface="Microsoft Uighur"/>
+        <a:font script="Geor" typeface="Sylfaen"/>
+        <a:font script="Armn" typeface="Arial"/>
+        <a:font script="Bugi" typeface="Leelawadee UI"/>
+        <a:font script="Bopo" typeface="Microsoft JhengHei"/>
+        <a:font script="Java" typeface="Javanese Text"/>
+        <a:font script="Lisu" typeface="Segoe UI"/>
+        <a:font script="Mymr" typeface="Myanmar Text"/>
+        <a:font script="Nkoo" typeface="Ebrima"/>
+        <a:font script="Olck" typeface="Nirmala UI"/>
+        <a:font script="Osma" typeface="Ebrima"/>
+        <a:font script="Phag" typeface="Phagspa"/>
+        <a:font script="Syrn" typeface="Estrangelo Edessa"/>
+        <a:font script="Syrj" typeface="Estrangelo Edessa"/>
+        <a:font script="Syre" typeface="Estrangelo Edessa"/>
+        <a:font script="Sora" typeface="Nirmala UI"/>
+        <a:font script="Tale" typeface="Microsoft Tai Le"/>
+        <a:font script="Talu" typeface="Microsoft New Tai Lue"/>
+        <a:font script="Tfng" typeface="Ebrima"/>
+      </a:minorFont>
+    </a:fontScheme>
+    <a:fmtScheme name="Office">
+      <a:fillStyleLst>
+        <a:solidFill>
+          <a:schemeClr val="phClr"/>
+        </a:solidFill>
+        <a:gradFill rotWithShape="1">
+          <a:gsLst>
+            <a:gs pos="0">
+              <a:schemeClr val="phClr">
+                <a:lumMod val="110000"/>
+                <a:satMod val="105000"/>
+                <a:tint val="67000"/>
+              </a:schemeClr>
+            </a:gs>
+            <a:gs pos="50000">
+              <a:schemeClr val="phClr">
+                <a:lumMod val="105000"/>
+                <a:satMod val="103000"/>
+                <a:tint val="73000"/>
+              </a:schemeClr>
+            </a:gs>
+            <a:gs pos="100000">
+              <a:schemeClr val="phClr">
+                <a:lumMod val="105000"/>
+                <a:satMod val="109000"/>
+                <a:tint val="81000"/>
+              </a:schemeClr>
+            </a:gs>
+          </a:gsLst>
+          <a:lin ang="5400000" scaled="0"/>
+        </a:gradFill>
+        <a:gradFill rotWithShape="1">
+          <a:gsLst>
+            <a:gs pos="0">
+              <a:schemeClr val="phClr">
+                <a:satMod val="103000"/>
+                <a:lumMod val="102000"/>
+                <a:tint val="94000"/>
+              </a:schemeClr>
+            </a:gs>
+            <a:gs pos="50000">
+              <a:schemeClr val="phClr">
+                <a:satMod val="110000"/>
+                <a:lumMod val="100000"/>
+                <a:shade val="100000"/>
+              </a:schemeClr>
+            </a:gs>
+            <a:gs pos="100000">
+              <a:schemeClr val="phClr">
+                <a:lumMod val="99000"/>
+                <a:satMod val="120000"/>
+                <a:shade val="78000"/>
+              </a:schemeClr>
+            </a:gs>
+          </a:gsLst>
+          <a:lin ang="5400000" scaled="0"/>
+        </a:gradFill>
+      </a:fillStyleLst>
+      <a:lnStyleLst>
+        <a:ln w="6350" cap="flat" cmpd="sng" algn="ctr">
+          <a:solidFill>
+            <a:schemeClr val="phClr"/>
+          </a:solidFill>
+          <a:prstDash val="solid"/>
+          <a:miter lim="800000"/>
+        </a:ln>
+        <a:ln w="12700" cap="flat" cmpd="sng" algn="ctr">
+          <a:solidFill>
+            <a:schemeClr val="phClr"/>
+          </a:solidFill>
+          <a:prstDash val="solid"/>
+          <a:miter lim="800000"/>
+        </a:ln>
+        <a:ln w="19050" cap="flat" cmpd="sng" algn="ctr">
+          <a:solidFill>
+            <a:schemeClr val="phClr"/>
+          </a:solidFill>
+          <a:prstDash val="solid"/>
+          <a:miter lim="800000"/>
+        </a:ln>
+      </a:lnStyleLst>
+      <a:effectStyleLst>
+        <a:effectStyle>
+          <a:effectLst/>
+        </a:effectStyle>
+        <a:effectStyle>
+          <a:effectLst/>
+        </a:effectStyle>
+        <a:effectStyle>
+          <a:effectLst>
+            <a:outerShdw blurRad="57150" dist="19050" dir="5400000" algn="ctr" rotWithShape="0">
+              <a:srgbClr val="000000">
+                <a:alpha val="63000"/>
+              </a:srgbClr>
+            </a:outerShdw>
+          </a:effectLst>
+        </a:effectStyle>
+      </a:effectStyleLst>
+      <a:bgFillStyleLst>
+        <a:solidFill>
+          <a:schemeClr val="phClr"/>
+        </a:solidFill>
+        <a:solidFill>
+          <a:schemeClr val="phClr">
+            <a:tint val="95000"/>
+            <a:satMod val="170000"/>
+          </a:schemeClr>
+        </a:solidFill>
+        <a:gradFill rotWithShape="1">
+          <a:gsLst>
+            <a:gs pos="0">
+              <a:schemeClr val="phClr">
+                <a:tint val="93000"/>
+                <a:satMod val="150000"/>
+                <a:shade val="98000"/>
+                <a:lumMod val="102000"/>
+              </a:schemeClr>
+            </a:gs>
+            <a:gs pos="50000">
+              <a:schemeClr val="phClr">
+                <a:tint val="98000"/>
+                <a:satMod val="130000"/>
+                <a:shade val="90000"/>
+                <a:lumMod val="103000"/>
+              </a:schemeClr>
+            </a:gs>
+            <a:gs pos="100000">
+              <a:schemeClr val="phClr">
+                <a:shade val="63000"/>
+                <a:satMod val="120000"/>
+              </a:schemeClr>
+            </a:gs>
+          </a:gsLst>
+          <a:lin ang="5400000" scaled="0"/>
+        </a:gradFill>
+      </a:bgFillStyleLst>
+    </a:fmtScheme>
+  </a:themeElements>
+  <a:objectDefaults/>
+  <a:extraClrSchemeLst/>
+  <a:extLst>
+    <a:ext uri="{05A4C25C-085E-4340-85A3-A5531E510DB2}">
+      <thm15:themeFamily xmlns:thm15="http://schemas.microsoft.com/office/thememl/2012/main" name="Office Theme" id="{62F939B6-93AF-4DB8-9C6B-D6C7DFDC589F}" vid="{4A3C46E8-61CC-4603-A589-7422A47A8E4A}"/>
+    </a:ext>
+  </a:extLst>
+</a:theme>
 </file>